--- a/Data/ProjectPresentation.pptx
+++ b/Data/ProjectPresentation.pptx
@@ -5,7 +5,7 @@
     <p:sldMasterId id="2147483660" r:id="rId1"/>
   </p:sldMasterIdLst>
   <p:notesMasterIdLst>
-    <p:notesMasterId r:id="rId27"/>
+    <p:notesMasterId r:id="rId30"/>
   </p:notesMasterIdLst>
   <p:sldIdLst>
     <p:sldId id="256" r:id="rId2"/>
@@ -24,15 +24,18 @@
     <p:sldId id="267" r:id="rId15"/>
     <p:sldId id="270" r:id="rId16"/>
     <p:sldId id="271" r:id="rId17"/>
-    <p:sldId id="272" r:id="rId18"/>
-    <p:sldId id="273" r:id="rId19"/>
-    <p:sldId id="274" r:id="rId20"/>
-    <p:sldId id="275" r:id="rId21"/>
-    <p:sldId id="276" r:id="rId22"/>
-    <p:sldId id="277" r:id="rId23"/>
-    <p:sldId id="278" r:id="rId24"/>
-    <p:sldId id="279" r:id="rId25"/>
-    <p:sldId id="280" r:id="rId26"/>
+    <p:sldId id="281" r:id="rId18"/>
+    <p:sldId id="282" r:id="rId19"/>
+    <p:sldId id="283" r:id="rId20"/>
+    <p:sldId id="284" r:id="rId21"/>
+    <p:sldId id="285" r:id="rId22"/>
+    <p:sldId id="272" r:id="rId23"/>
+    <p:sldId id="275" r:id="rId24"/>
+    <p:sldId id="276" r:id="rId25"/>
+    <p:sldId id="277" r:id="rId26"/>
+    <p:sldId id="278" r:id="rId27"/>
+    <p:sldId id="279" r:id="rId28"/>
+    <p:sldId id="280" r:id="rId29"/>
   </p:sldIdLst>
   <p:sldSz cx="9144000" cy="6858000" type="screen4x3"/>
   <p:notesSz cx="6858000" cy="9144000"/>
@@ -216,7 +219,7 @@
           <a:p>
             <a:fld id="{E0F4C80C-4D64-4827-BD46-1D15222926A5}" type="datetimeFigureOut">
               <a:rPr lang="en-US" smtClean="0"/>
-              <a:t>1/19/2014</a:t>
+              <a:t>1/20/2014</a:t>
             </a:fld>
             <a:endParaRPr lang="en-US"/>
           </a:p>
@@ -809,7 +812,7 @@
           <a:p>
             <a:fld id="{16B827E8-27D7-4C9B-88E6-9A0E8C79B237}" type="datetimeFigureOut">
               <a:rPr lang="en-US" smtClean="0"/>
-              <a:t>1/19/2014</a:t>
+              <a:t>1/20/2014</a:t>
             </a:fld>
             <a:endParaRPr lang="en-US"/>
           </a:p>
@@ -974,7 +977,7 @@
           <a:p>
             <a:fld id="{16B827E8-27D7-4C9B-88E6-9A0E8C79B237}" type="datetimeFigureOut">
               <a:rPr lang="en-US" smtClean="0"/>
-              <a:t>1/19/2014</a:t>
+              <a:t>1/20/2014</a:t>
             </a:fld>
             <a:endParaRPr lang="en-US"/>
           </a:p>
@@ -1149,7 +1152,7 @@
           <a:p>
             <a:fld id="{16B827E8-27D7-4C9B-88E6-9A0E8C79B237}" type="datetimeFigureOut">
               <a:rPr lang="en-US" smtClean="0"/>
-              <a:t>1/19/2014</a:t>
+              <a:t>1/20/2014</a:t>
             </a:fld>
             <a:endParaRPr lang="en-US"/>
           </a:p>
@@ -1332,7 +1335,7 @@
           <a:p>
             <a:fld id="{16B827E8-27D7-4C9B-88E6-9A0E8C79B237}" type="datetimeFigureOut">
               <a:rPr lang="en-US" smtClean="0"/>
-              <a:t>1/19/2014</a:t>
+              <a:t>1/20/2014</a:t>
             </a:fld>
             <a:endParaRPr lang="en-US"/>
           </a:p>
@@ -1594,7 +1597,7 @@
           <a:p>
             <a:fld id="{16B827E8-27D7-4C9B-88E6-9A0E8C79B237}" type="datetimeFigureOut">
               <a:rPr lang="en-US" smtClean="0"/>
-              <a:t>1/19/2014</a:t>
+              <a:t>1/20/2014</a:t>
             </a:fld>
             <a:endParaRPr lang="en-US"/>
           </a:p>
@@ -1942,7 +1945,7 @@
           <a:p>
             <a:fld id="{16B827E8-27D7-4C9B-88E6-9A0E8C79B237}" type="datetimeFigureOut">
               <a:rPr lang="en-US" smtClean="0"/>
-              <a:t>1/19/2014</a:t>
+              <a:t>1/20/2014</a:t>
             </a:fld>
             <a:endParaRPr lang="en-US"/>
           </a:p>
@@ -2250,7 +2253,7 @@
           <a:p>
             <a:fld id="{16B827E8-27D7-4C9B-88E6-9A0E8C79B237}" type="datetimeFigureOut">
               <a:rPr lang="en-US" smtClean="0"/>
-              <a:t>1/19/2014</a:t>
+              <a:t>1/20/2014</a:t>
             </a:fld>
             <a:endParaRPr lang="en-US"/>
           </a:p>
@@ -2477,7 +2480,7 @@
           <a:p>
             <a:fld id="{16B827E8-27D7-4C9B-88E6-9A0E8C79B237}" type="datetimeFigureOut">
               <a:rPr lang="en-US" smtClean="0"/>
-              <a:t>1/19/2014</a:t>
+              <a:t>1/20/2014</a:t>
             </a:fld>
             <a:endParaRPr lang="en-US"/>
           </a:p>
@@ -2567,7 +2570,7 @@
           <a:p>
             <a:fld id="{16B827E8-27D7-4C9B-88E6-9A0E8C79B237}" type="datetimeFigureOut">
               <a:rPr lang="en-US" smtClean="0"/>
-              <a:t>1/19/2014</a:t>
+              <a:t>1/20/2014</a:t>
             </a:fld>
             <a:endParaRPr lang="en-US"/>
           </a:p>
@@ -2855,7 +2858,7 @@
           <a:p>
             <a:fld id="{16B827E8-27D7-4C9B-88E6-9A0E8C79B237}" type="datetimeFigureOut">
               <a:rPr lang="en-US" smtClean="0"/>
-              <a:t>1/19/2014</a:t>
+              <a:t>1/20/2014</a:t>
             </a:fld>
             <a:endParaRPr lang="en-US"/>
           </a:p>
@@ -3124,7 +3127,7 @@
           <a:p>
             <a:fld id="{16B827E8-27D7-4C9B-88E6-9A0E8C79B237}" type="datetimeFigureOut">
               <a:rPr lang="en-US" smtClean="0"/>
-              <a:t>1/19/2014</a:t>
+              <a:t>1/20/2014</a:t>
             </a:fld>
             <a:endParaRPr lang="en-US"/>
           </a:p>
@@ -3334,7 +3337,7 @@
           <a:p>
             <a:fld id="{16B827E8-27D7-4C9B-88E6-9A0E8C79B237}" type="datetimeFigureOut">
               <a:rPr lang="en-US" smtClean="0"/>
-              <a:t>1/19/2014</a:t>
+              <a:t>1/20/2014</a:t>
             </a:fld>
             <a:endParaRPr lang="en-US"/>
           </a:p>
@@ -7438,17 +7441,7 @@
                 <a:latin typeface="Adobe Fangsong Std R" pitchFamily="18" charset="-128"/>
                 <a:ea typeface="Adobe Fangsong Std R" pitchFamily="18" charset="-128"/>
               </a:rPr>
-              <a:t>SP3: </a:t>
-            </a:r>
-            <a:r>
-              <a:rPr lang="en-US" sz="900" dirty="0" smtClean="0">
-                <a:solidFill>
-                  <a:schemeClr val="tx1"/>
-                </a:solidFill>
-                <a:latin typeface="Adobe Fangsong Std R" pitchFamily="18" charset="-128"/>
-                <a:ea typeface="Adobe Fangsong Std R" pitchFamily="18" charset="-128"/>
-              </a:rPr>
-              <a:t>Experimental_1JCH  </a:t>
+              <a:t>SP3: Experimental_1JCH  </a:t>
             </a:r>
             <a:r>
               <a:rPr lang="en-US" sz="900" dirty="0">
@@ -7460,13 +7453,6 @@
               </a:rPr>
               <a:t>=  4.386090  + (0.970114) * NWChem_Avg_1JCH</a:t>
             </a:r>
-            <a:endParaRPr lang="en-US" sz="900" dirty="0">
-              <a:solidFill>
-                <a:schemeClr val="tx1"/>
-              </a:solidFill>
-              <a:latin typeface="Adobe Fangsong Std R" pitchFamily="18" charset="-128"/>
-              <a:ea typeface="Adobe Fangsong Std R" pitchFamily="18" charset="-128"/>
-            </a:endParaRPr>
           </a:p>
         </p:txBody>
       </p:sp>
@@ -7514,17 +7500,7 @@
                 <a:latin typeface="Adobe Fangsong Std R" pitchFamily="18" charset="-128"/>
                 <a:ea typeface="Adobe Fangsong Std R" pitchFamily="18" charset="-128"/>
               </a:rPr>
-              <a:t>SP1</a:t>
-            </a:r>
-            <a:r>
-              <a:rPr lang="en-US" sz="900" dirty="0" smtClean="0">
-                <a:solidFill>
-                  <a:schemeClr val="tx1"/>
-                </a:solidFill>
-                <a:latin typeface="Adobe Fangsong Std R" pitchFamily="18" charset="-128"/>
-                <a:ea typeface="Adobe Fangsong Std R" pitchFamily="18" charset="-128"/>
-              </a:rPr>
-              <a:t>: </a:t>
+              <a:t>SP1: </a:t>
             </a:r>
             <a:r>
               <a:rPr lang="en-US" sz="900" dirty="0">
@@ -7599,17 +7575,7 @@
                 <a:latin typeface="Adobe Fangsong Std R" pitchFamily="18" charset="-128"/>
                 <a:ea typeface="Adobe Fangsong Std R" pitchFamily="18" charset="-128"/>
               </a:rPr>
-              <a:t>SP2: </a:t>
-            </a:r>
-            <a:r>
-              <a:rPr lang="en-US" sz="900" dirty="0" smtClean="0">
-                <a:solidFill>
-                  <a:schemeClr val="tx1"/>
-                </a:solidFill>
-                <a:latin typeface="Adobe Fangsong Std R" pitchFamily="18" charset="-128"/>
-                <a:ea typeface="Adobe Fangsong Std R" pitchFamily="18" charset="-128"/>
-              </a:rPr>
-              <a:t>Experimental_1JCH  </a:t>
+              <a:t>SP2: Experimental_1JCH  </a:t>
             </a:r>
             <a:r>
               <a:rPr lang="en-US" sz="900" dirty="0">
@@ -7621,13 +7587,6 @@
               </a:rPr>
               <a:t>= 7.955546 + (0.952302) * NWChem_Avg_1JCH</a:t>
             </a:r>
-            <a:endParaRPr lang="en-US" sz="900" dirty="0">
-              <a:solidFill>
-                <a:schemeClr val="tx1"/>
-              </a:solidFill>
-              <a:latin typeface="Adobe Fangsong Std R" pitchFamily="18" charset="-128"/>
-              <a:ea typeface="Adobe Fangsong Std R" pitchFamily="18" charset="-128"/>
-            </a:endParaRPr>
           </a:p>
         </p:txBody>
       </p:sp>
@@ -8151,10 +8110,6 @@
               </a:rPr>
               <a:t>NWChem Predictions</a:t>
             </a:r>
-            <a:endParaRPr lang="en-US" sz="1600" b="1" dirty="0">
-              <a:latin typeface="Adobe Fangsong Std R" pitchFamily="18" charset="-128"/>
-              <a:ea typeface="Adobe Fangsong Std R" pitchFamily="18" charset="-128"/>
-            </a:endParaRPr>
           </a:p>
         </p:txBody>
       </p:sp>
@@ -10977,7 +10932,6 @@
               <a:rPr lang="en-US" sz="2800" dirty="0"/>
               <a:t>)</a:t>
             </a:r>
-            <a:endParaRPr lang="en-US" sz="2800" dirty="0"/>
           </a:p>
         </p:txBody>
       </p:sp>
@@ -12620,28 +12574,407 @@
         </p:nvSpPr>
         <p:spPr>
           <a:xfrm>
-            <a:off x="4038600" y="425335"/>
-            <a:ext cx="647934" cy="400110"/>
+            <a:off x="4140659" y="422877"/>
+            <a:ext cx="647933" cy="400110"/>
+          </a:xfrm>
+          <a:prstGeom prst="rect">
+            <a:avLst/>
+          </a:prstGeom>
+        </p:spPr>
+        <p:style>
+          <a:lnRef idx="1">
+            <a:schemeClr val="accent3"/>
+          </a:lnRef>
+          <a:fillRef idx="2">
+            <a:schemeClr val="accent3"/>
+          </a:fillRef>
+          <a:effectRef idx="1">
+            <a:schemeClr val="accent3"/>
+          </a:effectRef>
+          <a:fontRef idx="minor">
+            <a:schemeClr val="dk1"/>
+          </a:fontRef>
+        </p:style>
+        <p:txBody>
+          <a:bodyPr wrap="none" rtlCol="0">
+            <a:spAutoFit/>
+          </a:bodyPr>
+          <a:lstStyle/>
+          <a:p>
+            <a:pPr algn="ctr"/>
+            <a:r>
+              <a:rPr lang="en-US" sz="2000" b="1" dirty="0" smtClean="0">
+                <a:latin typeface="Adobe Fangsong Std R" pitchFamily="18" charset="-128"/>
+                <a:ea typeface="Adobe Fangsong Std R" pitchFamily="18" charset="-128"/>
+              </a:rPr>
+              <a:t>SP3</a:t>
+            </a:r>
+            <a:endParaRPr lang="en-US" sz="2000" b="1" dirty="0">
+              <a:latin typeface="Adobe Fangsong Std R" pitchFamily="18" charset="-128"/>
+              <a:ea typeface="Adobe Fangsong Std R" pitchFamily="18" charset="-128"/>
+            </a:endParaRPr>
+          </a:p>
+        </p:txBody>
+      </p:sp>
+      <p:sp>
+        <p:nvSpPr>
+          <p:cNvPr id="5" name="TextBox 4"/>
+          <p:cNvSpPr txBox="1"/>
+          <p:nvPr/>
+        </p:nvSpPr>
+        <p:spPr>
+          <a:xfrm>
+            <a:off x="862001" y="1003767"/>
+            <a:ext cx="3405200" cy="369332"/>
+          </a:xfrm>
+          <a:prstGeom prst="rect">
+            <a:avLst/>
+          </a:prstGeom>
+        </p:spPr>
+        <p:style>
+          <a:lnRef idx="1">
+            <a:schemeClr val="accent1"/>
+          </a:lnRef>
+          <a:fillRef idx="2">
+            <a:schemeClr val="accent1"/>
+          </a:fillRef>
+          <a:effectRef idx="1">
+            <a:schemeClr val="accent1"/>
+          </a:effectRef>
+          <a:fontRef idx="minor">
+            <a:schemeClr val="dk1"/>
+          </a:fontRef>
+        </p:style>
+        <p:txBody>
+          <a:bodyPr wrap="square" rtlCol="0">
+            <a:spAutoFit/>
+          </a:bodyPr>
+          <a:lstStyle/>
+          <a:p>
+            <a:pPr algn="ctr"/>
+            <a:r>
+              <a:rPr lang="en-US" b="1" dirty="0" smtClean="0">
+                <a:latin typeface="Adobe Fangsong Std R" pitchFamily="18" charset="-128"/>
+                <a:ea typeface="Adobe Fangsong Std R" pitchFamily="18" charset="-128"/>
+              </a:rPr>
+              <a:t>Non-Strained </a:t>
+            </a:r>
+            <a:r>
+              <a:rPr lang="en-US" b="1" dirty="0" smtClean="0">
+                <a:latin typeface="Adobe Fangsong Std R" pitchFamily="18" charset="-128"/>
+                <a:ea typeface="Adobe Fangsong Std R" pitchFamily="18" charset="-128"/>
+              </a:rPr>
+              <a:t>Carbon (287)</a:t>
+            </a:r>
+            <a:endParaRPr lang="en-US" b="1" dirty="0" smtClean="0">
+              <a:latin typeface="Adobe Fangsong Std R" pitchFamily="18" charset="-128"/>
+              <a:ea typeface="Adobe Fangsong Std R" pitchFamily="18" charset="-128"/>
+            </a:endParaRPr>
+          </a:p>
+        </p:txBody>
+      </p:sp>
+      <p:pic>
+        <p:nvPicPr>
+          <p:cNvPr id="7" name="Picture 3"/>
+          <p:cNvPicPr>
+            <a:picLocks noChangeAspect="1" noChangeArrowheads="1"/>
+          </p:cNvPicPr>
+          <p:nvPr/>
+        </p:nvPicPr>
+        <p:blipFill>
+          <a:blip r:embed="rId2">
+            <a:clrChange>
+              <a:clrFrom>
+                <a:srgbClr val="FFFFFF"/>
+              </a:clrFrom>
+              <a:clrTo>
+                <a:srgbClr val="FFFFFF">
+                  <a:alpha val="0"/>
+                </a:srgbClr>
+              </a:clrTo>
+            </a:clrChange>
+            <a:extLst>
+              <a:ext uri="{28A0092B-C50C-407E-A947-70E740481C1C}">
+                <a14:useLocalDpi xmlns:a14="http://schemas.microsoft.com/office/drawing/2010/main" val="0"/>
+              </a:ext>
+            </a:extLst>
+          </a:blip>
+          <a:srcRect/>
+          <a:stretch>
+            <a:fillRect/>
+          </a:stretch>
+        </p:blipFill>
+        <p:spPr bwMode="auto">
+          <a:xfrm>
+            <a:off x="960031" y="1359565"/>
+            <a:ext cx="2787621" cy="2433637"/>
           </a:xfrm>
           <a:prstGeom prst="rect">
             <a:avLst/>
           </a:prstGeom>
           <a:noFill/>
+          <a:ln>
+            <a:noFill/>
+          </a:ln>
+          <a:effectLst/>
+          <a:extLst>
+            <a:ext uri="{909E8E84-426E-40DD-AFC4-6F175D3DCCD1}">
+              <a14:hiddenFill xmlns:a14="http://schemas.microsoft.com/office/drawing/2010/main">
+                <a:solidFill>
+                  <a:schemeClr val="accent1"/>
+                </a:solidFill>
+              </a14:hiddenFill>
+            </a:ext>
+            <a:ext uri="{91240B29-F687-4F45-9708-019B960494DF}">
+              <a14:hiddenLine xmlns:a14="http://schemas.microsoft.com/office/drawing/2010/main" w="9525">
+                <a:solidFill>
+                  <a:schemeClr val="tx1"/>
+                </a:solidFill>
+                <a:miter lim="800000"/>
+                <a:headEnd/>
+                <a:tailEnd/>
+              </a14:hiddenLine>
+            </a:ext>
+            <a:ext uri="{AF507438-7753-43E0-B8FC-AC1667EBCBE1}">
+              <a14:hiddenEffects xmlns:a14="http://schemas.microsoft.com/office/drawing/2010/main">
+                <a:effectLst>
+                  <a:outerShdw dist="35921" dir="2700000" algn="ctr" rotWithShape="0">
+                    <a:schemeClr val="bg2"/>
+                  </a:outerShdw>
+                </a:effectLst>
+              </a14:hiddenEffects>
+            </a:ext>
+          </a:extLst>
         </p:spPr>
+      </p:pic>
+      <p:pic>
+        <p:nvPicPr>
+          <p:cNvPr id="8" name="Picture 4"/>
+          <p:cNvPicPr>
+            <a:picLocks noChangeAspect="1" noChangeArrowheads="1"/>
+          </p:cNvPicPr>
+          <p:nvPr/>
+        </p:nvPicPr>
+        <p:blipFill>
+          <a:blip r:embed="rId3">
+            <a:clrChange>
+              <a:clrFrom>
+                <a:srgbClr val="FFFFFF"/>
+              </a:clrFrom>
+              <a:clrTo>
+                <a:srgbClr val="FFFFFF">
+                  <a:alpha val="0"/>
+                </a:srgbClr>
+              </a:clrTo>
+            </a:clrChange>
+            <a:extLst>
+              <a:ext uri="{28A0092B-C50C-407E-A947-70E740481C1C}">
+                <a14:useLocalDpi xmlns:a14="http://schemas.microsoft.com/office/drawing/2010/main" val="0"/>
+              </a:ext>
+            </a:extLst>
+          </a:blip>
+          <a:srcRect/>
+          <a:stretch>
+            <a:fillRect/>
+          </a:stretch>
+        </p:blipFill>
+        <p:spPr bwMode="auto">
+          <a:xfrm>
+            <a:off x="2353842" y="3429000"/>
+            <a:ext cx="4205170" cy="3331239"/>
+          </a:xfrm>
+          <a:prstGeom prst="rect">
+            <a:avLst/>
+          </a:prstGeom>
+          <a:noFill/>
+          <a:ln>
+            <a:noFill/>
+          </a:ln>
+          <a:effectLst/>
+          <a:extLst>
+            <a:ext uri="{909E8E84-426E-40DD-AFC4-6F175D3DCCD1}">
+              <a14:hiddenFill xmlns:a14="http://schemas.microsoft.com/office/drawing/2010/main">
+                <a:solidFill>
+                  <a:schemeClr val="accent1"/>
+                </a:solidFill>
+              </a14:hiddenFill>
+            </a:ext>
+            <a:ext uri="{91240B29-F687-4F45-9708-019B960494DF}">
+              <a14:hiddenLine xmlns:a14="http://schemas.microsoft.com/office/drawing/2010/main" w="9525">
+                <a:solidFill>
+                  <a:schemeClr val="tx1"/>
+                </a:solidFill>
+                <a:miter lim="800000"/>
+                <a:headEnd/>
+                <a:tailEnd/>
+              </a14:hiddenLine>
+            </a:ext>
+            <a:ext uri="{AF507438-7753-43E0-B8FC-AC1667EBCBE1}">
+              <a14:hiddenEffects xmlns:a14="http://schemas.microsoft.com/office/drawing/2010/main">
+                <a:effectLst>
+                  <a:outerShdw dist="35921" dir="2700000" algn="ctr" rotWithShape="0">
+                    <a:schemeClr val="bg2"/>
+                  </a:outerShdw>
+                </a:effectLst>
+              </a14:hiddenEffects>
+            </a:ext>
+          </a:extLst>
+        </p:spPr>
+      </p:pic>
+      <p:pic>
+        <p:nvPicPr>
+          <p:cNvPr id="9" name="Picture 5"/>
+          <p:cNvPicPr>
+            <a:picLocks noChangeAspect="1" noChangeArrowheads="1"/>
+          </p:cNvPicPr>
+          <p:nvPr/>
+        </p:nvPicPr>
+        <p:blipFill>
+          <a:blip r:embed="rId4" cstate="print">
+            <a:clrChange>
+              <a:clrFrom>
+                <a:srgbClr val="FFFFFF"/>
+              </a:clrFrom>
+              <a:clrTo>
+                <a:srgbClr val="FFFFFF">
+                  <a:alpha val="0"/>
+                </a:srgbClr>
+              </a:clrTo>
+            </a:clrChange>
+            <a:extLst>
+              <a:ext uri="{28A0092B-C50C-407E-A947-70E740481C1C}">
+                <a14:useLocalDpi xmlns:a14="http://schemas.microsoft.com/office/drawing/2010/main" val="0"/>
+              </a:ext>
+            </a:extLst>
+          </a:blip>
+          <a:srcRect/>
+          <a:stretch>
+            <a:fillRect/>
+          </a:stretch>
+        </p:blipFill>
+        <p:spPr bwMode="auto">
+          <a:xfrm>
+            <a:off x="5181600" y="1421165"/>
+            <a:ext cx="2646500" cy="2310436"/>
+          </a:xfrm>
+          <a:prstGeom prst="rect">
+            <a:avLst/>
+          </a:prstGeom>
+          <a:noFill/>
+          <a:ln>
+            <a:noFill/>
+          </a:ln>
+          <a:effectLst/>
+          <a:extLst>
+            <a:ext uri="{909E8E84-426E-40DD-AFC4-6F175D3DCCD1}">
+              <a14:hiddenFill xmlns:a14="http://schemas.microsoft.com/office/drawing/2010/main">
+                <a:solidFill>
+                  <a:schemeClr val="accent1"/>
+                </a:solidFill>
+              </a14:hiddenFill>
+            </a:ext>
+            <a:ext uri="{91240B29-F687-4F45-9708-019B960494DF}">
+              <a14:hiddenLine xmlns:a14="http://schemas.microsoft.com/office/drawing/2010/main" w="9525">
+                <a:solidFill>
+                  <a:schemeClr val="tx1"/>
+                </a:solidFill>
+                <a:miter lim="800000"/>
+                <a:headEnd/>
+                <a:tailEnd/>
+              </a14:hiddenLine>
+            </a:ext>
+            <a:ext uri="{AF507438-7753-43E0-B8FC-AC1667EBCBE1}">
+              <a14:hiddenEffects xmlns:a14="http://schemas.microsoft.com/office/drawing/2010/main">
+                <a:effectLst>
+                  <a:outerShdw dist="35921" dir="2700000" algn="ctr" rotWithShape="0">
+                    <a:schemeClr val="bg2"/>
+                  </a:outerShdw>
+                </a:effectLst>
+              </a14:hiddenEffects>
+            </a:ext>
+          </a:extLst>
+        </p:spPr>
+      </p:pic>
+      <p:cxnSp>
+        <p:nvCxnSpPr>
+          <p:cNvPr id="3" name="Straight Arrow Connector 2"/>
+          <p:cNvCxnSpPr>
+            <a:stCxn id="7" idx="3"/>
+            <a:endCxn id="9" idx="1"/>
+          </p:cNvCxnSpPr>
+          <p:nvPr/>
+        </p:nvCxnSpPr>
+        <p:spPr>
+          <a:xfrm flipV="1">
+            <a:off x="3747652" y="2576383"/>
+            <a:ext cx="1433948" cy="1"/>
+          </a:xfrm>
+          <a:prstGeom prst="straightConnector1">
+            <a:avLst/>
+          </a:prstGeom>
+          <a:ln>
+            <a:tailEnd type="arrow"/>
+          </a:ln>
+        </p:spPr>
+        <p:style>
+          <a:lnRef idx="1">
+            <a:schemeClr val="dk1"/>
+          </a:lnRef>
+          <a:fillRef idx="0">
+            <a:schemeClr val="dk1"/>
+          </a:fillRef>
+          <a:effectRef idx="0">
+            <a:schemeClr val="dk1"/>
+          </a:effectRef>
+          <a:fontRef idx="minor">
+            <a:schemeClr val="tx1"/>
+          </a:fontRef>
+        </p:style>
+      </p:cxnSp>
+      <p:sp>
+        <p:nvSpPr>
+          <p:cNvPr id="10" name="TextBox 9"/>
+          <p:cNvSpPr txBox="1"/>
+          <p:nvPr/>
+        </p:nvSpPr>
+        <p:spPr>
+          <a:xfrm>
+            <a:off x="4724400" y="985704"/>
+            <a:ext cx="3305821" cy="369332"/>
+          </a:xfrm>
+          <a:prstGeom prst="rect">
+            <a:avLst/>
+          </a:prstGeom>
+        </p:spPr>
+        <p:style>
+          <a:lnRef idx="1">
+            <a:schemeClr val="accent1"/>
+          </a:lnRef>
+          <a:fillRef idx="2">
+            <a:schemeClr val="accent1"/>
+          </a:fillRef>
+          <a:effectRef idx="1">
+            <a:schemeClr val="accent1"/>
+          </a:effectRef>
+          <a:fontRef idx="minor">
+            <a:schemeClr val="dk1"/>
+          </a:fontRef>
+        </p:style>
         <p:txBody>
-          <a:bodyPr wrap="none" rtlCol="0">
+          <a:bodyPr wrap="square" rtlCol="0">
             <a:spAutoFit/>
           </a:bodyPr>
           <a:lstStyle/>
           <a:p>
-            <a:r>
-              <a:rPr lang="en-US" sz="2000" b="1" dirty="0" smtClean="0">
-                <a:latin typeface="Adobe Fangsong Std R" pitchFamily="18" charset="-128"/>
-                <a:ea typeface="Adobe Fangsong Std R" pitchFamily="18" charset="-128"/>
-              </a:rPr>
-              <a:t>SP3</a:t>
-            </a:r>
-            <a:endParaRPr lang="en-US" sz="2000" b="1" dirty="0">
+            <a:pPr algn="ctr"/>
+            <a:r>
+              <a:rPr lang="en-US" b="1" dirty="0" smtClean="0">
+                <a:latin typeface="Adobe Fangsong Std R" pitchFamily="18" charset="-128"/>
+                <a:ea typeface="Adobe Fangsong Std R" pitchFamily="18" charset="-128"/>
+              </a:rPr>
+              <a:t>Strained Carbon (94)</a:t>
+            </a:r>
+            <a:endParaRPr lang="en-US" b="1" dirty="0" smtClean="0">
               <a:latin typeface="Adobe Fangsong Std R" pitchFamily="18" charset="-128"/>
               <a:ea typeface="Adobe Fangsong Std R" pitchFamily="18" charset="-128"/>
             </a:endParaRPr>
@@ -12687,14 +13020,470 @@
       </p:grpSpPr>
       <p:sp>
         <p:nvSpPr>
-          <p:cNvPr id="4" name="TextBox 3"/>
+          <p:cNvPr id="5" name="TextBox 4"/>
           <p:cNvSpPr txBox="1"/>
           <p:nvPr/>
         </p:nvSpPr>
         <p:spPr>
           <a:xfrm>
-            <a:off x="4038600" y="425335"/>
-            <a:ext cx="647934" cy="400110"/>
+            <a:off x="457200" y="5822462"/>
+            <a:ext cx="8229600" cy="523220"/>
+          </a:xfrm>
+          <a:prstGeom prst="rect">
+            <a:avLst/>
+          </a:prstGeom>
+        </p:spPr>
+        <p:style>
+          <a:lnRef idx="1">
+            <a:schemeClr val="accent1"/>
+          </a:lnRef>
+          <a:fillRef idx="2">
+            <a:schemeClr val="accent1"/>
+          </a:fillRef>
+          <a:effectRef idx="1">
+            <a:schemeClr val="accent1"/>
+          </a:effectRef>
+          <a:fontRef idx="minor">
+            <a:schemeClr val="dk1"/>
+          </a:fontRef>
+        </p:style>
+        <p:txBody>
+          <a:bodyPr wrap="square" rtlCol="0">
+            <a:spAutoFit/>
+          </a:bodyPr>
+          <a:lstStyle/>
+          <a:p>
+            <a:r>
+              <a:rPr lang="en-US" sz="1400" b="1" dirty="0" smtClean="0">
+                <a:latin typeface="Adobe Fangsong Std R" pitchFamily="18" charset="-128"/>
+                <a:ea typeface="Adobe Fangsong Std R" pitchFamily="18" charset="-128"/>
+              </a:rPr>
+              <a:t>NWChem = </a:t>
+            </a:r>
+            <a:r>
+              <a:rPr lang="en-US" sz="1400" b="1" dirty="0">
+                <a:latin typeface="Adobe Fangsong Std R" pitchFamily="18" charset="-128"/>
+                <a:ea typeface="Adobe Fangsong Std R" pitchFamily="18" charset="-128"/>
+              </a:rPr>
+              <a:t> </a:t>
+            </a:r>
+            <a:r>
+              <a:rPr lang="en-US" sz="1400" b="1" dirty="0" smtClean="0">
+                <a:latin typeface="Adobe Fangsong Std R" pitchFamily="18" charset="-128"/>
+                <a:ea typeface="Adobe Fangsong Std R" pitchFamily="18" charset="-128"/>
+              </a:rPr>
+              <a:t>(</a:t>
+            </a:r>
+            <a:r>
+              <a:rPr lang="en-US" sz="1400" b="1" dirty="0" smtClean="0">
+                <a:latin typeface="Adobe Fangsong Std R" pitchFamily="18" charset="-128"/>
+                <a:ea typeface="Adobe Fangsong Std R" pitchFamily="18" charset="-128"/>
+              </a:rPr>
+              <a:t>Intercept</a:t>
+            </a:r>
+            <a:r>
+              <a:rPr lang="en-US" sz="1400" b="1" dirty="0">
+                <a:latin typeface="Adobe Fangsong Std R" pitchFamily="18" charset="-128"/>
+                <a:ea typeface="Adobe Fangsong Std R" pitchFamily="18" charset="-128"/>
+              </a:rPr>
+              <a:t>) 129.9327 </a:t>
+            </a:r>
+            <a:r>
+              <a:rPr lang="en-US" sz="1400" b="1" dirty="0" smtClean="0">
+                <a:latin typeface="Adobe Fangsong Std R" pitchFamily="18" charset="-128"/>
+                <a:ea typeface="Adobe Fangsong Std R" pitchFamily="18" charset="-128"/>
+              </a:rPr>
+              <a:t>+ (Comp.1) </a:t>
+            </a:r>
+            <a:r>
+              <a:rPr lang="en-US" sz="1400" b="1" dirty="0">
+                <a:latin typeface="Adobe Fangsong Std R" pitchFamily="18" charset="-128"/>
+                <a:ea typeface="Adobe Fangsong Std R" pitchFamily="18" charset="-128"/>
+              </a:rPr>
+              <a:t>-</a:t>
+            </a:r>
+            <a:r>
+              <a:rPr lang="en-US" sz="1400" b="1" dirty="0" smtClean="0">
+                <a:latin typeface="Adobe Fangsong Std R" pitchFamily="18" charset="-128"/>
+                <a:ea typeface="Adobe Fangsong Std R" pitchFamily="18" charset="-128"/>
+              </a:rPr>
+              <a:t>3.4336 + (Comp.2) </a:t>
+            </a:r>
+            <a:r>
+              <a:rPr lang="en-US" sz="1400" b="1" dirty="0">
+                <a:latin typeface="Adobe Fangsong Std R" pitchFamily="18" charset="-128"/>
+                <a:ea typeface="Adobe Fangsong Std R" pitchFamily="18" charset="-128"/>
+              </a:rPr>
+              <a:t>-1.7915 </a:t>
+            </a:r>
+            <a:r>
+              <a:rPr lang="en-US" sz="1400" b="1" dirty="0" smtClean="0">
+                <a:latin typeface="Adobe Fangsong Std R" pitchFamily="18" charset="-128"/>
+                <a:ea typeface="Adobe Fangsong Std R" pitchFamily="18" charset="-128"/>
+              </a:rPr>
+              <a:t>+ (Comp.3) </a:t>
+            </a:r>
+            <a:r>
+              <a:rPr lang="en-US" sz="1400" b="1" dirty="0">
+                <a:latin typeface="Adobe Fangsong Std R" pitchFamily="18" charset="-128"/>
+                <a:ea typeface="Adobe Fangsong Std R" pitchFamily="18" charset="-128"/>
+              </a:rPr>
+              <a:t>3.2235 </a:t>
+            </a:r>
+            <a:endParaRPr lang="en-US" sz="1400" b="1" dirty="0" smtClean="0">
+              <a:latin typeface="Adobe Fangsong Std R" pitchFamily="18" charset="-128"/>
+              <a:ea typeface="Adobe Fangsong Std R" pitchFamily="18" charset="-128"/>
+            </a:endParaRPr>
+          </a:p>
+          <a:p>
+            <a:r>
+              <a:rPr lang="en-US" sz="1400" b="1" dirty="0">
+                <a:latin typeface="Adobe Fangsong Std R" pitchFamily="18" charset="-128"/>
+                <a:ea typeface="Adobe Fangsong Std R" pitchFamily="18" charset="-128"/>
+              </a:rPr>
+              <a:t>	</a:t>
+            </a:r>
+            <a:r>
+              <a:rPr lang="en-US" sz="1400" b="1" dirty="0" smtClean="0">
+                <a:latin typeface="Adobe Fangsong Std R" pitchFamily="18" charset="-128"/>
+                <a:ea typeface="Adobe Fangsong Std R" pitchFamily="18" charset="-128"/>
+              </a:rPr>
+              <a:t>	</a:t>
+            </a:r>
+            <a:r>
+              <a:rPr lang="en-US" sz="1400" b="1" dirty="0" smtClean="0">
+                <a:latin typeface="Adobe Fangsong Std R" pitchFamily="18" charset="-128"/>
+                <a:ea typeface="Adobe Fangsong Std R" pitchFamily="18" charset="-128"/>
+              </a:rPr>
+              <a:t>+ </a:t>
+            </a:r>
+            <a:r>
+              <a:rPr lang="en-US" sz="1400" b="1" dirty="0" smtClean="0">
+                <a:latin typeface="Adobe Fangsong Std R" pitchFamily="18" charset="-128"/>
+                <a:ea typeface="Adobe Fangsong Std R" pitchFamily="18" charset="-128"/>
+              </a:rPr>
+              <a:t>(Comp.4) </a:t>
+            </a:r>
+            <a:r>
+              <a:rPr lang="en-US" sz="1400" b="1" dirty="0">
+                <a:latin typeface="Adobe Fangsong Std R" pitchFamily="18" charset="-128"/>
+                <a:ea typeface="Adobe Fangsong Std R" pitchFamily="18" charset="-128"/>
+              </a:rPr>
+              <a:t>1.6155 </a:t>
+            </a:r>
+            <a:endParaRPr lang="en-US" sz="1400" b="1" dirty="0" smtClean="0">
+              <a:latin typeface="Adobe Fangsong Std R" pitchFamily="18" charset="-128"/>
+              <a:ea typeface="Adobe Fangsong Std R" pitchFamily="18" charset="-128"/>
+            </a:endParaRPr>
+          </a:p>
+        </p:txBody>
+      </p:sp>
+      <p:pic>
+        <p:nvPicPr>
+          <p:cNvPr id="6" name="Picture 2"/>
+          <p:cNvPicPr>
+            <a:picLocks noChangeAspect="1" noChangeArrowheads="1"/>
+          </p:cNvPicPr>
+          <p:nvPr/>
+        </p:nvPicPr>
+        <p:blipFill>
+          <a:blip r:embed="rId2" cstate="print">
+            <a:clrChange>
+              <a:clrFrom>
+                <a:srgbClr val="FFFFFF"/>
+              </a:clrFrom>
+              <a:clrTo>
+                <a:srgbClr val="FFFFFF">
+                  <a:alpha val="0"/>
+                </a:srgbClr>
+              </a:clrTo>
+            </a:clrChange>
+            <a:extLst>
+              <a:ext uri="{28A0092B-C50C-407E-A947-70E740481C1C}">
+                <a14:useLocalDpi xmlns:a14="http://schemas.microsoft.com/office/drawing/2010/main" val="0"/>
+              </a:ext>
+            </a:extLst>
+          </a:blip>
+          <a:srcRect/>
+          <a:stretch>
+            <a:fillRect/>
+          </a:stretch>
+        </p:blipFill>
+        <p:spPr bwMode="auto">
+          <a:xfrm>
+            <a:off x="2118403" y="698120"/>
+            <a:ext cx="2392190" cy="2310716"/>
+          </a:xfrm>
+          <a:prstGeom prst="rect">
+            <a:avLst/>
+          </a:prstGeom>
+          <a:noFill/>
+          <a:ln>
+            <a:noFill/>
+          </a:ln>
+          <a:effectLst/>
+          <a:extLst>
+            <a:ext uri="{909E8E84-426E-40DD-AFC4-6F175D3DCCD1}">
+              <a14:hiddenFill xmlns:a14="http://schemas.microsoft.com/office/drawing/2010/main">
+                <a:solidFill>
+                  <a:schemeClr val="accent1"/>
+                </a:solidFill>
+              </a14:hiddenFill>
+            </a:ext>
+            <a:ext uri="{91240B29-F687-4F45-9708-019B960494DF}">
+              <a14:hiddenLine xmlns:a14="http://schemas.microsoft.com/office/drawing/2010/main" w="9525">
+                <a:solidFill>
+                  <a:schemeClr val="tx1"/>
+                </a:solidFill>
+                <a:miter lim="800000"/>
+                <a:headEnd/>
+                <a:tailEnd/>
+              </a14:hiddenLine>
+            </a:ext>
+            <a:ext uri="{AF507438-7753-43E0-B8FC-AC1667EBCBE1}">
+              <a14:hiddenEffects xmlns:a14="http://schemas.microsoft.com/office/drawing/2010/main">
+                <a:effectLst>
+                  <a:outerShdw dist="35921" dir="2700000" algn="ctr" rotWithShape="0">
+                    <a:schemeClr val="bg2"/>
+                  </a:outerShdw>
+                </a:effectLst>
+              </a14:hiddenEffects>
+            </a:ext>
+          </a:extLst>
+        </p:spPr>
+      </p:pic>
+      <p:pic>
+        <p:nvPicPr>
+          <p:cNvPr id="7" name="Picture 3"/>
+          <p:cNvPicPr>
+            <a:picLocks noChangeAspect="1" noChangeArrowheads="1"/>
+          </p:cNvPicPr>
+          <p:nvPr/>
+        </p:nvPicPr>
+        <p:blipFill>
+          <a:blip r:embed="rId3">
+            <a:clrChange>
+              <a:clrFrom>
+                <a:srgbClr val="FFFFFF"/>
+              </a:clrFrom>
+              <a:clrTo>
+                <a:srgbClr val="FFFFFF">
+                  <a:alpha val="0"/>
+                </a:srgbClr>
+              </a:clrTo>
+            </a:clrChange>
+            <a:extLst>
+              <a:ext uri="{28A0092B-C50C-407E-A947-70E740481C1C}">
+                <a14:useLocalDpi xmlns:a14="http://schemas.microsoft.com/office/drawing/2010/main" val="0"/>
+              </a:ext>
+            </a:extLst>
+          </a:blip>
+          <a:srcRect/>
+          <a:stretch>
+            <a:fillRect/>
+          </a:stretch>
+        </p:blipFill>
+        <p:spPr bwMode="auto">
+          <a:xfrm>
+            <a:off x="4838699" y="685800"/>
+            <a:ext cx="2248101" cy="2170635"/>
+          </a:xfrm>
+          <a:prstGeom prst="rect">
+            <a:avLst/>
+          </a:prstGeom>
+          <a:noFill/>
+          <a:ln>
+            <a:noFill/>
+          </a:ln>
+          <a:effectLst/>
+          <a:extLst>
+            <a:ext uri="{909E8E84-426E-40DD-AFC4-6F175D3DCCD1}">
+              <a14:hiddenFill xmlns:a14="http://schemas.microsoft.com/office/drawing/2010/main">
+                <a:solidFill>
+                  <a:schemeClr val="accent1"/>
+                </a:solidFill>
+              </a14:hiddenFill>
+            </a:ext>
+            <a:ext uri="{91240B29-F687-4F45-9708-019B960494DF}">
+              <a14:hiddenLine xmlns:a14="http://schemas.microsoft.com/office/drawing/2010/main" w="9525">
+                <a:solidFill>
+                  <a:schemeClr val="tx1"/>
+                </a:solidFill>
+                <a:miter lim="800000"/>
+                <a:headEnd/>
+                <a:tailEnd/>
+              </a14:hiddenLine>
+            </a:ext>
+            <a:ext uri="{AF507438-7753-43E0-B8FC-AC1667EBCBE1}">
+              <a14:hiddenEffects xmlns:a14="http://schemas.microsoft.com/office/drawing/2010/main">
+                <a:effectLst>
+                  <a:outerShdw dist="35921" dir="2700000" algn="ctr" rotWithShape="0">
+                    <a:schemeClr val="bg2"/>
+                  </a:outerShdw>
+                </a:effectLst>
+              </a14:hiddenEffects>
+            </a:ext>
+          </a:extLst>
+        </p:spPr>
+      </p:pic>
+      <p:pic>
+        <p:nvPicPr>
+          <p:cNvPr id="8" name="Picture 4"/>
+          <p:cNvPicPr>
+            <a:picLocks noChangeAspect="1" noChangeArrowheads="1"/>
+          </p:cNvPicPr>
+          <p:nvPr/>
+        </p:nvPicPr>
+        <p:blipFill>
+          <a:blip r:embed="rId4">
+            <a:clrChange>
+              <a:clrFrom>
+                <a:srgbClr val="FFFFFF"/>
+              </a:clrFrom>
+              <a:clrTo>
+                <a:srgbClr val="FFFFFF">
+                  <a:alpha val="0"/>
+                </a:srgbClr>
+              </a:clrTo>
+            </a:clrChange>
+            <a:extLst>
+              <a:ext uri="{28A0092B-C50C-407E-A947-70E740481C1C}">
+                <a14:useLocalDpi xmlns:a14="http://schemas.microsoft.com/office/drawing/2010/main" val="0"/>
+              </a:ext>
+            </a:extLst>
+          </a:blip>
+          <a:srcRect/>
+          <a:stretch>
+            <a:fillRect/>
+          </a:stretch>
+        </p:blipFill>
+        <p:spPr bwMode="auto">
+          <a:xfrm>
+            <a:off x="2118403" y="3161236"/>
+            <a:ext cx="2392190" cy="2426244"/>
+          </a:xfrm>
+          <a:prstGeom prst="rect">
+            <a:avLst/>
+          </a:prstGeom>
+          <a:noFill/>
+          <a:ln>
+            <a:noFill/>
+          </a:ln>
+          <a:effectLst/>
+          <a:extLst>
+            <a:ext uri="{909E8E84-426E-40DD-AFC4-6F175D3DCCD1}">
+              <a14:hiddenFill xmlns:a14="http://schemas.microsoft.com/office/drawing/2010/main">
+                <a:solidFill>
+                  <a:schemeClr val="accent1"/>
+                </a:solidFill>
+              </a14:hiddenFill>
+            </a:ext>
+            <a:ext uri="{91240B29-F687-4F45-9708-019B960494DF}">
+              <a14:hiddenLine xmlns:a14="http://schemas.microsoft.com/office/drawing/2010/main" w="9525">
+                <a:solidFill>
+                  <a:schemeClr val="tx1"/>
+                </a:solidFill>
+                <a:miter lim="800000"/>
+                <a:headEnd/>
+                <a:tailEnd/>
+              </a14:hiddenLine>
+            </a:ext>
+            <a:ext uri="{AF507438-7753-43E0-B8FC-AC1667EBCBE1}">
+              <a14:hiddenEffects xmlns:a14="http://schemas.microsoft.com/office/drawing/2010/main">
+                <a:effectLst>
+                  <a:outerShdw dist="35921" dir="2700000" algn="ctr" rotWithShape="0">
+                    <a:schemeClr val="bg2"/>
+                  </a:outerShdw>
+                </a:effectLst>
+              </a14:hiddenEffects>
+            </a:ext>
+          </a:extLst>
+        </p:spPr>
+      </p:pic>
+      <p:pic>
+        <p:nvPicPr>
+          <p:cNvPr id="9" name="Picture 5"/>
+          <p:cNvPicPr>
+            <a:picLocks noChangeAspect="1" noChangeArrowheads="1"/>
+          </p:cNvPicPr>
+          <p:nvPr/>
+        </p:nvPicPr>
+        <p:blipFill>
+          <a:blip r:embed="rId5" cstate="print">
+            <a:clrChange>
+              <a:clrFrom>
+                <a:srgbClr val="FFFFFF"/>
+              </a:clrFrom>
+              <a:clrTo>
+                <a:srgbClr val="FFFFFF">
+                  <a:alpha val="0"/>
+                </a:srgbClr>
+              </a:clrTo>
+            </a:clrChange>
+            <a:extLst>
+              <a:ext uri="{28A0092B-C50C-407E-A947-70E740481C1C}">
+                <a14:useLocalDpi xmlns:a14="http://schemas.microsoft.com/office/drawing/2010/main" val="0"/>
+              </a:ext>
+            </a:extLst>
+          </a:blip>
+          <a:srcRect/>
+          <a:stretch>
+            <a:fillRect/>
+          </a:stretch>
+        </p:blipFill>
+        <p:spPr bwMode="auto">
+          <a:xfrm>
+            <a:off x="4838700" y="3161236"/>
+            <a:ext cx="2308904" cy="2378248"/>
+          </a:xfrm>
+          <a:prstGeom prst="rect">
+            <a:avLst/>
+          </a:prstGeom>
+          <a:noFill/>
+          <a:ln>
+            <a:noFill/>
+          </a:ln>
+          <a:effectLst/>
+          <a:extLst>
+            <a:ext uri="{909E8E84-426E-40DD-AFC4-6F175D3DCCD1}">
+              <a14:hiddenFill xmlns:a14="http://schemas.microsoft.com/office/drawing/2010/main">
+                <a:solidFill>
+                  <a:schemeClr val="accent1"/>
+                </a:solidFill>
+              </a14:hiddenFill>
+            </a:ext>
+            <a:ext uri="{91240B29-F687-4F45-9708-019B960494DF}">
+              <a14:hiddenLine xmlns:a14="http://schemas.microsoft.com/office/drawing/2010/main" w="9525">
+                <a:solidFill>
+                  <a:schemeClr val="tx1"/>
+                </a:solidFill>
+                <a:miter lim="800000"/>
+                <a:headEnd/>
+                <a:tailEnd/>
+              </a14:hiddenLine>
+            </a:ext>
+            <a:ext uri="{AF507438-7753-43E0-B8FC-AC1667EBCBE1}">
+              <a14:hiddenEffects xmlns:a14="http://schemas.microsoft.com/office/drawing/2010/main">
+                <a:effectLst>
+                  <a:outerShdw dist="35921" dir="2700000" algn="ctr" rotWithShape="0">
+                    <a:schemeClr val="bg2"/>
+                  </a:outerShdw>
+                </a:effectLst>
+              </a14:hiddenEffects>
+            </a:ext>
+          </a:extLst>
+        </p:spPr>
+      </p:pic>
+      <p:sp>
+        <p:nvSpPr>
+          <p:cNvPr id="10" name="TextBox 9"/>
+          <p:cNvSpPr txBox="1"/>
+          <p:nvPr/>
+        </p:nvSpPr>
+        <p:spPr>
+          <a:xfrm>
+            <a:off x="3131301" y="425335"/>
+            <a:ext cx="2462534" cy="400110"/>
           </a:xfrm>
           <a:prstGeom prst="rect">
             <a:avLst/>
@@ -12707,12 +13496,13 @@
           </a:bodyPr>
           <a:lstStyle/>
           <a:p>
-            <a:r>
-              <a:rPr lang="en-US" sz="2000" b="1" dirty="0" smtClean="0">
-                <a:latin typeface="Adobe Fangsong Std R" pitchFamily="18" charset="-128"/>
-                <a:ea typeface="Adobe Fangsong Std R" pitchFamily="18" charset="-128"/>
-              </a:rPr>
-              <a:t>SP2</a:t>
+            <a:pPr algn="ctr"/>
+            <a:r>
+              <a:rPr lang="en-US" sz="2000" b="1" dirty="0">
+                <a:latin typeface="Adobe Fangsong Std R" pitchFamily="18" charset="-128"/>
+                <a:ea typeface="Adobe Fangsong Std R" pitchFamily="18" charset="-128"/>
+              </a:rPr>
+              <a:t>SP3 - Non-Strained</a:t>
             </a:r>
             <a:endParaRPr lang="en-US" sz="2000" b="1" dirty="0">
               <a:latin typeface="Adobe Fangsong Std R" pitchFamily="18" charset="-128"/>
@@ -12724,20 +13514,13 @@
     </p:spTree>
     <p:extLst>
       <p:ext uri="{BB962C8B-B14F-4D97-AF65-F5344CB8AC3E}">
-        <p14:creationId xmlns:p14="http://schemas.microsoft.com/office/powerpoint/2010/main" val="2387711665"/>
+        <p14:creationId xmlns:p14="http://schemas.microsoft.com/office/powerpoint/2010/main" val="2705798394"/>
       </p:ext>
     </p:extLst>
   </p:cSld>
   <p:clrMapOvr>
     <a:masterClrMapping/>
   </p:clrMapOvr>
-  <p:timing>
-    <p:tnLst>
-      <p:par>
-        <p:cTn id="1" dur="indefinite" restart="never" nodeType="tmRoot"/>
-      </p:par>
-    </p:tnLst>
-  </p:timing>
 </p:sld>
 </file>
 
@@ -12760,14 +13543,14 @@
       </p:grpSpPr>
       <p:sp>
         <p:nvSpPr>
-          <p:cNvPr id="4" name="TextBox 3"/>
+          <p:cNvPr id="8" name="TextBox 7"/>
           <p:cNvSpPr txBox="1"/>
           <p:nvPr/>
         </p:nvSpPr>
         <p:spPr>
           <a:xfrm>
-            <a:off x="3657600" y="425335"/>
-            <a:ext cx="1938351" cy="400110"/>
+            <a:off x="1676400" y="4348893"/>
+            <a:ext cx="5928226" cy="369332"/>
           </a:xfrm>
           <a:prstGeom prst="rect">
             <a:avLst/>
@@ -12781,11 +13564,1393 @@
           <a:lstStyle/>
           <a:p>
             <a:r>
-              <a:rPr lang="en-US" sz="2000" b="1" dirty="0" smtClean="0">
-                <a:latin typeface="Adobe Fangsong Std R" pitchFamily="18" charset="-128"/>
-                <a:ea typeface="Adobe Fangsong Std R" pitchFamily="18" charset="-128"/>
-              </a:rPr>
-              <a:t>Decision Trees</a:t>
+              <a:rPr lang="en-US" b="1" dirty="0" smtClean="0">
+                <a:latin typeface="Adobe Fangsong Std R" pitchFamily="18" charset="-128"/>
+                <a:ea typeface="Adobe Fangsong Std R" pitchFamily="18" charset="-128"/>
+              </a:rPr>
+              <a:t>MAE : 2.880516                             RMSE : 4.964659</a:t>
+            </a:r>
+            <a:endParaRPr lang="en-US" b="1" dirty="0">
+              <a:latin typeface="Adobe Fangsong Std R" pitchFamily="18" charset="-128"/>
+              <a:ea typeface="Adobe Fangsong Std R" pitchFamily="18" charset="-128"/>
+            </a:endParaRPr>
+          </a:p>
+        </p:txBody>
+      </p:sp>
+      <p:sp>
+        <p:nvSpPr>
+          <p:cNvPr id="2" name="TextBox 1"/>
+          <p:cNvSpPr txBox="1"/>
+          <p:nvPr/>
+        </p:nvSpPr>
+        <p:spPr>
+          <a:xfrm>
+            <a:off x="685800" y="3733800"/>
+            <a:ext cx="2912977" cy="369332"/>
+          </a:xfrm>
+          <a:prstGeom prst="rect">
+            <a:avLst/>
+          </a:prstGeom>
+          <a:noFill/>
+        </p:spPr>
+        <p:txBody>
+          <a:bodyPr wrap="none" rtlCol="0">
+            <a:spAutoFit/>
+          </a:bodyPr>
+          <a:lstStyle/>
+          <a:p>
+            <a:r>
+              <a:rPr lang="en-US" b="1" dirty="0" smtClean="0">
+                <a:latin typeface="Adobe Fangsong Std R" pitchFamily="18" charset="-128"/>
+                <a:ea typeface="Adobe Fangsong Std R" pitchFamily="18" charset="-128"/>
+              </a:rPr>
+              <a:t>Test Set Prediction Error:</a:t>
+            </a:r>
+            <a:endParaRPr lang="en-US" b="1" dirty="0">
+              <a:latin typeface="Adobe Fangsong Std R" pitchFamily="18" charset="-128"/>
+              <a:ea typeface="Adobe Fangsong Std R" pitchFamily="18" charset="-128"/>
+            </a:endParaRPr>
+          </a:p>
+        </p:txBody>
+      </p:sp>
+      <p:sp>
+        <p:nvSpPr>
+          <p:cNvPr id="3" name="TextBox 2"/>
+          <p:cNvSpPr txBox="1"/>
+          <p:nvPr/>
+        </p:nvSpPr>
+        <p:spPr>
+          <a:xfrm>
+            <a:off x="678248" y="988541"/>
+            <a:ext cx="3329758" cy="369332"/>
+          </a:xfrm>
+          <a:prstGeom prst="rect">
+            <a:avLst/>
+          </a:prstGeom>
+          <a:noFill/>
+        </p:spPr>
+        <p:txBody>
+          <a:bodyPr wrap="none" rtlCol="0">
+            <a:spAutoFit/>
+          </a:bodyPr>
+          <a:lstStyle/>
+          <a:p>
+            <a:r>
+              <a:rPr lang="en-US" b="1" dirty="0" smtClean="0">
+                <a:latin typeface="Adobe Fangsong Std R" pitchFamily="18" charset="-128"/>
+                <a:ea typeface="Adobe Fangsong Std R" pitchFamily="18" charset="-128"/>
+              </a:rPr>
+              <a:t>Training Set Cross Validation</a:t>
+            </a:r>
+            <a:endParaRPr lang="en-US" b="1" dirty="0">
+              <a:latin typeface="Adobe Fangsong Std R" pitchFamily="18" charset="-128"/>
+              <a:ea typeface="Adobe Fangsong Std R" pitchFamily="18" charset="-128"/>
+            </a:endParaRPr>
+          </a:p>
+        </p:txBody>
+      </p:sp>
+      <p:graphicFrame>
+        <p:nvGraphicFramePr>
+          <p:cNvPr id="12" name="Table 11"/>
+          <p:cNvGraphicFramePr>
+            <a:graphicFrameLocks noGrp="1"/>
+          </p:cNvGraphicFramePr>
+          <p:nvPr>
+            <p:extLst>
+              <p:ext uri="{D42A27DB-BD31-4B8C-83A1-F6EECF244321}">
+                <p14:modId xmlns:p14="http://schemas.microsoft.com/office/powerpoint/2010/main" val="1050597059"/>
+              </p:ext>
+            </p:extLst>
+          </p:nvPr>
+        </p:nvGraphicFramePr>
+        <p:xfrm>
+          <a:off x="990600" y="1752600"/>
+          <a:ext cx="7070811" cy="914400"/>
+        </p:xfrm>
+        <a:graphic>
+          <a:graphicData uri="http://schemas.openxmlformats.org/drawingml/2006/table">
+            <a:tbl>
+              <a:tblPr>
+                <a:tableStyleId>{3C2FFA5D-87B4-456A-9821-1D502468CF0F}</a:tableStyleId>
+              </a:tblPr>
+              <a:tblGrid>
+                <a:gridCol w="700711"/>
+                <a:gridCol w="700711"/>
+                <a:gridCol w="700711"/>
+                <a:gridCol w="700711"/>
+                <a:gridCol w="700711"/>
+                <a:gridCol w="700711"/>
+                <a:gridCol w="700711"/>
+                <a:gridCol w="700711"/>
+                <a:gridCol w="700711"/>
+                <a:gridCol w="764412"/>
+              </a:tblGrid>
+              <a:tr h="367243">
+                <a:tc>
+                  <a:txBody>
+                    <a:bodyPr/>
+                    <a:lstStyle/>
+                    <a:p>
+                      <a:pPr algn="ctr" fontAlgn="b"/>
+                      <a:r>
+                        <a:rPr lang="en-US" sz="1200" b="1" u="none" strike="noStrike" dirty="0">
+                          <a:effectLst/>
+                          <a:latin typeface="Adobe Fangsong Std R" pitchFamily="18" charset="-128"/>
+                          <a:ea typeface="Adobe Fangsong Std R" pitchFamily="18" charset="-128"/>
+                        </a:rPr>
+                        <a:t>K</a:t>
+                      </a:r>
+                      <a:endParaRPr lang="en-US" sz="1200" b="1" i="0" u="none" strike="noStrike" dirty="0">
+                        <a:solidFill>
+                          <a:srgbClr val="000000"/>
+                        </a:solidFill>
+                        <a:effectLst/>
+                        <a:latin typeface="Adobe Fangsong Std R" pitchFamily="18" charset="-128"/>
+                        <a:ea typeface="Adobe Fangsong Std R" pitchFamily="18" charset="-128"/>
+                      </a:endParaRPr>
+                    </a:p>
+                  </a:txBody>
+                  <a:tcPr marL="12357" marR="12357" marT="12357" marB="0" anchor="ctr">
+                    <a:lnL w="12700" cap="flat" cmpd="sng" algn="ctr">
+                      <a:solidFill>
+                        <a:scrgbClr r="0" g="0" b="0"/>
+                      </a:solidFill>
+                      <a:prstDash val="solid"/>
+                      <a:round/>
+                      <a:headEnd type="none" w="med" len="med"/>
+                      <a:tailEnd type="none" w="med" len="med"/>
+                    </a:lnL>
+                    <a:lnR w="12700" cap="flat" cmpd="sng" algn="ctr">
+                      <a:solidFill>
+                        <a:scrgbClr r="0" g="0" b="0"/>
+                      </a:solidFill>
+                      <a:prstDash val="solid"/>
+                      <a:round/>
+                      <a:headEnd type="none" w="med" len="med"/>
+                      <a:tailEnd type="none" w="med" len="med"/>
+                    </a:lnR>
+                    <a:lnT w="12700" cap="flat" cmpd="sng" algn="ctr">
+                      <a:solidFill>
+                        <a:scrgbClr r="0" g="0" b="0"/>
+                      </a:solidFill>
+                      <a:prstDash val="solid"/>
+                      <a:round/>
+                      <a:headEnd type="none" w="med" len="med"/>
+                      <a:tailEnd type="none" w="med" len="med"/>
+                    </a:lnT>
+                    <a:lnB w="12700" cap="flat" cmpd="sng" algn="ctr">
+                      <a:solidFill>
+                        <a:scrgbClr r="0" g="0" b="0"/>
+                      </a:solidFill>
+                      <a:prstDash val="solid"/>
+                      <a:round/>
+                      <a:headEnd type="none" w="med" len="med"/>
+                      <a:tailEnd type="none" w="med" len="med"/>
+                    </a:lnB>
+                  </a:tcPr>
+                </a:tc>
+                <a:tc>
+                  <a:txBody>
+                    <a:bodyPr/>
+                    <a:lstStyle/>
+                    <a:p>
+                      <a:pPr algn="ctr" fontAlgn="b"/>
+                      <a:r>
+                        <a:rPr lang="en-US" sz="1200" b="1" u="none" strike="noStrike">
+                          <a:effectLst/>
+                          <a:latin typeface="Adobe Fangsong Std R" pitchFamily="18" charset="-128"/>
+                          <a:ea typeface="Adobe Fangsong Std R" pitchFamily="18" charset="-128"/>
+                        </a:rPr>
+                        <a:t>2</a:t>
+                      </a:r>
+                      <a:endParaRPr lang="en-US" sz="1200" b="1" i="0" u="none" strike="noStrike">
+                        <a:solidFill>
+                          <a:srgbClr val="000000"/>
+                        </a:solidFill>
+                        <a:effectLst/>
+                        <a:latin typeface="Adobe Fangsong Std R" pitchFamily="18" charset="-128"/>
+                        <a:ea typeface="Adobe Fangsong Std R" pitchFamily="18" charset="-128"/>
+                      </a:endParaRPr>
+                    </a:p>
+                  </a:txBody>
+                  <a:tcPr marL="12357" marR="12357" marT="12357" marB="0" anchor="ctr">
+                    <a:lnL w="12700" cap="flat" cmpd="sng" algn="ctr">
+                      <a:solidFill>
+                        <a:scrgbClr r="0" g="0" b="0"/>
+                      </a:solidFill>
+                      <a:prstDash val="solid"/>
+                      <a:round/>
+                      <a:headEnd type="none" w="med" len="med"/>
+                      <a:tailEnd type="none" w="med" len="med"/>
+                    </a:lnL>
+                    <a:lnR w="12700" cap="flat" cmpd="sng" algn="ctr">
+                      <a:solidFill>
+                        <a:scrgbClr r="0" g="0" b="0"/>
+                      </a:solidFill>
+                      <a:prstDash val="solid"/>
+                      <a:round/>
+                      <a:headEnd type="none" w="med" len="med"/>
+                      <a:tailEnd type="none" w="med" len="med"/>
+                    </a:lnR>
+                    <a:lnT w="12700" cap="flat" cmpd="sng" algn="ctr">
+                      <a:solidFill>
+                        <a:scrgbClr r="0" g="0" b="0"/>
+                      </a:solidFill>
+                      <a:prstDash val="solid"/>
+                      <a:round/>
+                      <a:headEnd type="none" w="med" len="med"/>
+                      <a:tailEnd type="none" w="med" len="med"/>
+                    </a:lnT>
+                    <a:lnB w="12700" cap="flat" cmpd="sng" algn="ctr">
+                      <a:solidFill>
+                        <a:scrgbClr r="0" g="0" b="0"/>
+                      </a:solidFill>
+                      <a:prstDash val="solid"/>
+                      <a:round/>
+                      <a:headEnd type="none" w="med" len="med"/>
+                      <a:tailEnd type="none" w="med" len="med"/>
+                    </a:lnB>
+                  </a:tcPr>
+                </a:tc>
+                <a:tc>
+                  <a:txBody>
+                    <a:bodyPr/>
+                    <a:lstStyle/>
+                    <a:p>
+                      <a:pPr algn="ctr" fontAlgn="b"/>
+                      <a:r>
+                        <a:rPr lang="en-US" sz="1200" b="1" u="none" strike="noStrike">
+                          <a:effectLst/>
+                          <a:latin typeface="Adobe Fangsong Std R" pitchFamily="18" charset="-128"/>
+                          <a:ea typeface="Adobe Fangsong Std R" pitchFamily="18" charset="-128"/>
+                        </a:rPr>
+                        <a:t>3</a:t>
+                      </a:r>
+                      <a:endParaRPr lang="en-US" sz="1200" b="1" i="0" u="none" strike="noStrike">
+                        <a:solidFill>
+                          <a:srgbClr val="000000"/>
+                        </a:solidFill>
+                        <a:effectLst/>
+                        <a:latin typeface="Adobe Fangsong Std R" pitchFamily="18" charset="-128"/>
+                        <a:ea typeface="Adobe Fangsong Std R" pitchFamily="18" charset="-128"/>
+                      </a:endParaRPr>
+                    </a:p>
+                  </a:txBody>
+                  <a:tcPr marL="12357" marR="12357" marT="12357" marB="0" anchor="ctr">
+                    <a:lnL w="12700" cap="flat" cmpd="sng" algn="ctr">
+                      <a:solidFill>
+                        <a:scrgbClr r="0" g="0" b="0"/>
+                      </a:solidFill>
+                      <a:prstDash val="solid"/>
+                      <a:round/>
+                      <a:headEnd type="none" w="med" len="med"/>
+                      <a:tailEnd type="none" w="med" len="med"/>
+                    </a:lnL>
+                    <a:lnR w="12700" cap="flat" cmpd="sng" algn="ctr">
+                      <a:solidFill>
+                        <a:scrgbClr r="0" g="0" b="0"/>
+                      </a:solidFill>
+                      <a:prstDash val="solid"/>
+                      <a:round/>
+                      <a:headEnd type="none" w="med" len="med"/>
+                      <a:tailEnd type="none" w="med" len="med"/>
+                    </a:lnR>
+                    <a:lnT w="12700" cap="flat" cmpd="sng" algn="ctr">
+                      <a:solidFill>
+                        <a:scrgbClr r="0" g="0" b="0"/>
+                      </a:solidFill>
+                      <a:prstDash val="solid"/>
+                      <a:round/>
+                      <a:headEnd type="none" w="med" len="med"/>
+                      <a:tailEnd type="none" w="med" len="med"/>
+                    </a:lnT>
+                    <a:lnB w="12700" cap="flat" cmpd="sng" algn="ctr">
+                      <a:solidFill>
+                        <a:scrgbClr r="0" g="0" b="0"/>
+                      </a:solidFill>
+                      <a:prstDash val="solid"/>
+                      <a:round/>
+                      <a:headEnd type="none" w="med" len="med"/>
+                      <a:tailEnd type="none" w="med" len="med"/>
+                    </a:lnB>
+                  </a:tcPr>
+                </a:tc>
+                <a:tc>
+                  <a:txBody>
+                    <a:bodyPr/>
+                    <a:lstStyle/>
+                    <a:p>
+                      <a:pPr algn="ctr" fontAlgn="b"/>
+                      <a:r>
+                        <a:rPr lang="en-US" sz="1200" b="1" u="none" strike="noStrike">
+                          <a:effectLst/>
+                          <a:latin typeface="Adobe Fangsong Std R" pitchFamily="18" charset="-128"/>
+                          <a:ea typeface="Adobe Fangsong Std R" pitchFamily="18" charset="-128"/>
+                        </a:rPr>
+                        <a:t>4</a:t>
+                      </a:r>
+                      <a:endParaRPr lang="en-US" sz="1200" b="1" i="0" u="none" strike="noStrike">
+                        <a:solidFill>
+                          <a:srgbClr val="000000"/>
+                        </a:solidFill>
+                        <a:effectLst/>
+                        <a:latin typeface="Adobe Fangsong Std R" pitchFamily="18" charset="-128"/>
+                        <a:ea typeface="Adobe Fangsong Std R" pitchFamily="18" charset="-128"/>
+                      </a:endParaRPr>
+                    </a:p>
+                  </a:txBody>
+                  <a:tcPr marL="12357" marR="12357" marT="12357" marB="0" anchor="ctr">
+                    <a:lnL w="12700" cap="flat" cmpd="sng" algn="ctr">
+                      <a:solidFill>
+                        <a:scrgbClr r="0" g="0" b="0"/>
+                      </a:solidFill>
+                      <a:prstDash val="solid"/>
+                      <a:round/>
+                      <a:headEnd type="none" w="med" len="med"/>
+                      <a:tailEnd type="none" w="med" len="med"/>
+                    </a:lnL>
+                    <a:lnR w="12700" cap="flat" cmpd="sng" algn="ctr">
+                      <a:solidFill>
+                        <a:scrgbClr r="0" g="0" b="0"/>
+                      </a:solidFill>
+                      <a:prstDash val="solid"/>
+                      <a:round/>
+                      <a:headEnd type="none" w="med" len="med"/>
+                      <a:tailEnd type="none" w="med" len="med"/>
+                    </a:lnR>
+                    <a:lnT w="12700" cap="flat" cmpd="sng" algn="ctr">
+                      <a:solidFill>
+                        <a:scrgbClr r="0" g="0" b="0"/>
+                      </a:solidFill>
+                      <a:prstDash val="solid"/>
+                      <a:round/>
+                      <a:headEnd type="none" w="med" len="med"/>
+                      <a:tailEnd type="none" w="med" len="med"/>
+                    </a:lnT>
+                    <a:lnB w="12700" cap="flat" cmpd="sng" algn="ctr">
+                      <a:solidFill>
+                        <a:scrgbClr r="0" g="0" b="0"/>
+                      </a:solidFill>
+                      <a:prstDash val="solid"/>
+                      <a:round/>
+                      <a:headEnd type="none" w="med" len="med"/>
+                      <a:tailEnd type="none" w="med" len="med"/>
+                    </a:lnB>
+                  </a:tcPr>
+                </a:tc>
+                <a:tc>
+                  <a:txBody>
+                    <a:bodyPr/>
+                    <a:lstStyle/>
+                    <a:p>
+                      <a:pPr algn="ctr" fontAlgn="b"/>
+                      <a:r>
+                        <a:rPr lang="en-US" sz="1200" b="1" u="none" strike="noStrike">
+                          <a:effectLst/>
+                          <a:latin typeface="Adobe Fangsong Std R" pitchFamily="18" charset="-128"/>
+                          <a:ea typeface="Adobe Fangsong Std R" pitchFamily="18" charset="-128"/>
+                        </a:rPr>
+                        <a:t>5</a:t>
+                      </a:r>
+                      <a:endParaRPr lang="en-US" sz="1200" b="1" i="0" u="none" strike="noStrike">
+                        <a:solidFill>
+                          <a:srgbClr val="000000"/>
+                        </a:solidFill>
+                        <a:effectLst/>
+                        <a:latin typeface="Adobe Fangsong Std R" pitchFamily="18" charset="-128"/>
+                        <a:ea typeface="Adobe Fangsong Std R" pitchFamily="18" charset="-128"/>
+                      </a:endParaRPr>
+                    </a:p>
+                  </a:txBody>
+                  <a:tcPr marL="12357" marR="12357" marT="12357" marB="0" anchor="ctr">
+                    <a:lnL w="12700" cap="flat" cmpd="sng" algn="ctr">
+                      <a:solidFill>
+                        <a:scrgbClr r="0" g="0" b="0"/>
+                      </a:solidFill>
+                      <a:prstDash val="solid"/>
+                      <a:round/>
+                      <a:headEnd type="none" w="med" len="med"/>
+                      <a:tailEnd type="none" w="med" len="med"/>
+                    </a:lnL>
+                    <a:lnR w="12700" cap="flat" cmpd="sng" algn="ctr">
+                      <a:solidFill>
+                        <a:scrgbClr r="0" g="0" b="0"/>
+                      </a:solidFill>
+                      <a:prstDash val="solid"/>
+                      <a:round/>
+                      <a:headEnd type="none" w="med" len="med"/>
+                      <a:tailEnd type="none" w="med" len="med"/>
+                    </a:lnR>
+                    <a:lnT w="12700" cap="flat" cmpd="sng" algn="ctr">
+                      <a:solidFill>
+                        <a:scrgbClr r="0" g="0" b="0"/>
+                      </a:solidFill>
+                      <a:prstDash val="solid"/>
+                      <a:round/>
+                      <a:headEnd type="none" w="med" len="med"/>
+                      <a:tailEnd type="none" w="med" len="med"/>
+                    </a:lnT>
+                    <a:lnB w="12700" cap="flat" cmpd="sng" algn="ctr">
+                      <a:solidFill>
+                        <a:scrgbClr r="0" g="0" b="0"/>
+                      </a:solidFill>
+                      <a:prstDash val="solid"/>
+                      <a:round/>
+                      <a:headEnd type="none" w="med" len="med"/>
+                      <a:tailEnd type="none" w="med" len="med"/>
+                    </a:lnB>
+                  </a:tcPr>
+                </a:tc>
+                <a:tc>
+                  <a:txBody>
+                    <a:bodyPr/>
+                    <a:lstStyle/>
+                    <a:p>
+                      <a:pPr algn="ctr" fontAlgn="b"/>
+                      <a:r>
+                        <a:rPr lang="en-US" sz="1200" b="1" u="none" strike="noStrike" dirty="0">
+                          <a:effectLst/>
+                          <a:latin typeface="Adobe Fangsong Std R" pitchFamily="18" charset="-128"/>
+                          <a:ea typeface="Adobe Fangsong Std R" pitchFamily="18" charset="-128"/>
+                        </a:rPr>
+                        <a:t>6</a:t>
+                      </a:r>
+                      <a:endParaRPr lang="en-US" sz="1200" b="1" i="0" u="none" strike="noStrike" dirty="0">
+                        <a:solidFill>
+                          <a:srgbClr val="000000"/>
+                        </a:solidFill>
+                        <a:effectLst/>
+                        <a:latin typeface="Adobe Fangsong Std R" pitchFamily="18" charset="-128"/>
+                        <a:ea typeface="Adobe Fangsong Std R" pitchFamily="18" charset="-128"/>
+                      </a:endParaRPr>
+                    </a:p>
+                  </a:txBody>
+                  <a:tcPr marL="12357" marR="12357" marT="12357" marB="0" anchor="ctr">
+                    <a:lnL w="12700" cap="flat" cmpd="sng" algn="ctr">
+                      <a:solidFill>
+                        <a:scrgbClr r="0" g="0" b="0"/>
+                      </a:solidFill>
+                      <a:prstDash val="solid"/>
+                      <a:round/>
+                      <a:headEnd type="none" w="med" len="med"/>
+                      <a:tailEnd type="none" w="med" len="med"/>
+                    </a:lnL>
+                    <a:lnR w="12700" cap="flat" cmpd="sng" algn="ctr">
+                      <a:solidFill>
+                        <a:scrgbClr r="0" g="0" b="0"/>
+                      </a:solidFill>
+                      <a:prstDash val="solid"/>
+                      <a:round/>
+                      <a:headEnd type="none" w="med" len="med"/>
+                      <a:tailEnd type="none" w="med" len="med"/>
+                    </a:lnR>
+                    <a:lnT w="12700" cap="flat" cmpd="sng" algn="ctr">
+                      <a:solidFill>
+                        <a:scrgbClr r="0" g="0" b="0"/>
+                      </a:solidFill>
+                      <a:prstDash val="solid"/>
+                      <a:round/>
+                      <a:headEnd type="none" w="med" len="med"/>
+                      <a:tailEnd type="none" w="med" len="med"/>
+                    </a:lnT>
+                    <a:lnB w="12700" cap="flat" cmpd="sng" algn="ctr">
+                      <a:solidFill>
+                        <a:scrgbClr r="0" g="0" b="0"/>
+                      </a:solidFill>
+                      <a:prstDash val="solid"/>
+                      <a:round/>
+                      <a:headEnd type="none" w="med" len="med"/>
+                      <a:tailEnd type="none" w="med" len="med"/>
+                    </a:lnB>
+                  </a:tcPr>
+                </a:tc>
+                <a:tc>
+                  <a:txBody>
+                    <a:bodyPr/>
+                    <a:lstStyle/>
+                    <a:p>
+                      <a:pPr algn="ctr" fontAlgn="b"/>
+                      <a:r>
+                        <a:rPr lang="en-US" sz="1200" b="1" u="none" strike="noStrike">
+                          <a:effectLst/>
+                          <a:latin typeface="Adobe Fangsong Std R" pitchFamily="18" charset="-128"/>
+                          <a:ea typeface="Adobe Fangsong Std R" pitchFamily="18" charset="-128"/>
+                        </a:rPr>
+                        <a:t>7</a:t>
+                      </a:r>
+                      <a:endParaRPr lang="en-US" sz="1200" b="1" i="0" u="none" strike="noStrike">
+                        <a:solidFill>
+                          <a:srgbClr val="000000"/>
+                        </a:solidFill>
+                        <a:effectLst/>
+                        <a:latin typeface="Adobe Fangsong Std R" pitchFamily="18" charset="-128"/>
+                        <a:ea typeface="Adobe Fangsong Std R" pitchFamily="18" charset="-128"/>
+                      </a:endParaRPr>
+                    </a:p>
+                  </a:txBody>
+                  <a:tcPr marL="12357" marR="12357" marT="12357" marB="0" anchor="ctr">
+                    <a:lnL w="12700" cap="flat" cmpd="sng" algn="ctr">
+                      <a:solidFill>
+                        <a:scrgbClr r="0" g="0" b="0"/>
+                      </a:solidFill>
+                      <a:prstDash val="solid"/>
+                      <a:round/>
+                      <a:headEnd type="none" w="med" len="med"/>
+                      <a:tailEnd type="none" w="med" len="med"/>
+                    </a:lnL>
+                    <a:lnR w="12700" cap="flat" cmpd="sng" algn="ctr">
+                      <a:solidFill>
+                        <a:scrgbClr r="0" g="0" b="0"/>
+                      </a:solidFill>
+                      <a:prstDash val="solid"/>
+                      <a:round/>
+                      <a:headEnd type="none" w="med" len="med"/>
+                      <a:tailEnd type="none" w="med" len="med"/>
+                    </a:lnR>
+                    <a:lnT w="12700" cap="flat" cmpd="sng" algn="ctr">
+                      <a:solidFill>
+                        <a:scrgbClr r="0" g="0" b="0"/>
+                      </a:solidFill>
+                      <a:prstDash val="solid"/>
+                      <a:round/>
+                      <a:headEnd type="none" w="med" len="med"/>
+                      <a:tailEnd type="none" w="med" len="med"/>
+                    </a:lnT>
+                    <a:lnB w="12700" cap="flat" cmpd="sng" algn="ctr">
+                      <a:solidFill>
+                        <a:scrgbClr r="0" g="0" b="0"/>
+                      </a:solidFill>
+                      <a:prstDash val="solid"/>
+                      <a:round/>
+                      <a:headEnd type="none" w="med" len="med"/>
+                      <a:tailEnd type="none" w="med" len="med"/>
+                    </a:lnB>
+                  </a:tcPr>
+                </a:tc>
+                <a:tc>
+                  <a:txBody>
+                    <a:bodyPr/>
+                    <a:lstStyle/>
+                    <a:p>
+                      <a:pPr algn="ctr" fontAlgn="b"/>
+                      <a:r>
+                        <a:rPr lang="en-US" sz="1200" b="1" u="none" strike="noStrike">
+                          <a:effectLst/>
+                          <a:latin typeface="Adobe Fangsong Std R" pitchFamily="18" charset="-128"/>
+                          <a:ea typeface="Adobe Fangsong Std R" pitchFamily="18" charset="-128"/>
+                        </a:rPr>
+                        <a:t>8</a:t>
+                      </a:r>
+                      <a:endParaRPr lang="en-US" sz="1200" b="1" i="0" u="none" strike="noStrike">
+                        <a:solidFill>
+                          <a:srgbClr val="000000"/>
+                        </a:solidFill>
+                        <a:effectLst/>
+                        <a:latin typeface="Adobe Fangsong Std R" pitchFamily="18" charset="-128"/>
+                        <a:ea typeface="Adobe Fangsong Std R" pitchFamily="18" charset="-128"/>
+                      </a:endParaRPr>
+                    </a:p>
+                  </a:txBody>
+                  <a:tcPr marL="12357" marR="12357" marT="12357" marB="0" anchor="ctr">
+                    <a:lnL w="12700" cap="flat" cmpd="sng" algn="ctr">
+                      <a:solidFill>
+                        <a:scrgbClr r="0" g="0" b="0"/>
+                      </a:solidFill>
+                      <a:prstDash val="solid"/>
+                      <a:round/>
+                      <a:headEnd type="none" w="med" len="med"/>
+                      <a:tailEnd type="none" w="med" len="med"/>
+                    </a:lnL>
+                    <a:lnR w="12700" cap="flat" cmpd="sng" algn="ctr">
+                      <a:solidFill>
+                        <a:scrgbClr r="0" g="0" b="0"/>
+                      </a:solidFill>
+                      <a:prstDash val="solid"/>
+                      <a:round/>
+                      <a:headEnd type="none" w="med" len="med"/>
+                      <a:tailEnd type="none" w="med" len="med"/>
+                    </a:lnR>
+                    <a:lnT w="12700" cap="flat" cmpd="sng" algn="ctr">
+                      <a:solidFill>
+                        <a:scrgbClr r="0" g="0" b="0"/>
+                      </a:solidFill>
+                      <a:prstDash val="solid"/>
+                      <a:round/>
+                      <a:headEnd type="none" w="med" len="med"/>
+                      <a:tailEnd type="none" w="med" len="med"/>
+                    </a:lnT>
+                    <a:lnB w="12700" cap="flat" cmpd="sng" algn="ctr">
+                      <a:solidFill>
+                        <a:scrgbClr r="0" g="0" b="0"/>
+                      </a:solidFill>
+                      <a:prstDash val="solid"/>
+                      <a:round/>
+                      <a:headEnd type="none" w="med" len="med"/>
+                      <a:tailEnd type="none" w="med" len="med"/>
+                    </a:lnB>
+                  </a:tcPr>
+                </a:tc>
+                <a:tc>
+                  <a:txBody>
+                    <a:bodyPr/>
+                    <a:lstStyle/>
+                    <a:p>
+                      <a:pPr algn="ctr" fontAlgn="b"/>
+                      <a:r>
+                        <a:rPr lang="en-US" sz="1200" b="1" u="none" strike="noStrike">
+                          <a:effectLst/>
+                          <a:latin typeface="Adobe Fangsong Std R" pitchFamily="18" charset="-128"/>
+                          <a:ea typeface="Adobe Fangsong Std R" pitchFamily="18" charset="-128"/>
+                        </a:rPr>
+                        <a:t>9</a:t>
+                      </a:r>
+                      <a:endParaRPr lang="en-US" sz="1200" b="1" i="0" u="none" strike="noStrike">
+                        <a:solidFill>
+                          <a:srgbClr val="000000"/>
+                        </a:solidFill>
+                        <a:effectLst/>
+                        <a:latin typeface="Adobe Fangsong Std R" pitchFamily="18" charset="-128"/>
+                        <a:ea typeface="Adobe Fangsong Std R" pitchFamily="18" charset="-128"/>
+                      </a:endParaRPr>
+                    </a:p>
+                  </a:txBody>
+                  <a:tcPr marL="12357" marR="12357" marT="12357" marB="0" anchor="ctr">
+                    <a:lnL w="12700" cap="flat" cmpd="sng" algn="ctr">
+                      <a:solidFill>
+                        <a:scrgbClr r="0" g="0" b="0"/>
+                      </a:solidFill>
+                      <a:prstDash val="solid"/>
+                      <a:round/>
+                      <a:headEnd type="none" w="med" len="med"/>
+                      <a:tailEnd type="none" w="med" len="med"/>
+                    </a:lnL>
+                    <a:lnR w="12700" cap="flat" cmpd="sng" algn="ctr">
+                      <a:solidFill>
+                        <a:scrgbClr r="0" g="0" b="0"/>
+                      </a:solidFill>
+                      <a:prstDash val="solid"/>
+                      <a:round/>
+                      <a:headEnd type="none" w="med" len="med"/>
+                      <a:tailEnd type="none" w="med" len="med"/>
+                    </a:lnR>
+                    <a:lnT w="12700" cap="flat" cmpd="sng" algn="ctr">
+                      <a:solidFill>
+                        <a:scrgbClr r="0" g="0" b="0"/>
+                      </a:solidFill>
+                      <a:prstDash val="solid"/>
+                      <a:round/>
+                      <a:headEnd type="none" w="med" len="med"/>
+                      <a:tailEnd type="none" w="med" len="med"/>
+                    </a:lnT>
+                    <a:lnB w="12700" cap="flat" cmpd="sng" algn="ctr">
+                      <a:solidFill>
+                        <a:scrgbClr r="0" g="0" b="0"/>
+                      </a:solidFill>
+                      <a:prstDash val="solid"/>
+                      <a:round/>
+                      <a:headEnd type="none" w="med" len="med"/>
+                      <a:tailEnd type="none" w="med" len="med"/>
+                    </a:lnB>
+                  </a:tcPr>
+                </a:tc>
+                <a:tc>
+                  <a:txBody>
+                    <a:bodyPr/>
+                    <a:lstStyle/>
+                    <a:p>
+                      <a:pPr algn="ctr" fontAlgn="b"/>
+                      <a:r>
+                        <a:rPr lang="en-US" sz="1200" b="1" u="none" strike="noStrike">
+                          <a:effectLst/>
+                          <a:latin typeface="Adobe Fangsong Std R" pitchFamily="18" charset="-128"/>
+                          <a:ea typeface="Adobe Fangsong Std R" pitchFamily="18" charset="-128"/>
+                        </a:rPr>
+                        <a:t>10</a:t>
+                      </a:r>
+                      <a:endParaRPr lang="en-US" sz="1200" b="1" i="0" u="none" strike="noStrike">
+                        <a:solidFill>
+                          <a:srgbClr val="000000"/>
+                        </a:solidFill>
+                        <a:effectLst/>
+                        <a:latin typeface="Adobe Fangsong Std R" pitchFamily="18" charset="-128"/>
+                        <a:ea typeface="Adobe Fangsong Std R" pitchFamily="18" charset="-128"/>
+                      </a:endParaRPr>
+                    </a:p>
+                  </a:txBody>
+                  <a:tcPr marL="12357" marR="12357" marT="12357" marB="0" anchor="ctr">
+                    <a:lnL w="12700" cap="flat" cmpd="sng" algn="ctr">
+                      <a:solidFill>
+                        <a:scrgbClr r="0" g="0" b="0"/>
+                      </a:solidFill>
+                      <a:prstDash val="solid"/>
+                      <a:round/>
+                      <a:headEnd type="none" w="med" len="med"/>
+                      <a:tailEnd type="none" w="med" len="med"/>
+                    </a:lnL>
+                    <a:lnR w="12700" cap="flat" cmpd="sng" algn="ctr">
+                      <a:solidFill>
+                        <a:scrgbClr r="0" g="0" b="0"/>
+                      </a:solidFill>
+                      <a:prstDash val="solid"/>
+                      <a:round/>
+                      <a:headEnd type="none" w="med" len="med"/>
+                      <a:tailEnd type="none" w="med" len="med"/>
+                    </a:lnR>
+                    <a:lnT w="12700" cap="flat" cmpd="sng" algn="ctr">
+                      <a:solidFill>
+                        <a:scrgbClr r="0" g="0" b="0"/>
+                      </a:solidFill>
+                      <a:prstDash val="solid"/>
+                      <a:round/>
+                      <a:headEnd type="none" w="med" len="med"/>
+                      <a:tailEnd type="none" w="med" len="med"/>
+                    </a:lnT>
+                    <a:lnB w="12700" cap="flat" cmpd="sng" algn="ctr">
+                      <a:solidFill>
+                        <a:scrgbClr r="0" g="0" b="0"/>
+                      </a:solidFill>
+                      <a:prstDash val="solid"/>
+                      <a:round/>
+                      <a:headEnd type="none" w="med" len="med"/>
+                      <a:tailEnd type="none" w="med" len="med"/>
+                    </a:lnB>
+                  </a:tcPr>
+                </a:tc>
+              </a:tr>
+              <a:tr h="547157">
+                <a:tc>
+                  <a:txBody>
+                    <a:bodyPr/>
+                    <a:lstStyle/>
+                    <a:p>
+                      <a:pPr algn="ctr" fontAlgn="b"/>
+                      <a:r>
+                        <a:rPr lang="en-US" sz="1200" b="1" u="none" strike="noStrike" dirty="0" smtClean="0">
+                          <a:effectLst/>
+                          <a:latin typeface="Adobe Fangsong Std R" pitchFamily="18" charset="-128"/>
+                          <a:ea typeface="Adobe Fangsong Std R" pitchFamily="18" charset="-128"/>
+                        </a:rPr>
+                        <a:t>MSE</a:t>
+                      </a:r>
+                    </a:p>
+                    <a:p>
+                      <a:pPr algn="ctr" fontAlgn="b"/>
+                      <a:r>
+                        <a:rPr lang="en-US" sz="1200" b="1" i="0" u="none" strike="noStrike" dirty="0" smtClean="0">
+                          <a:solidFill>
+                            <a:srgbClr val="000000"/>
+                          </a:solidFill>
+                          <a:effectLst/>
+                          <a:latin typeface="Adobe Fangsong Std R" pitchFamily="18" charset="-128"/>
+                          <a:ea typeface="Adobe Fangsong Std R" pitchFamily="18" charset="-128"/>
+                        </a:rPr>
+                        <a:t>(Avg)</a:t>
+                      </a:r>
+                      <a:endParaRPr lang="en-US" sz="1200" b="1" i="0" u="none" strike="noStrike" dirty="0">
+                        <a:solidFill>
+                          <a:srgbClr val="000000"/>
+                        </a:solidFill>
+                        <a:effectLst/>
+                        <a:latin typeface="Adobe Fangsong Std R" pitchFamily="18" charset="-128"/>
+                        <a:ea typeface="Adobe Fangsong Std R" pitchFamily="18" charset="-128"/>
+                      </a:endParaRPr>
+                    </a:p>
+                  </a:txBody>
+                  <a:tcPr marL="12357" marR="12357" marT="12357" marB="0" anchor="ctr">
+                    <a:lnL w="12700" cap="flat" cmpd="sng" algn="ctr">
+                      <a:solidFill>
+                        <a:scrgbClr r="0" g="0" b="0"/>
+                      </a:solidFill>
+                      <a:prstDash val="solid"/>
+                      <a:round/>
+                      <a:headEnd type="none" w="med" len="med"/>
+                      <a:tailEnd type="none" w="med" len="med"/>
+                    </a:lnL>
+                    <a:lnR w="12700" cap="flat" cmpd="sng" algn="ctr">
+                      <a:solidFill>
+                        <a:scrgbClr r="0" g="0" b="0"/>
+                      </a:solidFill>
+                      <a:prstDash val="solid"/>
+                      <a:round/>
+                      <a:headEnd type="none" w="med" len="med"/>
+                      <a:tailEnd type="none" w="med" len="med"/>
+                    </a:lnR>
+                    <a:lnT w="12700" cap="flat" cmpd="sng" algn="ctr">
+                      <a:solidFill>
+                        <a:scrgbClr r="0" g="0" b="0"/>
+                      </a:solidFill>
+                      <a:prstDash val="solid"/>
+                      <a:round/>
+                      <a:headEnd type="none" w="med" len="med"/>
+                      <a:tailEnd type="none" w="med" len="med"/>
+                    </a:lnT>
+                    <a:lnB w="12700" cap="flat" cmpd="sng" algn="ctr">
+                      <a:solidFill>
+                        <a:scrgbClr r="0" g="0" b="0"/>
+                      </a:solidFill>
+                      <a:prstDash val="solid"/>
+                      <a:round/>
+                      <a:headEnd type="none" w="med" len="med"/>
+                      <a:tailEnd type="none" w="med" len="med"/>
+                    </a:lnB>
+                  </a:tcPr>
+                </a:tc>
+                <a:tc>
+                  <a:txBody>
+                    <a:bodyPr/>
+                    <a:lstStyle/>
+                    <a:p>
+                      <a:pPr algn="ctr" fontAlgn="b"/>
+                      <a:r>
+                        <a:rPr lang="en-US" sz="1100" b="1" i="0" u="none" strike="noStrike">
+                          <a:solidFill>
+                            <a:srgbClr val="000000"/>
+                          </a:solidFill>
+                          <a:effectLst/>
+                          <a:latin typeface="Adobe Fangsong Std R" pitchFamily="18" charset="-128"/>
+                          <a:ea typeface="Adobe Fangsong Std R" pitchFamily="18" charset="-128"/>
+                        </a:rPr>
+                        <a:t>7.58633</a:t>
+                      </a:r>
+                    </a:p>
+                  </a:txBody>
+                  <a:tcPr marL="9525" marR="9525" marT="9525" marB="0" anchor="ctr">
+                    <a:lnL w="12700" cap="flat" cmpd="sng" algn="ctr">
+                      <a:solidFill>
+                        <a:scrgbClr r="0" g="0" b="0"/>
+                      </a:solidFill>
+                      <a:prstDash val="solid"/>
+                      <a:round/>
+                      <a:headEnd type="none" w="med" len="med"/>
+                      <a:tailEnd type="none" w="med" len="med"/>
+                    </a:lnL>
+                    <a:lnR w="12700" cap="flat" cmpd="sng" algn="ctr">
+                      <a:solidFill>
+                        <a:scrgbClr r="0" g="0" b="0"/>
+                      </a:solidFill>
+                      <a:prstDash val="solid"/>
+                      <a:round/>
+                      <a:headEnd type="none" w="med" len="med"/>
+                      <a:tailEnd type="none" w="med" len="med"/>
+                    </a:lnR>
+                    <a:lnT w="12700" cap="flat" cmpd="sng" algn="ctr">
+                      <a:solidFill>
+                        <a:scrgbClr r="0" g="0" b="0"/>
+                      </a:solidFill>
+                      <a:prstDash val="solid"/>
+                      <a:round/>
+                      <a:headEnd type="none" w="med" len="med"/>
+                      <a:tailEnd type="none" w="med" len="med"/>
+                    </a:lnT>
+                    <a:lnB w="12700" cap="flat" cmpd="sng" algn="ctr">
+                      <a:solidFill>
+                        <a:scrgbClr r="0" g="0" b="0"/>
+                      </a:solidFill>
+                      <a:prstDash val="solid"/>
+                      <a:round/>
+                      <a:headEnd type="none" w="med" len="med"/>
+                      <a:tailEnd type="none" w="med" len="med"/>
+                    </a:lnB>
+                  </a:tcPr>
+                </a:tc>
+                <a:tc>
+                  <a:txBody>
+                    <a:bodyPr/>
+                    <a:lstStyle/>
+                    <a:p>
+                      <a:pPr algn="ctr" fontAlgn="b"/>
+                      <a:r>
+                        <a:rPr lang="en-US" sz="1100" b="1" i="0" u="none" strike="noStrike">
+                          <a:solidFill>
+                            <a:srgbClr val="000000"/>
+                          </a:solidFill>
+                          <a:effectLst/>
+                          <a:latin typeface="Adobe Fangsong Std R" pitchFamily="18" charset="-128"/>
+                          <a:ea typeface="Adobe Fangsong Std R" pitchFamily="18" charset="-128"/>
+                        </a:rPr>
+                        <a:t>7.508503</a:t>
+                      </a:r>
+                    </a:p>
+                  </a:txBody>
+                  <a:tcPr marL="9525" marR="9525" marT="9525" marB="0" anchor="ctr">
+                    <a:lnL w="12700" cap="flat" cmpd="sng" algn="ctr">
+                      <a:solidFill>
+                        <a:scrgbClr r="0" g="0" b="0"/>
+                      </a:solidFill>
+                      <a:prstDash val="solid"/>
+                      <a:round/>
+                      <a:headEnd type="none" w="med" len="med"/>
+                      <a:tailEnd type="none" w="med" len="med"/>
+                    </a:lnL>
+                    <a:lnR w="12700" cap="flat" cmpd="sng" algn="ctr">
+                      <a:solidFill>
+                        <a:scrgbClr r="0" g="0" b="0"/>
+                      </a:solidFill>
+                      <a:prstDash val="solid"/>
+                      <a:round/>
+                      <a:headEnd type="none" w="med" len="med"/>
+                      <a:tailEnd type="none" w="med" len="med"/>
+                    </a:lnR>
+                    <a:lnT w="12700" cap="flat" cmpd="sng" algn="ctr">
+                      <a:solidFill>
+                        <a:scrgbClr r="0" g="0" b="0"/>
+                      </a:solidFill>
+                      <a:prstDash val="solid"/>
+                      <a:round/>
+                      <a:headEnd type="none" w="med" len="med"/>
+                      <a:tailEnd type="none" w="med" len="med"/>
+                    </a:lnT>
+                    <a:lnB w="12700" cap="flat" cmpd="sng" algn="ctr">
+                      <a:solidFill>
+                        <a:scrgbClr r="0" g="0" b="0"/>
+                      </a:solidFill>
+                      <a:prstDash val="solid"/>
+                      <a:round/>
+                      <a:headEnd type="none" w="med" len="med"/>
+                      <a:tailEnd type="none" w="med" len="med"/>
+                    </a:lnB>
+                  </a:tcPr>
+                </a:tc>
+                <a:tc>
+                  <a:txBody>
+                    <a:bodyPr/>
+                    <a:lstStyle/>
+                    <a:p>
+                      <a:pPr algn="ctr" fontAlgn="b"/>
+                      <a:r>
+                        <a:rPr lang="en-US" sz="1100" b="1" i="0" u="none" strike="noStrike">
+                          <a:solidFill>
+                            <a:srgbClr val="000000"/>
+                          </a:solidFill>
+                          <a:effectLst/>
+                          <a:latin typeface="Adobe Fangsong Std R" pitchFamily="18" charset="-128"/>
+                          <a:ea typeface="Adobe Fangsong Std R" pitchFamily="18" charset="-128"/>
+                        </a:rPr>
+                        <a:t>7.388523</a:t>
+                      </a:r>
+                    </a:p>
+                  </a:txBody>
+                  <a:tcPr marL="9525" marR="9525" marT="9525" marB="0" anchor="ctr">
+                    <a:lnL w="12700" cap="flat" cmpd="sng" algn="ctr">
+                      <a:solidFill>
+                        <a:scrgbClr r="0" g="0" b="0"/>
+                      </a:solidFill>
+                      <a:prstDash val="solid"/>
+                      <a:round/>
+                      <a:headEnd type="none" w="med" len="med"/>
+                      <a:tailEnd type="none" w="med" len="med"/>
+                    </a:lnL>
+                    <a:lnR w="12700" cap="flat" cmpd="sng" algn="ctr">
+                      <a:solidFill>
+                        <a:scrgbClr r="0" g="0" b="0"/>
+                      </a:solidFill>
+                      <a:prstDash val="solid"/>
+                      <a:round/>
+                      <a:headEnd type="none" w="med" len="med"/>
+                      <a:tailEnd type="none" w="med" len="med"/>
+                    </a:lnR>
+                    <a:lnT w="12700" cap="flat" cmpd="sng" algn="ctr">
+                      <a:solidFill>
+                        <a:scrgbClr r="0" g="0" b="0"/>
+                      </a:solidFill>
+                      <a:prstDash val="solid"/>
+                      <a:round/>
+                      <a:headEnd type="none" w="med" len="med"/>
+                      <a:tailEnd type="none" w="med" len="med"/>
+                    </a:lnT>
+                    <a:lnB w="12700" cap="flat" cmpd="sng" algn="ctr">
+                      <a:solidFill>
+                        <a:scrgbClr r="0" g="0" b="0"/>
+                      </a:solidFill>
+                      <a:prstDash val="solid"/>
+                      <a:round/>
+                      <a:headEnd type="none" w="med" len="med"/>
+                      <a:tailEnd type="none" w="med" len="med"/>
+                    </a:lnB>
+                  </a:tcPr>
+                </a:tc>
+                <a:tc>
+                  <a:txBody>
+                    <a:bodyPr/>
+                    <a:lstStyle/>
+                    <a:p>
+                      <a:pPr algn="ctr" fontAlgn="b"/>
+                      <a:r>
+                        <a:rPr lang="en-US" sz="1100" b="1" i="0" u="none" strike="noStrike">
+                          <a:solidFill>
+                            <a:srgbClr val="000000"/>
+                          </a:solidFill>
+                          <a:effectLst/>
+                          <a:latin typeface="Adobe Fangsong Std R" pitchFamily="18" charset="-128"/>
+                          <a:ea typeface="Adobe Fangsong Std R" pitchFamily="18" charset="-128"/>
+                        </a:rPr>
+                        <a:t>7.354757</a:t>
+                      </a:r>
+                    </a:p>
+                  </a:txBody>
+                  <a:tcPr marL="9525" marR="9525" marT="9525" marB="0" anchor="ctr">
+                    <a:lnL w="12700" cap="flat" cmpd="sng" algn="ctr">
+                      <a:solidFill>
+                        <a:scrgbClr r="0" g="0" b="0"/>
+                      </a:solidFill>
+                      <a:prstDash val="solid"/>
+                      <a:round/>
+                      <a:headEnd type="none" w="med" len="med"/>
+                      <a:tailEnd type="none" w="med" len="med"/>
+                    </a:lnL>
+                    <a:lnR w="12700" cap="flat" cmpd="sng" algn="ctr">
+                      <a:solidFill>
+                        <a:scrgbClr r="0" g="0" b="0"/>
+                      </a:solidFill>
+                      <a:prstDash val="solid"/>
+                      <a:round/>
+                      <a:headEnd type="none" w="med" len="med"/>
+                      <a:tailEnd type="none" w="med" len="med"/>
+                    </a:lnR>
+                    <a:lnT w="12700" cap="flat" cmpd="sng" algn="ctr">
+                      <a:solidFill>
+                        <a:scrgbClr r="0" g="0" b="0"/>
+                      </a:solidFill>
+                      <a:prstDash val="solid"/>
+                      <a:round/>
+                      <a:headEnd type="none" w="med" len="med"/>
+                      <a:tailEnd type="none" w="med" len="med"/>
+                    </a:lnT>
+                    <a:lnB w="12700" cap="flat" cmpd="sng" algn="ctr">
+                      <a:solidFill>
+                        <a:scrgbClr r="0" g="0" b="0"/>
+                      </a:solidFill>
+                      <a:prstDash val="solid"/>
+                      <a:round/>
+                      <a:headEnd type="none" w="med" len="med"/>
+                      <a:tailEnd type="none" w="med" len="med"/>
+                    </a:lnB>
+                  </a:tcPr>
+                </a:tc>
+                <a:tc>
+                  <a:txBody>
+                    <a:bodyPr/>
+                    <a:lstStyle/>
+                    <a:p>
+                      <a:pPr algn="ctr" fontAlgn="b"/>
+                      <a:r>
+                        <a:rPr lang="en-US" sz="1100" b="1" i="0" u="none" strike="noStrike">
+                          <a:solidFill>
+                            <a:srgbClr val="000000"/>
+                          </a:solidFill>
+                          <a:effectLst/>
+                          <a:latin typeface="Adobe Fangsong Std R" pitchFamily="18" charset="-128"/>
+                          <a:ea typeface="Adobe Fangsong Std R" pitchFamily="18" charset="-128"/>
+                        </a:rPr>
+                        <a:t>7.331774</a:t>
+                      </a:r>
+                    </a:p>
+                  </a:txBody>
+                  <a:tcPr marL="9525" marR="9525" marT="9525" marB="0" anchor="ctr">
+                    <a:lnL w="12700" cap="flat" cmpd="sng" algn="ctr">
+                      <a:solidFill>
+                        <a:scrgbClr r="0" g="0" b="0"/>
+                      </a:solidFill>
+                      <a:prstDash val="solid"/>
+                      <a:round/>
+                      <a:headEnd type="none" w="med" len="med"/>
+                      <a:tailEnd type="none" w="med" len="med"/>
+                    </a:lnL>
+                    <a:lnR w="12700" cap="flat" cmpd="sng" algn="ctr">
+                      <a:solidFill>
+                        <a:scrgbClr r="0" g="0" b="0"/>
+                      </a:solidFill>
+                      <a:prstDash val="solid"/>
+                      <a:round/>
+                      <a:headEnd type="none" w="med" len="med"/>
+                      <a:tailEnd type="none" w="med" len="med"/>
+                    </a:lnR>
+                    <a:lnT w="12700" cap="flat" cmpd="sng" algn="ctr">
+                      <a:solidFill>
+                        <a:scrgbClr r="0" g="0" b="0"/>
+                      </a:solidFill>
+                      <a:prstDash val="solid"/>
+                      <a:round/>
+                      <a:headEnd type="none" w="med" len="med"/>
+                      <a:tailEnd type="none" w="med" len="med"/>
+                    </a:lnT>
+                    <a:lnB w="12700" cap="flat" cmpd="sng" algn="ctr">
+                      <a:solidFill>
+                        <a:scrgbClr r="0" g="0" b="0"/>
+                      </a:solidFill>
+                      <a:prstDash val="solid"/>
+                      <a:round/>
+                      <a:headEnd type="none" w="med" len="med"/>
+                      <a:tailEnd type="none" w="med" len="med"/>
+                    </a:lnB>
+                  </a:tcPr>
+                </a:tc>
+                <a:tc>
+                  <a:txBody>
+                    <a:bodyPr/>
+                    <a:lstStyle/>
+                    <a:p>
+                      <a:pPr algn="ctr" fontAlgn="b"/>
+                      <a:r>
+                        <a:rPr lang="en-US" sz="1100" b="1" i="0" u="none" strike="noStrike">
+                          <a:solidFill>
+                            <a:srgbClr val="000000"/>
+                          </a:solidFill>
+                          <a:effectLst/>
+                          <a:latin typeface="Adobe Fangsong Std R" pitchFamily="18" charset="-128"/>
+                          <a:ea typeface="Adobe Fangsong Std R" pitchFamily="18" charset="-128"/>
+                        </a:rPr>
+                        <a:t>7.321991</a:t>
+                      </a:r>
+                    </a:p>
+                  </a:txBody>
+                  <a:tcPr marL="9525" marR="9525" marT="9525" marB="0" anchor="ctr">
+                    <a:lnL w="12700" cap="flat" cmpd="sng" algn="ctr">
+                      <a:solidFill>
+                        <a:scrgbClr r="0" g="0" b="0"/>
+                      </a:solidFill>
+                      <a:prstDash val="solid"/>
+                      <a:round/>
+                      <a:headEnd type="none" w="med" len="med"/>
+                      <a:tailEnd type="none" w="med" len="med"/>
+                    </a:lnL>
+                    <a:lnR w="12700" cap="flat" cmpd="sng" algn="ctr">
+                      <a:solidFill>
+                        <a:scrgbClr r="0" g="0" b="0"/>
+                      </a:solidFill>
+                      <a:prstDash val="solid"/>
+                      <a:round/>
+                      <a:headEnd type="none" w="med" len="med"/>
+                      <a:tailEnd type="none" w="med" len="med"/>
+                    </a:lnR>
+                    <a:lnT w="12700" cap="flat" cmpd="sng" algn="ctr">
+                      <a:solidFill>
+                        <a:scrgbClr r="0" g="0" b="0"/>
+                      </a:solidFill>
+                      <a:prstDash val="solid"/>
+                      <a:round/>
+                      <a:headEnd type="none" w="med" len="med"/>
+                      <a:tailEnd type="none" w="med" len="med"/>
+                    </a:lnT>
+                    <a:lnB w="12700" cap="flat" cmpd="sng" algn="ctr">
+                      <a:solidFill>
+                        <a:scrgbClr r="0" g="0" b="0"/>
+                      </a:solidFill>
+                      <a:prstDash val="solid"/>
+                      <a:round/>
+                      <a:headEnd type="none" w="med" len="med"/>
+                      <a:tailEnd type="none" w="med" len="med"/>
+                    </a:lnB>
+                  </a:tcPr>
+                </a:tc>
+                <a:tc>
+                  <a:txBody>
+                    <a:bodyPr/>
+                    <a:lstStyle/>
+                    <a:p>
+                      <a:pPr algn="ctr" fontAlgn="b"/>
+                      <a:r>
+                        <a:rPr lang="en-US" sz="1100" b="1" i="0" u="none" strike="noStrike">
+                          <a:solidFill>
+                            <a:srgbClr val="000000"/>
+                          </a:solidFill>
+                          <a:effectLst/>
+                          <a:latin typeface="Adobe Fangsong Std R" pitchFamily="18" charset="-128"/>
+                          <a:ea typeface="Adobe Fangsong Std R" pitchFamily="18" charset="-128"/>
+                        </a:rPr>
+                        <a:t>7.295648</a:t>
+                      </a:r>
+                    </a:p>
+                  </a:txBody>
+                  <a:tcPr marL="9525" marR="9525" marT="9525" marB="0" anchor="ctr">
+                    <a:lnL w="12700" cap="flat" cmpd="sng" algn="ctr">
+                      <a:solidFill>
+                        <a:scrgbClr r="0" g="0" b="0"/>
+                      </a:solidFill>
+                      <a:prstDash val="solid"/>
+                      <a:round/>
+                      <a:headEnd type="none" w="med" len="med"/>
+                      <a:tailEnd type="none" w="med" len="med"/>
+                    </a:lnL>
+                    <a:lnR w="12700" cap="flat" cmpd="sng" algn="ctr">
+                      <a:solidFill>
+                        <a:scrgbClr r="0" g="0" b="0"/>
+                      </a:solidFill>
+                      <a:prstDash val="solid"/>
+                      <a:round/>
+                      <a:headEnd type="none" w="med" len="med"/>
+                      <a:tailEnd type="none" w="med" len="med"/>
+                    </a:lnR>
+                    <a:lnT w="12700" cap="flat" cmpd="sng" algn="ctr">
+                      <a:solidFill>
+                        <a:scrgbClr r="0" g="0" b="0"/>
+                      </a:solidFill>
+                      <a:prstDash val="solid"/>
+                      <a:round/>
+                      <a:headEnd type="none" w="med" len="med"/>
+                      <a:tailEnd type="none" w="med" len="med"/>
+                    </a:lnT>
+                    <a:lnB w="12700" cap="flat" cmpd="sng" algn="ctr">
+                      <a:solidFill>
+                        <a:scrgbClr r="0" g="0" b="0"/>
+                      </a:solidFill>
+                      <a:prstDash val="solid"/>
+                      <a:round/>
+                      <a:headEnd type="none" w="med" len="med"/>
+                      <a:tailEnd type="none" w="med" len="med"/>
+                    </a:lnB>
+                  </a:tcPr>
+                </a:tc>
+                <a:tc>
+                  <a:txBody>
+                    <a:bodyPr/>
+                    <a:lstStyle/>
+                    <a:p>
+                      <a:pPr algn="ctr" fontAlgn="b"/>
+                      <a:r>
+                        <a:rPr lang="en-US" sz="1100" b="1" i="0" u="none" strike="noStrike">
+                          <a:solidFill>
+                            <a:srgbClr val="000000"/>
+                          </a:solidFill>
+                          <a:effectLst/>
+                          <a:latin typeface="Adobe Fangsong Std R" pitchFamily="18" charset="-128"/>
+                          <a:ea typeface="Adobe Fangsong Std R" pitchFamily="18" charset="-128"/>
+                        </a:rPr>
+                        <a:t>7.316933</a:t>
+                      </a:r>
+                    </a:p>
+                  </a:txBody>
+                  <a:tcPr marL="9525" marR="9525" marT="9525" marB="0" anchor="ctr">
+                    <a:lnL w="12700" cap="flat" cmpd="sng" algn="ctr">
+                      <a:solidFill>
+                        <a:scrgbClr r="0" g="0" b="0"/>
+                      </a:solidFill>
+                      <a:prstDash val="solid"/>
+                      <a:round/>
+                      <a:headEnd type="none" w="med" len="med"/>
+                      <a:tailEnd type="none" w="med" len="med"/>
+                    </a:lnL>
+                    <a:lnR w="12700" cap="flat" cmpd="sng" algn="ctr">
+                      <a:solidFill>
+                        <a:scrgbClr r="0" g="0" b="0"/>
+                      </a:solidFill>
+                      <a:prstDash val="solid"/>
+                      <a:round/>
+                      <a:headEnd type="none" w="med" len="med"/>
+                      <a:tailEnd type="none" w="med" len="med"/>
+                    </a:lnR>
+                    <a:lnT w="12700" cap="flat" cmpd="sng" algn="ctr">
+                      <a:solidFill>
+                        <a:scrgbClr r="0" g="0" b="0"/>
+                      </a:solidFill>
+                      <a:prstDash val="solid"/>
+                      <a:round/>
+                      <a:headEnd type="none" w="med" len="med"/>
+                      <a:tailEnd type="none" w="med" len="med"/>
+                    </a:lnT>
+                    <a:lnB w="12700" cap="flat" cmpd="sng" algn="ctr">
+                      <a:solidFill>
+                        <a:scrgbClr r="0" g="0" b="0"/>
+                      </a:solidFill>
+                      <a:prstDash val="solid"/>
+                      <a:round/>
+                      <a:headEnd type="none" w="med" len="med"/>
+                      <a:tailEnd type="none" w="med" len="med"/>
+                    </a:lnB>
+                  </a:tcPr>
+                </a:tc>
+                <a:tc>
+                  <a:txBody>
+                    <a:bodyPr/>
+                    <a:lstStyle/>
+                    <a:p>
+                      <a:pPr algn="ctr" fontAlgn="b"/>
+                      <a:r>
+                        <a:rPr lang="en-US" sz="1100" b="1" i="0" u="none" strike="noStrike" dirty="0">
+                          <a:solidFill>
+                            <a:srgbClr val="000000"/>
+                          </a:solidFill>
+                          <a:effectLst/>
+                          <a:latin typeface="Adobe Fangsong Std R" pitchFamily="18" charset="-128"/>
+                          <a:ea typeface="Adobe Fangsong Std R" pitchFamily="18" charset="-128"/>
+                        </a:rPr>
+                        <a:t>7.307532</a:t>
+                      </a:r>
+                    </a:p>
+                  </a:txBody>
+                  <a:tcPr marL="9525" marR="9525" marT="9525" marB="0" anchor="ctr">
+                    <a:lnL w="12700" cap="flat" cmpd="sng" algn="ctr">
+                      <a:solidFill>
+                        <a:scrgbClr r="0" g="0" b="0"/>
+                      </a:solidFill>
+                      <a:prstDash val="solid"/>
+                      <a:round/>
+                      <a:headEnd type="none" w="med" len="med"/>
+                      <a:tailEnd type="none" w="med" len="med"/>
+                    </a:lnL>
+                    <a:lnR w="12700" cap="flat" cmpd="sng" algn="ctr">
+                      <a:solidFill>
+                        <a:scrgbClr r="0" g="0" b="0"/>
+                      </a:solidFill>
+                      <a:prstDash val="solid"/>
+                      <a:round/>
+                      <a:headEnd type="none" w="med" len="med"/>
+                      <a:tailEnd type="none" w="med" len="med"/>
+                    </a:lnR>
+                    <a:lnT w="12700" cap="flat" cmpd="sng" algn="ctr">
+                      <a:solidFill>
+                        <a:scrgbClr r="0" g="0" b="0"/>
+                      </a:solidFill>
+                      <a:prstDash val="solid"/>
+                      <a:round/>
+                      <a:headEnd type="none" w="med" len="med"/>
+                      <a:tailEnd type="none" w="med" len="med"/>
+                    </a:lnT>
+                    <a:lnB w="12700" cap="flat" cmpd="sng" algn="ctr">
+                      <a:solidFill>
+                        <a:scrgbClr r="0" g="0" b="0"/>
+                      </a:solidFill>
+                      <a:prstDash val="solid"/>
+                      <a:round/>
+                      <a:headEnd type="none" w="med" len="med"/>
+                      <a:tailEnd type="none" w="med" len="med"/>
+                    </a:lnB>
+                  </a:tcPr>
+                </a:tc>
+              </a:tr>
+            </a:tbl>
+          </a:graphicData>
+        </a:graphic>
+      </p:graphicFrame>
+      <p:sp>
+        <p:nvSpPr>
+          <p:cNvPr id="13" name="TextBox 12"/>
+          <p:cNvSpPr txBox="1"/>
+          <p:nvPr/>
+        </p:nvSpPr>
+        <p:spPr>
+          <a:xfrm>
+            <a:off x="3131301" y="425335"/>
+            <a:ext cx="2462534" cy="400110"/>
+          </a:xfrm>
+          <a:prstGeom prst="rect">
+            <a:avLst/>
+          </a:prstGeom>
+          <a:noFill/>
+        </p:spPr>
+        <p:txBody>
+          <a:bodyPr wrap="none" rtlCol="0">
+            <a:spAutoFit/>
+          </a:bodyPr>
+          <a:lstStyle/>
+          <a:p>
+            <a:pPr algn="ctr"/>
+            <a:r>
+              <a:rPr lang="en-US" sz="2000" b="1" dirty="0">
+                <a:latin typeface="Adobe Fangsong Std R" pitchFamily="18" charset="-128"/>
+                <a:ea typeface="Adobe Fangsong Std R" pitchFamily="18" charset="-128"/>
+              </a:rPr>
+              <a:t>SP3 - Non-Strained</a:t>
             </a:r>
             <a:endParaRPr lang="en-US" sz="2000" b="1" dirty="0">
               <a:latin typeface="Adobe Fangsong Std R" pitchFamily="18" charset="-128"/>
@@ -12797,20 +14962,13 @@
     </p:spTree>
     <p:extLst>
       <p:ext uri="{BB962C8B-B14F-4D97-AF65-F5344CB8AC3E}">
-        <p14:creationId xmlns:p14="http://schemas.microsoft.com/office/powerpoint/2010/main" val="2387711665"/>
+        <p14:creationId xmlns:p14="http://schemas.microsoft.com/office/powerpoint/2010/main" val="3766688247"/>
       </p:ext>
     </p:extLst>
   </p:cSld>
   <p:clrMapOvr>
     <a:masterClrMapping/>
   </p:clrMapOvr>
-  <p:timing>
-    <p:tnLst>
-      <p:par>
-        <p:cTn id="1" dur="indefinite" restart="never" nodeType="tmRoot"/>
-      </p:par>
-    </p:tnLst>
-  </p:timing>
 </p:sld>
 </file>
 
@@ -12839,8 +14997,8 @@
         </p:nvSpPr>
         <p:spPr>
           <a:xfrm>
-            <a:off x="3657600" y="425335"/>
-            <a:ext cx="1693092" cy="400110"/>
+            <a:off x="473886" y="793816"/>
+            <a:ext cx="2345514" cy="646331"/>
           </a:xfrm>
           <a:prstGeom prst="rect">
             <a:avLst/>
@@ -12854,20 +15012,260 @@
           <a:lstStyle/>
           <a:p>
             <a:r>
+              <a:rPr lang="en-US" b="1" dirty="0" smtClean="0">
+                <a:latin typeface="Adobe Fangsong Std R" pitchFamily="18" charset="-128"/>
+                <a:ea typeface="Adobe Fangsong Std R" pitchFamily="18" charset="-128"/>
+              </a:rPr>
+              <a:t>Strained </a:t>
+            </a:r>
+            <a:r>
+              <a:rPr lang="en-US" b="1" dirty="0" smtClean="0">
+                <a:latin typeface="Adobe Fangsong Std R" pitchFamily="18" charset="-128"/>
+                <a:ea typeface="Adobe Fangsong Std R" pitchFamily="18" charset="-128"/>
+              </a:rPr>
+              <a:t>Carbon: 94</a:t>
+            </a:r>
+            <a:endParaRPr lang="en-US" b="1" dirty="0" smtClean="0">
+              <a:latin typeface="Adobe Fangsong Std R" pitchFamily="18" charset="-128"/>
+              <a:ea typeface="Adobe Fangsong Std R" pitchFamily="18" charset="-128"/>
+            </a:endParaRPr>
+          </a:p>
+          <a:p>
+            <a:pPr algn="ctr"/>
+            <a:endParaRPr lang="en-US" b="1" dirty="0">
+              <a:latin typeface="Adobe Fangsong Std R" pitchFamily="18" charset="-128"/>
+              <a:ea typeface="Adobe Fangsong Std R" pitchFamily="18" charset="-128"/>
+            </a:endParaRPr>
+          </a:p>
+        </p:txBody>
+      </p:sp>
+      <p:pic>
+        <p:nvPicPr>
+          <p:cNvPr id="4098" name="Picture 2"/>
+          <p:cNvPicPr>
+            <a:picLocks noChangeAspect="1" noChangeArrowheads="1"/>
+          </p:cNvPicPr>
+          <p:nvPr/>
+        </p:nvPicPr>
+        <p:blipFill>
+          <a:blip r:embed="rId2">
+            <a:clrChange>
+              <a:clrFrom>
+                <a:srgbClr val="FFFFFF"/>
+              </a:clrFrom>
+              <a:clrTo>
+                <a:srgbClr val="FFFFFF">
+                  <a:alpha val="0"/>
+                </a:srgbClr>
+              </a:clrTo>
+            </a:clrChange>
+            <a:extLst>
+              <a:ext uri="{28A0092B-C50C-407E-A947-70E740481C1C}">
+                <a14:useLocalDpi xmlns:a14="http://schemas.microsoft.com/office/drawing/2010/main" val="0"/>
+              </a:ext>
+            </a:extLst>
+          </a:blip>
+          <a:srcRect/>
+          <a:stretch>
+            <a:fillRect/>
+          </a:stretch>
+        </p:blipFill>
+        <p:spPr bwMode="auto">
+          <a:xfrm>
+            <a:off x="1275625" y="952159"/>
+            <a:ext cx="3733800" cy="2819400"/>
+          </a:xfrm>
+          <a:prstGeom prst="rect">
+            <a:avLst/>
+          </a:prstGeom>
+          <a:noFill/>
+          <a:ln>
+            <a:noFill/>
+          </a:ln>
+          <a:effectLst/>
+          <a:extLst>
+            <a:ext uri="{909E8E84-426E-40DD-AFC4-6F175D3DCCD1}">
+              <a14:hiddenFill xmlns:a14="http://schemas.microsoft.com/office/drawing/2010/main">
+                <a:solidFill>
+                  <a:schemeClr val="accent1"/>
+                </a:solidFill>
+              </a14:hiddenFill>
+            </a:ext>
+            <a:ext uri="{91240B29-F687-4F45-9708-019B960494DF}">
+              <a14:hiddenLine xmlns:a14="http://schemas.microsoft.com/office/drawing/2010/main" w="9525">
+                <a:solidFill>
+                  <a:schemeClr val="tx1"/>
+                </a:solidFill>
+                <a:miter lim="800000"/>
+                <a:headEnd/>
+                <a:tailEnd/>
+              </a14:hiddenLine>
+            </a:ext>
+            <a:ext uri="{AF507438-7753-43E0-B8FC-AC1667EBCBE1}">
+              <a14:hiddenEffects xmlns:a14="http://schemas.microsoft.com/office/drawing/2010/main">
+                <a:effectLst>
+                  <a:outerShdw dist="35921" dir="2700000" algn="ctr" rotWithShape="0">
+                    <a:schemeClr val="bg2"/>
+                  </a:outerShdw>
+                </a:effectLst>
+              </a14:hiddenEffects>
+            </a:ext>
+          </a:extLst>
+        </p:spPr>
+      </p:pic>
+      <p:pic>
+        <p:nvPicPr>
+          <p:cNvPr id="1026" name="Picture 2"/>
+          <p:cNvPicPr>
+            <a:picLocks noChangeAspect="1" noChangeArrowheads="1"/>
+          </p:cNvPicPr>
+          <p:nvPr/>
+        </p:nvPicPr>
+        <p:blipFill>
+          <a:blip r:embed="rId3">
+            <a:clrChange>
+              <a:clrFrom>
+                <a:srgbClr val="FFFFFF"/>
+              </a:clrFrom>
+              <a:clrTo>
+                <a:srgbClr val="FFFFFF">
+                  <a:alpha val="0"/>
+                </a:srgbClr>
+              </a:clrTo>
+            </a:clrChange>
+            <a:extLst>
+              <a:ext uri="{28A0092B-C50C-407E-A947-70E740481C1C}">
+                <a14:useLocalDpi xmlns:a14="http://schemas.microsoft.com/office/drawing/2010/main" val="0"/>
+              </a:ext>
+            </a:extLst>
+          </a:blip>
+          <a:srcRect/>
+          <a:stretch>
+            <a:fillRect/>
+          </a:stretch>
+        </p:blipFill>
+        <p:spPr bwMode="auto">
+          <a:xfrm>
+            <a:off x="278579" y="3338045"/>
+            <a:ext cx="5081642" cy="3389598"/>
+          </a:xfrm>
+          <a:prstGeom prst="rect">
+            <a:avLst/>
+          </a:prstGeom>
+          <a:noFill/>
+          <a:ln>
+            <a:noFill/>
+          </a:ln>
+          <a:effectLst/>
+          <a:extLst>
+            <a:ext uri="{909E8E84-426E-40DD-AFC4-6F175D3DCCD1}">
+              <a14:hiddenFill xmlns:a14="http://schemas.microsoft.com/office/drawing/2010/main">
+                <a:solidFill>
+                  <a:schemeClr val="accent1"/>
+                </a:solidFill>
+              </a14:hiddenFill>
+            </a:ext>
+            <a:ext uri="{91240B29-F687-4F45-9708-019B960494DF}">
+              <a14:hiddenLine xmlns:a14="http://schemas.microsoft.com/office/drawing/2010/main" w="9525">
+                <a:solidFill>
+                  <a:schemeClr val="tx1"/>
+                </a:solidFill>
+                <a:miter lim="800000"/>
+                <a:headEnd/>
+                <a:tailEnd/>
+              </a14:hiddenLine>
+            </a:ext>
+            <a:ext uri="{AF507438-7753-43E0-B8FC-AC1667EBCBE1}">
+              <a14:hiddenEffects xmlns:a14="http://schemas.microsoft.com/office/drawing/2010/main">
+                <a:effectLst>
+                  <a:outerShdw dist="35921" dir="2700000" algn="ctr" rotWithShape="0">
+                    <a:schemeClr val="bg2"/>
+                  </a:outerShdw>
+                </a:effectLst>
+              </a14:hiddenEffects>
+            </a:ext>
+          </a:extLst>
+        </p:spPr>
+      </p:pic>
+      <p:sp>
+        <p:nvSpPr>
+          <p:cNvPr id="7" name="TextBox 6"/>
+          <p:cNvSpPr txBox="1"/>
+          <p:nvPr/>
+        </p:nvSpPr>
+        <p:spPr>
+          <a:xfrm>
+            <a:off x="5570838" y="2779931"/>
+            <a:ext cx="1917513" cy="646331"/>
+          </a:xfrm>
+          <a:prstGeom prst="rect">
+            <a:avLst/>
+          </a:prstGeom>
+          <a:noFill/>
+        </p:spPr>
+        <p:txBody>
+          <a:bodyPr wrap="none" rtlCol="0">
+            <a:spAutoFit/>
+          </a:bodyPr>
+          <a:lstStyle/>
+          <a:p>
+            <a:r>
+              <a:rPr lang="en-US" b="1" dirty="0" smtClean="0">
+                <a:latin typeface="Adobe Fangsong Std R" pitchFamily="18" charset="-128"/>
+                <a:ea typeface="Adobe Fangsong Std R" pitchFamily="18" charset="-128"/>
+              </a:rPr>
+              <a:t>Training Set: 67</a:t>
+            </a:r>
+          </a:p>
+          <a:p>
+            <a:r>
+              <a:rPr lang="en-US" b="1" dirty="0" smtClean="0">
+                <a:latin typeface="Adobe Fangsong Std R" pitchFamily="18" charset="-128"/>
+                <a:ea typeface="Adobe Fangsong Std R" pitchFamily="18" charset="-128"/>
+              </a:rPr>
+              <a:t>Test Set: 27</a:t>
+            </a:r>
+          </a:p>
+        </p:txBody>
+      </p:sp>
+      <p:sp>
+        <p:nvSpPr>
+          <p:cNvPr id="13" name="TextBox 12"/>
+          <p:cNvSpPr txBox="1"/>
+          <p:nvPr/>
+        </p:nvSpPr>
+        <p:spPr>
+          <a:xfrm>
+            <a:off x="3454994" y="393706"/>
+            <a:ext cx="1885452" cy="400110"/>
+          </a:xfrm>
+          <a:prstGeom prst="rect">
+            <a:avLst/>
+          </a:prstGeom>
+          <a:noFill/>
+        </p:spPr>
+        <p:txBody>
+          <a:bodyPr wrap="none" rtlCol="0">
+            <a:spAutoFit/>
+          </a:bodyPr>
+          <a:lstStyle/>
+          <a:p>
+            <a:pPr algn="ctr"/>
+            <a:r>
               <a:rPr lang="en-US" sz="2000" b="1" dirty="0">
                 <a:latin typeface="Adobe Fangsong Std R" pitchFamily="18" charset="-128"/>
                 <a:ea typeface="Adobe Fangsong Std R" pitchFamily="18" charset="-128"/>
               </a:rPr>
-              <a:t>Naive </a:t>
+              <a:t>SP3 - </a:t>
             </a:r>
             <a:r>
               <a:rPr lang="en-US" sz="2000" b="1" dirty="0" smtClean="0">
                 <a:latin typeface="Adobe Fangsong Std R" pitchFamily="18" charset="-128"/>
                 <a:ea typeface="Adobe Fangsong Std R" pitchFamily="18" charset="-128"/>
               </a:rPr>
-              <a:t>Bayes</a:t>
-            </a:r>
-            <a:endParaRPr lang="en-US" sz="2000" dirty="0">
+              <a:t>Strained</a:t>
+            </a:r>
+            <a:endParaRPr lang="en-US" sz="2000" b="1" dirty="0">
               <a:latin typeface="Adobe Fangsong Std R" pitchFamily="18" charset="-128"/>
               <a:ea typeface="Adobe Fangsong Std R" pitchFamily="18" charset="-128"/>
             </a:endParaRPr>
@@ -12877,20 +15275,13 @@
     </p:spTree>
     <p:extLst>
       <p:ext uri="{BB962C8B-B14F-4D97-AF65-F5344CB8AC3E}">
-        <p14:creationId xmlns:p14="http://schemas.microsoft.com/office/powerpoint/2010/main" val="3125217099"/>
+        <p14:creationId xmlns:p14="http://schemas.microsoft.com/office/powerpoint/2010/main" val="4187125113"/>
       </p:ext>
     </p:extLst>
   </p:cSld>
   <p:clrMapOvr>
     <a:masterClrMapping/>
   </p:clrMapOvr>
-  <p:timing>
-    <p:tnLst>
-      <p:par>
-        <p:cTn id="1" dur="indefinite" restart="never" nodeType="tmRoot"/>
-      </p:par>
-    </p:tnLst>
-  </p:timing>
 </p:sld>
 </file>
 
@@ -13303,6 +15694,3605 @@
           <a:chExt cx="0" cy="0"/>
         </a:xfrm>
       </p:grpSpPr>
+      <p:pic>
+        <p:nvPicPr>
+          <p:cNvPr id="2050" name="Picture 2"/>
+          <p:cNvPicPr>
+            <a:picLocks noChangeAspect="1" noChangeArrowheads="1"/>
+          </p:cNvPicPr>
+          <p:nvPr/>
+        </p:nvPicPr>
+        <p:blipFill>
+          <a:blip r:embed="rId2">
+            <a:clrChange>
+              <a:clrFrom>
+                <a:srgbClr val="FFFFFF"/>
+              </a:clrFrom>
+              <a:clrTo>
+                <a:srgbClr val="FFFFFF">
+                  <a:alpha val="0"/>
+                </a:srgbClr>
+              </a:clrTo>
+            </a:clrChange>
+            <a:extLst>
+              <a:ext uri="{28A0092B-C50C-407E-A947-70E740481C1C}">
+                <a14:useLocalDpi xmlns:a14="http://schemas.microsoft.com/office/drawing/2010/main" val="0"/>
+              </a:ext>
+            </a:extLst>
+          </a:blip>
+          <a:srcRect/>
+          <a:stretch>
+            <a:fillRect/>
+          </a:stretch>
+        </p:blipFill>
+        <p:spPr bwMode="auto">
+          <a:xfrm>
+            <a:off x="929472" y="0"/>
+            <a:ext cx="3337728" cy="3352799"/>
+          </a:xfrm>
+          <a:prstGeom prst="rect">
+            <a:avLst/>
+          </a:prstGeom>
+          <a:noFill/>
+          <a:ln>
+            <a:noFill/>
+          </a:ln>
+          <a:effectLst/>
+          <a:extLst>
+            <a:ext uri="{909E8E84-426E-40DD-AFC4-6F175D3DCCD1}">
+              <a14:hiddenFill xmlns:a14="http://schemas.microsoft.com/office/drawing/2010/main">
+                <a:solidFill>
+                  <a:schemeClr val="accent1"/>
+                </a:solidFill>
+              </a14:hiddenFill>
+            </a:ext>
+            <a:ext uri="{91240B29-F687-4F45-9708-019B960494DF}">
+              <a14:hiddenLine xmlns:a14="http://schemas.microsoft.com/office/drawing/2010/main" w="9525">
+                <a:solidFill>
+                  <a:schemeClr val="tx1"/>
+                </a:solidFill>
+                <a:miter lim="800000"/>
+                <a:headEnd/>
+                <a:tailEnd/>
+              </a14:hiddenLine>
+            </a:ext>
+            <a:ext uri="{AF507438-7753-43E0-B8FC-AC1667EBCBE1}">
+              <a14:hiddenEffects xmlns:a14="http://schemas.microsoft.com/office/drawing/2010/main">
+                <a:effectLst>
+                  <a:outerShdw dist="35921" dir="2700000" algn="ctr" rotWithShape="0">
+                    <a:schemeClr val="bg2"/>
+                  </a:outerShdw>
+                </a:effectLst>
+              </a14:hiddenEffects>
+            </a:ext>
+          </a:extLst>
+        </p:spPr>
+      </p:pic>
+      <p:pic>
+        <p:nvPicPr>
+          <p:cNvPr id="2051" name="Picture 3"/>
+          <p:cNvPicPr>
+            <a:picLocks noChangeAspect="1" noChangeArrowheads="1"/>
+          </p:cNvPicPr>
+          <p:nvPr/>
+        </p:nvPicPr>
+        <p:blipFill>
+          <a:blip r:embed="rId3">
+            <a:clrChange>
+              <a:clrFrom>
+                <a:srgbClr val="FFFFFF"/>
+              </a:clrFrom>
+              <a:clrTo>
+                <a:srgbClr val="FFFFFF">
+                  <a:alpha val="0"/>
+                </a:srgbClr>
+              </a:clrTo>
+            </a:clrChange>
+            <a:extLst>
+              <a:ext uri="{28A0092B-C50C-407E-A947-70E740481C1C}">
+                <a14:useLocalDpi xmlns:a14="http://schemas.microsoft.com/office/drawing/2010/main" val="0"/>
+              </a:ext>
+            </a:extLst>
+          </a:blip>
+          <a:srcRect/>
+          <a:stretch>
+            <a:fillRect/>
+          </a:stretch>
+        </p:blipFill>
+        <p:spPr bwMode="auto">
+          <a:xfrm>
+            <a:off x="4206073" y="0"/>
+            <a:ext cx="3657600" cy="3352799"/>
+          </a:xfrm>
+          <a:prstGeom prst="rect">
+            <a:avLst/>
+          </a:prstGeom>
+          <a:noFill/>
+          <a:ln>
+            <a:noFill/>
+          </a:ln>
+          <a:effectLst/>
+          <a:extLst>
+            <a:ext uri="{909E8E84-426E-40DD-AFC4-6F175D3DCCD1}">
+              <a14:hiddenFill xmlns:a14="http://schemas.microsoft.com/office/drawing/2010/main">
+                <a:solidFill>
+                  <a:schemeClr val="accent1"/>
+                </a:solidFill>
+              </a14:hiddenFill>
+            </a:ext>
+            <a:ext uri="{91240B29-F687-4F45-9708-019B960494DF}">
+              <a14:hiddenLine xmlns:a14="http://schemas.microsoft.com/office/drawing/2010/main" w="9525">
+                <a:solidFill>
+                  <a:schemeClr val="tx1"/>
+                </a:solidFill>
+                <a:miter lim="800000"/>
+                <a:headEnd/>
+                <a:tailEnd/>
+              </a14:hiddenLine>
+            </a:ext>
+            <a:ext uri="{AF507438-7753-43E0-B8FC-AC1667EBCBE1}">
+              <a14:hiddenEffects xmlns:a14="http://schemas.microsoft.com/office/drawing/2010/main">
+                <a:effectLst>
+                  <a:outerShdw dist="35921" dir="2700000" algn="ctr" rotWithShape="0">
+                    <a:schemeClr val="bg2"/>
+                  </a:outerShdw>
+                </a:effectLst>
+              </a14:hiddenEffects>
+            </a:ext>
+          </a:extLst>
+        </p:spPr>
+      </p:pic>
+      <p:pic>
+        <p:nvPicPr>
+          <p:cNvPr id="2052" name="Picture 4"/>
+          <p:cNvPicPr>
+            <a:picLocks noChangeAspect="1" noChangeArrowheads="1"/>
+          </p:cNvPicPr>
+          <p:nvPr/>
+        </p:nvPicPr>
+        <p:blipFill>
+          <a:blip r:embed="rId4">
+            <a:clrChange>
+              <a:clrFrom>
+                <a:srgbClr val="FFFFFF"/>
+              </a:clrFrom>
+              <a:clrTo>
+                <a:srgbClr val="FFFFFF">
+                  <a:alpha val="0"/>
+                </a:srgbClr>
+              </a:clrTo>
+            </a:clrChange>
+            <a:extLst>
+              <a:ext uri="{28A0092B-C50C-407E-A947-70E740481C1C}">
+                <a14:useLocalDpi xmlns:a14="http://schemas.microsoft.com/office/drawing/2010/main" val="0"/>
+              </a:ext>
+            </a:extLst>
+          </a:blip>
+          <a:srcRect/>
+          <a:stretch>
+            <a:fillRect/>
+          </a:stretch>
+        </p:blipFill>
+        <p:spPr bwMode="auto">
+          <a:xfrm>
+            <a:off x="929472" y="2990122"/>
+            <a:ext cx="3276600" cy="3182078"/>
+          </a:xfrm>
+          <a:prstGeom prst="rect">
+            <a:avLst/>
+          </a:prstGeom>
+          <a:noFill/>
+          <a:ln>
+            <a:noFill/>
+          </a:ln>
+          <a:effectLst/>
+          <a:extLst>
+            <a:ext uri="{909E8E84-426E-40DD-AFC4-6F175D3DCCD1}">
+              <a14:hiddenFill xmlns:a14="http://schemas.microsoft.com/office/drawing/2010/main">
+                <a:solidFill>
+                  <a:schemeClr val="accent1"/>
+                </a:solidFill>
+              </a14:hiddenFill>
+            </a:ext>
+            <a:ext uri="{91240B29-F687-4F45-9708-019B960494DF}">
+              <a14:hiddenLine xmlns:a14="http://schemas.microsoft.com/office/drawing/2010/main" w="9525">
+                <a:solidFill>
+                  <a:schemeClr val="tx1"/>
+                </a:solidFill>
+                <a:miter lim="800000"/>
+                <a:headEnd/>
+                <a:tailEnd/>
+              </a14:hiddenLine>
+            </a:ext>
+            <a:ext uri="{AF507438-7753-43E0-B8FC-AC1667EBCBE1}">
+              <a14:hiddenEffects xmlns:a14="http://schemas.microsoft.com/office/drawing/2010/main">
+                <a:effectLst>
+                  <a:outerShdw dist="35921" dir="2700000" algn="ctr" rotWithShape="0">
+                    <a:schemeClr val="bg2"/>
+                  </a:outerShdw>
+                </a:effectLst>
+              </a14:hiddenEffects>
+            </a:ext>
+          </a:extLst>
+        </p:spPr>
+      </p:pic>
+      <p:pic>
+        <p:nvPicPr>
+          <p:cNvPr id="2053" name="Picture 5"/>
+          <p:cNvPicPr>
+            <a:picLocks noChangeAspect="1" noChangeArrowheads="1"/>
+          </p:cNvPicPr>
+          <p:nvPr/>
+        </p:nvPicPr>
+        <p:blipFill>
+          <a:blip r:embed="rId5">
+            <a:clrChange>
+              <a:clrFrom>
+                <a:srgbClr val="FFFFFF"/>
+              </a:clrFrom>
+              <a:clrTo>
+                <a:srgbClr val="FFFFFF">
+                  <a:alpha val="0"/>
+                </a:srgbClr>
+              </a:clrTo>
+            </a:clrChange>
+            <a:extLst>
+              <a:ext uri="{28A0092B-C50C-407E-A947-70E740481C1C}">
+                <a14:useLocalDpi xmlns:a14="http://schemas.microsoft.com/office/drawing/2010/main" val="0"/>
+              </a:ext>
+            </a:extLst>
+          </a:blip>
+          <a:srcRect/>
+          <a:stretch>
+            <a:fillRect/>
+          </a:stretch>
+        </p:blipFill>
+        <p:spPr bwMode="auto">
+          <a:xfrm>
+            <a:off x="4267200" y="2990122"/>
+            <a:ext cx="3596473" cy="3182078"/>
+          </a:xfrm>
+          <a:prstGeom prst="rect">
+            <a:avLst/>
+          </a:prstGeom>
+          <a:noFill/>
+          <a:ln>
+            <a:noFill/>
+          </a:ln>
+          <a:effectLst/>
+          <a:extLst>
+            <a:ext uri="{909E8E84-426E-40DD-AFC4-6F175D3DCCD1}">
+              <a14:hiddenFill xmlns:a14="http://schemas.microsoft.com/office/drawing/2010/main">
+                <a:solidFill>
+                  <a:schemeClr val="accent1"/>
+                </a:solidFill>
+              </a14:hiddenFill>
+            </a:ext>
+            <a:ext uri="{91240B29-F687-4F45-9708-019B960494DF}">
+              <a14:hiddenLine xmlns:a14="http://schemas.microsoft.com/office/drawing/2010/main" w="9525">
+                <a:solidFill>
+                  <a:schemeClr val="tx1"/>
+                </a:solidFill>
+                <a:miter lim="800000"/>
+                <a:headEnd/>
+                <a:tailEnd/>
+              </a14:hiddenLine>
+            </a:ext>
+            <a:ext uri="{AF507438-7753-43E0-B8FC-AC1667EBCBE1}">
+              <a14:hiddenEffects xmlns:a14="http://schemas.microsoft.com/office/drawing/2010/main">
+                <a:effectLst>
+                  <a:outerShdw dist="35921" dir="2700000" algn="ctr" rotWithShape="0">
+                    <a:schemeClr val="bg2"/>
+                  </a:outerShdw>
+                </a:effectLst>
+              </a14:hiddenEffects>
+            </a:ext>
+          </a:extLst>
+        </p:spPr>
+      </p:pic>
+      <p:sp>
+        <p:nvSpPr>
+          <p:cNvPr id="16" name="TextBox 15"/>
+          <p:cNvSpPr txBox="1"/>
+          <p:nvPr/>
+        </p:nvSpPr>
+        <p:spPr>
+          <a:xfrm>
+            <a:off x="3454994" y="159564"/>
+            <a:ext cx="1885452" cy="400110"/>
+          </a:xfrm>
+          <a:prstGeom prst="rect">
+            <a:avLst/>
+          </a:prstGeom>
+          <a:noFill/>
+        </p:spPr>
+        <p:txBody>
+          <a:bodyPr wrap="none" rtlCol="0">
+            <a:spAutoFit/>
+          </a:bodyPr>
+          <a:lstStyle/>
+          <a:p>
+            <a:pPr algn="ctr"/>
+            <a:r>
+              <a:rPr lang="en-US" sz="2000" b="1" dirty="0">
+                <a:latin typeface="Adobe Fangsong Std R" pitchFamily="18" charset="-128"/>
+                <a:ea typeface="Adobe Fangsong Std R" pitchFamily="18" charset="-128"/>
+              </a:rPr>
+              <a:t>SP3 - </a:t>
+            </a:r>
+            <a:r>
+              <a:rPr lang="en-US" sz="2000" b="1" dirty="0" smtClean="0">
+                <a:latin typeface="Adobe Fangsong Std R" pitchFamily="18" charset="-128"/>
+                <a:ea typeface="Adobe Fangsong Std R" pitchFamily="18" charset="-128"/>
+              </a:rPr>
+              <a:t>Strained</a:t>
+            </a:r>
+            <a:endParaRPr lang="en-US" sz="2000" b="1" dirty="0">
+              <a:latin typeface="Adobe Fangsong Std R" pitchFamily="18" charset="-128"/>
+              <a:ea typeface="Adobe Fangsong Std R" pitchFamily="18" charset="-128"/>
+            </a:endParaRPr>
+          </a:p>
+        </p:txBody>
+      </p:sp>
+    </p:spTree>
+    <p:extLst>
+      <p:ext uri="{BB962C8B-B14F-4D97-AF65-F5344CB8AC3E}">
+        <p14:creationId xmlns:p14="http://schemas.microsoft.com/office/powerpoint/2010/main" val="4147946012"/>
+      </p:ext>
+    </p:extLst>
+  </p:cSld>
+  <p:clrMapOvr>
+    <a:masterClrMapping/>
+  </p:clrMapOvr>
+</p:sld>
+</file>
+
+<file path=ppt/slides/slide21.xml><?xml version="1.0" encoding="utf-8"?>
+<p:sld xmlns:a="http://schemas.openxmlformats.org/drawingml/2006/main" xmlns:r="http://schemas.openxmlformats.org/officeDocument/2006/relationships" xmlns:p="http://schemas.openxmlformats.org/presentationml/2006/main">
+  <p:cSld>
+    <p:spTree>
+      <p:nvGrpSpPr>
+        <p:cNvPr id="1" name=""/>
+        <p:cNvGrpSpPr/>
+        <p:nvPr/>
+      </p:nvGrpSpPr>
+      <p:grpSpPr>
+        <a:xfrm>
+          <a:off x="0" y="0"/>
+          <a:ext cx="0" cy="0"/>
+          <a:chOff x="0" y="0"/>
+          <a:chExt cx="0" cy="0"/>
+        </a:xfrm>
+      </p:grpSpPr>
+      <p:sp>
+        <p:nvSpPr>
+          <p:cNvPr id="4" name="TextBox 3"/>
+          <p:cNvSpPr txBox="1"/>
+          <p:nvPr/>
+        </p:nvSpPr>
+        <p:spPr>
+          <a:xfrm>
+            <a:off x="2103621" y="5673129"/>
+            <a:ext cx="1904689" cy="369332"/>
+          </a:xfrm>
+          <a:prstGeom prst="rect">
+            <a:avLst/>
+          </a:prstGeom>
+          <a:noFill/>
+        </p:spPr>
+        <p:txBody>
+          <a:bodyPr wrap="none" rtlCol="0">
+            <a:spAutoFit/>
+          </a:bodyPr>
+          <a:lstStyle/>
+          <a:p>
+            <a:r>
+              <a:rPr lang="en-US" b="1" dirty="0" smtClean="0">
+                <a:latin typeface="Adobe Fangsong Std R" pitchFamily="18" charset="-128"/>
+                <a:ea typeface="Adobe Fangsong Std R" pitchFamily="18" charset="-128"/>
+              </a:rPr>
+              <a:t>MAE: </a:t>
+            </a:r>
+            <a:r>
+              <a:rPr lang="en-US" b="1" dirty="0">
+                <a:latin typeface="Adobe Fangsong Std R" pitchFamily="18" charset="-128"/>
+                <a:ea typeface="Adobe Fangsong Std R" pitchFamily="18" charset="-128"/>
+              </a:rPr>
+              <a:t>5.177795</a:t>
+            </a:r>
+            <a:endParaRPr lang="en-US" b="1" dirty="0">
+              <a:latin typeface="Adobe Fangsong Std R" pitchFamily="18" charset="-128"/>
+              <a:ea typeface="Adobe Fangsong Std R" pitchFamily="18" charset="-128"/>
+            </a:endParaRPr>
+          </a:p>
+        </p:txBody>
+      </p:sp>
+      <p:sp>
+        <p:nvSpPr>
+          <p:cNvPr id="5" name="TextBox 4"/>
+          <p:cNvSpPr txBox="1"/>
+          <p:nvPr/>
+        </p:nvSpPr>
+        <p:spPr>
+          <a:xfrm>
+            <a:off x="4911811" y="5670381"/>
+            <a:ext cx="2092239" cy="369332"/>
+          </a:xfrm>
+          <a:prstGeom prst="rect">
+            <a:avLst/>
+          </a:prstGeom>
+          <a:noFill/>
+        </p:spPr>
+        <p:txBody>
+          <a:bodyPr wrap="none" rtlCol="0">
+            <a:spAutoFit/>
+          </a:bodyPr>
+          <a:lstStyle/>
+          <a:p>
+            <a:r>
+              <a:rPr lang="en-US" b="1" dirty="0" smtClean="0">
+                <a:latin typeface="Adobe Fangsong Std R" pitchFamily="18" charset="-128"/>
+                <a:ea typeface="Adobe Fangsong Std R" pitchFamily="18" charset="-128"/>
+              </a:rPr>
+              <a:t>RMSE:  </a:t>
+            </a:r>
+            <a:r>
+              <a:rPr lang="en-US" b="1" dirty="0">
+                <a:latin typeface="Adobe Fangsong Std R" pitchFamily="18" charset="-128"/>
+                <a:ea typeface="Adobe Fangsong Std R" pitchFamily="18" charset="-128"/>
+              </a:rPr>
+              <a:t>5.649851</a:t>
+            </a:r>
+            <a:endParaRPr lang="en-US" b="1" dirty="0">
+              <a:latin typeface="Adobe Fangsong Std R" pitchFamily="18" charset="-128"/>
+              <a:ea typeface="Adobe Fangsong Std R" pitchFamily="18" charset="-128"/>
+            </a:endParaRPr>
+          </a:p>
+        </p:txBody>
+      </p:sp>
+      <p:sp>
+        <p:nvSpPr>
+          <p:cNvPr id="7" name="TextBox 6"/>
+          <p:cNvSpPr txBox="1"/>
+          <p:nvPr/>
+        </p:nvSpPr>
+        <p:spPr>
+          <a:xfrm>
+            <a:off x="609601" y="1179731"/>
+            <a:ext cx="7924800" cy="830997"/>
+          </a:xfrm>
+          <a:prstGeom prst="rect">
+            <a:avLst/>
+          </a:prstGeom>
+        </p:spPr>
+        <p:style>
+          <a:lnRef idx="1">
+            <a:schemeClr val="accent1"/>
+          </a:lnRef>
+          <a:fillRef idx="2">
+            <a:schemeClr val="accent1"/>
+          </a:fillRef>
+          <a:effectRef idx="1">
+            <a:schemeClr val="accent1"/>
+          </a:effectRef>
+          <a:fontRef idx="minor">
+            <a:schemeClr val="dk1"/>
+          </a:fontRef>
+        </p:style>
+        <p:txBody>
+          <a:bodyPr wrap="square" rtlCol="0">
+            <a:spAutoFit/>
+          </a:bodyPr>
+          <a:lstStyle/>
+          <a:p>
+            <a:r>
+              <a:rPr lang="en-US" sz="1600" b="1" dirty="0" smtClean="0">
+                <a:latin typeface="Adobe Fangsong Std R" pitchFamily="18" charset="-128"/>
+                <a:ea typeface="Adobe Fangsong Std R" pitchFamily="18" charset="-128"/>
+              </a:rPr>
+              <a:t>NWChem = (Intercept</a:t>
+            </a:r>
+            <a:r>
+              <a:rPr lang="en-US" sz="1600" b="1" dirty="0">
+                <a:latin typeface="Adobe Fangsong Std R" pitchFamily="18" charset="-128"/>
+                <a:ea typeface="Adobe Fangsong Std R" pitchFamily="18" charset="-128"/>
+              </a:rPr>
+              <a:t>) 162.8351 </a:t>
+            </a:r>
+            <a:r>
+              <a:rPr lang="en-US" sz="1600" b="1" dirty="0" smtClean="0">
+                <a:latin typeface="Adobe Fangsong Std R" pitchFamily="18" charset="-128"/>
+                <a:ea typeface="Adobe Fangsong Std R" pitchFamily="18" charset="-128"/>
+              </a:rPr>
+              <a:t>+ (Comp.1) </a:t>
+            </a:r>
+            <a:r>
+              <a:rPr lang="en-US" sz="1600" b="1" dirty="0">
+                <a:latin typeface="Adobe Fangsong Std R" pitchFamily="18" charset="-128"/>
+                <a:ea typeface="Adobe Fangsong Std R" pitchFamily="18" charset="-128"/>
+              </a:rPr>
+              <a:t>-10.8071 </a:t>
+            </a:r>
+            <a:r>
+              <a:rPr lang="en-US" sz="1600" b="1" dirty="0" smtClean="0">
+                <a:latin typeface="Adobe Fangsong Std R" pitchFamily="18" charset="-128"/>
+                <a:ea typeface="Adobe Fangsong Std R" pitchFamily="18" charset="-128"/>
+              </a:rPr>
+              <a:t>+ (Comp.2) </a:t>
+            </a:r>
+            <a:r>
+              <a:rPr lang="en-US" sz="1600" b="1" dirty="0">
+                <a:latin typeface="Adobe Fangsong Std R" pitchFamily="18" charset="-128"/>
+                <a:ea typeface="Adobe Fangsong Std R" pitchFamily="18" charset="-128"/>
+              </a:rPr>
+              <a:t>3.9722 </a:t>
+            </a:r>
+            <a:endParaRPr lang="en-US" sz="1600" b="1" dirty="0" smtClean="0">
+              <a:latin typeface="Adobe Fangsong Std R" pitchFamily="18" charset="-128"/>
+              <a:ea typeface="Adobe Fangsong Std R" pitchFamily="18" charset="-128"/>
+            </a:endParaRPr>
+          </a:p>
+          <a:p>
+            <a:r>
+              <a:rPr lang="en-US" sz="1600" b="1" dirty="0">
+                <a:latin typeface="Adobe Fangsong Std R" pitchFamily="18" charset="-128"/>
+                <a:ea typeface="Adobe Fangsong Std R" pitchFamily="18" charset="-128"/>
+              </a:rPr>
+              <a:t>	</a:t>
+            </a:r>
+            <a:r>
+              <a:rPr lang="en-US" sz="1600" b="1" dirty="0" smtClean="0">
+                <a:latin typeface="Adobe Fangsong Std R" pitchFamily="18" charset="-128"/>
+                <a:ea typeface="Adobe Fangsong Std R" pitchFamily="18" charset="-128"/>
+              </a:rPr>
+              <a:t>	+ (Comp.3) </a:t>
+            </a:r>
+            <a:r>
+              <a:rPr lang="en-US" sz="1600" b="1" dirty="0">
+                <a:latin typeface="Adobe Fangsong Std R" pitchFamily="18" charset="-128"/>
+                <a:ea typeface="Adobe Fangsong Std R" pitchFamily="18" charset="-128"/>
+              </a:rPr>
+              <a:t>-4.9472 </a:t>
+            </a:r>
+            <a:r>
+              <a:rPr lang="en-US" sz="1600" b="1" dirty="0" smtClean="0">
+                <a:latin typeface="Adobe Fangsong Std R" pitchFamily="18" charset="-128"/>
+                <a:ea typeface="Adobe Fangsong Std R" pitchFamily="18" charset="-128"/>
+              </a:rPr>
+              <a:t>+ (Comp.4) </a:t>
+            </a:r>
+            <a:r>
+              <a:rPr lang="en-US" sz="1600" b="1" dirty="0">
+                <a:latin typeface="Adobe Fangsong Std R" pitchFamily="18" charset="-128"/>
+                <a:ea typeface="Adobe Fangsong Std R" pitchFamily="18" charset="-128"/>
+              </a:rPr>
+              <a:t>0.8035 </a:t>
+            </a:r>
+            <a:r>
+              <a:rPr lang="en-US" sz="1600" b="1" dirty="0" smtClean="0">
+                <a:latin typeface="Adobe Fangsong Std R" pitchFamily="18" charset="-128"/>
+                <a:ea typeface="Adobe Fangsong Std R" pitchFamily="18" charset="-128"/>
+              </a:rPr>
+              <a:t>+ (Comp.5) </a:t>
+            </a:r>
+            <a:r>
+              <a:rPr lang="en-US" sz="1600" b="1" dirty="0">
+                <a:latin typeface="Adobe Fangsong Std R" pitchFamily="18" charset="-128"/>
+                <a:ea typeface="Adobe Fangsong Std R" pitchFamily="18" charset="-128"/>
+              </a:rPr>
+              <a:t>-3.3748 </a:t>
+            </a:r>
+            <a:endParaRPr lang="en-US" sz="1600" b="1" dirty="0" smtClean="0">
+              <a:latin typeface="Adobe Fangsong Std R" pitchFamily="18" charset="-128"/>
+              <a:ea typeface="Adobe Fangsong Std R" pitchFamily="18" charset="-128"/>
+            </a:endParaRPr>
+          </a:p>
+          <a:p>
+            <a:r>
+              <a:rPr lang="en-US" sz="1600" b="1" dirty="0" smtClean="0">
+                <a:latin typeface="Adobe Fangsong Std R" pitchFamily="18" charset="-128"/>
+                <a:ea typeface="Adobe Fangsong Std R" pitchFamily="18" charset="-128"/>
+              </a:rPr>
+              <a:t>		+ (Comp.6) 1.6627</a:t>
+            </a:r>
+            <a:endParaRPr lang="en-US" sz="1600" b="1" dirty="0">
+              <a:latin typeface="Adobe Fangsong Std R" pitchFamily="18" charset="-128"/>
+              <a:ea typeface="Adobe Fangsong Std R" pitchFamily="18" charset="-128"/>
+            </a:endParaRPr>
+          </a:p>
+        </p:txBody>
+      </p:sp>
+      <p:sp>
+        <p:nvSpPr>
+          <p:cNvPr id="8" name="TextBox 7"/>
+          <p:cNvSpPr txBox="1"/>
+          <p:nvPr/>
+        </p:nvSpPr>
+        <p:spPr>
+          <a:xfrm>
+            <a:off x="403731" y="2819400"/>
+            <a:ext cx="3329758" cy="369332"/>
+          </a:xfrm>
+          <a:prstGeom prst="rect">
+            <a:avLst/>
+          </a:prstGeom>
+          <a:noFill/>
+        </p:spPr>
+        <p:txBody>
+          <a:bodyPr wrap="none" rtlCol="0">
+            <a:spAutoFit/>
+          </a:bodyPr>
+          <a:lstStyle/>
+          <a:p>
+            <a:r>
+              <a:rPr lang="en-US" b="1" dirty="0" smtClean="0">
+                <a:latin typeface="Adobe Fangsong Std R" pitchFamily="18" charset="-128"/>
+                <a:ea typeface="Adobe Fangsong Std R" pitchFamily="18" charset="-128"/>
+              </a:rPr>
+              <a:t>Training Set Cross Validation</a:t>
+            </a:r>
+            <a:endParaRPr lang="en-US" b="1" dirty="0">
+              <a:latin typeface="Adobe Fangsong Std R" pitchFamily="18" charset="-128"/>
+              <a:ea typeface="Adobe Fangsong Std R" pitchFamily="18" charset="-128"/>
+            </a:endParaRPr>
+          </a:p>
+        </p:txBody>
+      </p:sp>
+      <p:graphicFrame>
+        <p:nvGraphicFramePr>
+          <p:cNvPr id="9" name="Table 8"/>
+          <p:cNvGraphicFramePr>
+            <a:graphicFrameLocks noGrp="1"/>
+          </p:cNvGraphicFramePr>
+          <p:nvPr>
+            <p:extLst>
+              <p:ext uri="{D42A27DB-BD31-4B8C-83A1-F6EECF244321}">
+                <p14:modId xmlns:p14="http://schemas.microsoft.com/office/powerpoint/2010/main" val="2289979477"/>
+              </p:ext>
+            </p:extLst>
+          </p:nvPr>
+        </p:nvGraphicFramePr>
+        <p:xfrm>
+          <a:off x="1013596" y="3352800"/>
+          <a:ext cx="7269208" cy="970277"/>
+        </p:xfrm>
+        <a:graphic>
+          <a:graphicData uri="http://schemas.openxmlformats.org/drawingml/2006/table">
+            <a:tbl>
+              <a:tblPr>
+                <a:tableStyleId>{3C2FFA5D-87B4-456A-9821-1D502468CF0F}</a:tableStyleId>
+              </a:tblPr>
+              <a:tblGrid>
+                <a:gridCol w="720372"/>
+                <a:gridCol w="720372"/>
+                <a:gridCol w="720372"/>
+                <a:gridCol w="720372"/>
+                <a:gridCol w="720372"/>
+                <a:gridCol w="720372"/>
+                <a:gridCol w="720372"/>
+                <a:gridCol w="720372"/>
+                <a:gridCol w="720372"/>
+                <a:gridCol w="785860"/>
+              </a:tblGrid>
+              <a:tr h="423120">
+                <a:tc>
+                  <a:txBody>
+                    <a:bodyPr/>
+                    <a:lstStyle/>
+                    <a:p>
+                      <a:pPr algn="ctr" fontAlgn="b"/>
+                      <a:r>
+                        <a:rPr lang="en-US" sz="1200" b="1" u="none" strike="noStrike" dirty="0">
+                          <a:effectLst/>
+                          <a:latin typeface="Adobe Fangsong Std R" pitchFamily="18" charset="-128"/>
+                          <a:ea typeface="Adobe Fangsong Std R" pitchFamily="18" charset="-128"/>
+                        </a:rPr>
+                        <a:t>K</a:t>
+                      </a:r>
+                      <a:endParaRPr lang="en-US" sz="1200" b="1" i="0" u="none" strike="noStrike" dirty="0">
+                        <a:solidFill>
+                          <a:srgbClr val="000000"/>
+                        </a:solidFill>
+                        <a:effectLst/>
+                        <a:latin typeface="Adobe Fangsong Std R" pitchFamily="18" charset="-128"/>
+                        <a:ea typeface="Adobe Fangsong Std R" pitchFamily="18" charset="-128"/>
+                      </a:endParaRPr>
+                    </a:p>
+                  </a:txBody>
+                  <a:tcPr marL="12357" marR="12357" marT="12357" marB="0" anchor="ctr">
+                    <a:lnL w="12700" cap="flat" cmpd="sng" algn="ctr">
+                      <a:solidFill>
+                        <a:scrgbClr r="0" g="0" b="0"/>
+                      </a:solidFill>
+                      <a:prstDash val="solid"/>
+                      <a:round/>
+                      <a:headEnd type="none" w="med" len="med"/>
+                      <a:tailEnd type="none" w="med" len="med"/>
+                    </a:lnL>
+                    <a:lnR w="12700" cap="flat" cmpd="sng" algn="ctr">
+                      <a:solidFill>
+                        <a:scrgbClr r="0" g="0" b="0"/>
+                      </a:solidFill>
+                      <a:prstDash val="solid"/>
+                      <a:round/>
+                      <a:headEnd type="none" w="med" len="med"/>
+                      <a:tailEnd type="none" w="med" len="med"/>
+                    </a:lnR>
+                    <a:lnT w="12700" cap="flat" cmpd="sng" algn="ctr">
+                      <a:solidFill>
+                        <a:scrgbClr r="0" g="0" b="0"/>
+                      </a:solidFill>
+                      <a:prstDash val="solid"/>
+                      <a:round/>
+                      <a:headEnd type="none" w="med" len="med"/>
+                      <a:tailEnd type="none" w="med" len="med"/>
+                    </a:lnT>
+                    <a:lnB w="12700" cap="flat" cmpd="sng" algn="ctr">
+                      <a:solidFill>
+                        <a:scrgbClr r="0" g="0" b="0"/>
+                      </a:solidFill>
+                      <a:prstDash val="solid"/>
+                      <a:round/>
+                      <a:headEnd type="none" w="med" len="med"/>
+                      <a:tailEnd type="none" w="med" len="med"/>
+                    </a:lnB>
+                  </a:tcPr>
+                </a:tc>
+                <a:tc>
+                  <a:txBody>
+                    <a:bodyPr/>
+                    <a:lstStyle/>
+                    <a:p>
+                      <a:pPr algn="ctr" fontAlgn="b"/>
+                      <a:r>
+                        <a:rPr lang="en-US" sz="1200" b="1" u="none" strike="noStrike">
+                          <a:effectLst/>
+                          <a:latin typeface="Adobe Fangsong Std R" pitchFamily="18" charset="-128"/>
+                          <a:ea typeface="Adobe Fangsong Std R" pitchFamily="18" charset="-128"/>
+                        </a:rPr>
+                        <a:t>2</a:t>
+                      </a:r>
+                      <a:endParaRPr lang="en-US" sz="1200" b="1" i="0" u="none" strike="noStrike">
+                        <a:solidFill>
+                          <a:srgbClr val="000000"/>
+                        </a:solidFill>
+                        <a:effectLst/>
+                        <a:latin typeface="Adobe Fangsong Std R" pitchFamily="18" charset="-128"/>
+                        <a:ea typeface="Adobe Fangsong Std R" pitchFamily="18" charset="-128"/>
+                      </a:endParaRPr>
+                    </a:p>
+                  </a:txBody>
+                  <a:tcPr marL="12357" marR="12357" marT="12357" marB="0" anchor="ctr">
+                    <a:lnL w="12700" cap="flat" cmpd="sng" algn="ctr">
+                      <a:solidFill>
+                        <a:scrgbClr r="0" g="0" b="0"/>
+                      </a:solidFill>
+                      <a:prstDash val="solid"/>
+                      <a:round/>
+                      <a:headEnd type="none" w="med" len="med"/>
+                      <a:tailEnd type="none" w="med" len="med"/>
+                    </a:lnL>
+                    <a:lnR w="12700" cap="flat" cmpd="sng" algn="ctr">
+                      <a:solidFill>
+                        <a:scrgbClr r="0" g="0" b="0"/>
+                      </a:solidFill>
+                      <a:prstDash val="solid"/>
+                      <a:round/>
+                      <a:headEnd type="none" w="med" len="med"/>
+                      <a:tailEnd type="none" w="med" len="med"/>
+                    </a:lnR>
+                    <a:lnT w="12700" cap="flat" cmpd="sng" algn="ctr">
+                      <a:solidFill>
+                        <a:scrgbClr r="0" g="0" b="0"/>
+                      </a:solidFill>
+                      <a:prstDash val="solid"/>
+                      <a:round/>
+                      <a:headEnd type="none" w="med" len="med"/>
+                      <a:tailEnd type="none" w="med" len="med"/>
+                    </a:lnT>
+                    <a:lnB w="12700" cap="flat" cmpd="sng" algn="ctr">
+                      <a:solidFill>
+                        <a:scrgbClr r="0" g="0" b="0"/>
+                      </a:solidFill>
+                      <a:prstDash val="solid"/>
+                      <a:round/>
+                      <a:headEnd type="none" w="med" len="med"/>
+                      <a:tailEnd type="none" w="med" len="med"/>
+                    </a:lnB>
+                  </a:tcPr>
+                </a:tc>
+                <a:tc>
+                  <a:txBody>
+                    <a:bodyPr/>
+                    <a:lstStyle/>
+                    <a:p>
+                      <a:pPr algn="ctr" fontAlgn="b"/>
+                      <a:r>
+                        <a:rPr lang="en-US" sz="1200" b="1" u="none" strike="noStrike">
+                          <a:effectLst/>
+                          <a:latin typeface="Adobe Fangsong Std R" pitchFamily="18" charset="-128"/>
+                          <a:ea typeface="Adobe Fangsong Std R" pitchFamily="18" charset="-128"/>
+                        </a:rPr>
+                        <a:t>3</a:t>
+                      </a:r>
+                      <a:endParaRPr lang="en-US" sz="1200" b="1" i="0" u="none" strike="noStrike">
+                        <a:solidFill>
+                          <a:srgbClr val="000000"/>
+                        </a:solidFill>
+                        <a:effectLst/>
+                        <a:latin typeface="Adobe Fangsong Std R" pitchFamily="18" charset="-128"/>
+                        <a:ea typeface="Adobe Fangsong Std R" pitchFamily="18" charset="-128"/>
+                      </a:endParaRPr>
+                    </a:p>
+                  </a:txBody>
+                  <a:tcPr marL="12357" marR="12357" marT="12357" marB="0" anchor="ctr">
+                    <a:lnL w="12700" cap="flat" cmpd="sng" algn="ctr">
+                      <a:solidFill>
+                        <a:scrgbClr r="0" g="0" b="0"/>
+                      </a:solidFill>
+                      <a:prstDash val="solid"/>
+                      <a:round/>
+                      <a:headEnd type="none" w="med" len="med"/>
+                      <a:tailEnd type="none" w="med" len="med"/>
+                    </a:lnL>
+                    <a:lnR w="12700" cap="flat" cmpd="sng" algn="ctr">
+                      <a:solidFill>
+                        <a:scrgbClr r="0" g="0" b="0"/>
+                      </a:solidFill>
+                      <a:prstDash val="solid"/>
+                      <a:round/>
+                      <a:headEnd type="none" w="med" len="med"/>
+                      <a:tailEnd type="none" w="med" len="med"/>
+                    </a:lnR>
+                    <a:lnT w="12700" cap="flat" cmpd="sng" algn="ctr">
+                      <a:solidFill>
+                        <a:scrgbClr r="0" g="0" b="0"/>
+                      </a:solidFill>
+                      <a:prstDash val="solid"/>
+                      <a:round/>
+                      <a:headEnd type="none" w="med" len="med"/>
+                      <a:tailEnd type="none" w="med" len="med"/>
+                    </a:lnT>
+                    <a:lnB w="12700" cap="flat" cmpd="sng" algn="ctr">
+                      <a:solidFill>
+                        <a:scrgbClr r="0" g="0" b="0"/>
+                      </a:solidFill>
+                      <a:prstDash val="solid"/>
+                      <a:round/>
+                      <a:headEnd type="none" w="med" len="med"/>
+                      <a:tailEnd type="none" w="med" len="med"/>
+                    </a:lnB>
+                  </a:tcPr>
+                </a:tc>
+                <a:tc>
+                  <a:txBody>
+                    <a:bodyPr/>
+                    <a:lstStyle/>
+                    <a:p>
+                      <a:pPr algn="ctr" fontAlgn="b"/>
+                      <a:r>
+                        <a:rPr lang="en-US" sz="1200" b="1" u="none" strike="noStrike">
+                          <a:effectLst/>
+                          <a:latin typeface="Adobe Fangsong Std R" pitchFamily="18" charset="-128"/>
+                          <a:ea typeface="Adobe Fangsong Std R" pitchFamily="18" charset="-128"/>
+                        </a:rPr>
+                        <a:t>4</a:t>
+                      </a:r>
+                      <a:endParaRPr lang="en-US" sz="1200" b="1" i="0" u="none" strike="noStrike">
+                        <a:solidFill>
+                          <a:srgbClr val="000000"/>
+                        </a:solidFill>
+                        <a:effectLst/>
+                        <a:latin typeface="Adobe Fangsong Std R" pitchFamily="18" charset="-128"/>
+                        <a:ea typeface="Adobe Fangsong Std R" pitchFamily="18" charset="-128"/>
+                      </a:endParaRPr>
+                    </a:p>
+                  </a:txBody>
+                  <a:tcPr marL="12357" marR="12357" marT="12357" marB="0" anchor="ctr">
+                    <a:lnL w="12700" cap="flat" cmpd="sng" algn="ctr">
+                      <a:solidFill>
+                        <a:scrgbClr r="0" g="0" b="0"/>
+                      </a:solidFill>
+                      <a:prstDash val="solid"/>
+                      <a:round/>
+                      <a:headEnd type="none" w="med" len="med"/>
+                      <a:tailEnd type="none" w="med" len="med"/>
+                    </a:lnL>
+                    <a:lnR w="12700" cap="flat" cmpd="sng" algn="ctr">
+                      <a:solidFill>
+                        <a:scrgbClr r="0" g="0" b="0"/>
+                      </a:solidFill>
+                      <a:prstDash val="solid"/>
+                      <a:round/>
+                      <a:headEnd type="none" w="med" len="med"/>
+                      <a:tailEnd type="none" w="med" len="med"/>
+                    </a:lnR>
+                    <a:lnT w="12700" cap="flat" cmpd="sng" algn="ctr">
+                      <a:solidFill>
+                        <a:scrgbClr r="0" g="0" b="0"/>
+                      </a:solidFill>
+                      <a:prstDash val="solid"/>
+                      <a:round/>
+                      <a:headEnd type="none" w="med" len="med"/>
+                      <a:tailEnd type="none" w="med" len="med"/>
+                    </a:lnT>
+                    <a:lnB w="12700" cap="flat" cmpd="sng" algn="ctr">
+                      <a:solidFill>
+                        <a:scrgbClr r="0" g="0" b="0"/>
+                      </a:solidFill>
+                      <a:prstDash val="solid"/>
+                      <a:round/>
+                      <a:headEnd type="none" w="med" len="med"/>
+                      <a:tailEnd type="none" w="med" len="med"/>
+                    </a:lnB>
+                  </a:tcPr>
+                </a:tc>
+                <a:tc>
+                  <a:txBody>
+                    <a:bodyPr/>
+                    <a:lstStyle/>
+                    <a:p>
+                      <a:pPr algn="ctr" fontAlgn="b"/>
+                      <a:r>
+                        <a:rPr lang="en-US" sz="1200" b="1" u="none" strike="noStrike">
+                          <a:effectLst/>
+                          <a:latin typeface="Adobe Fangsong Std R" pitchFamily="18" charset="-128"/>
+                          <a:ea typeface="Adobe Fangsong Std R" pitchFamily="18" charset="-128"/>
+                        </a:rPr>
+                        <a:t>5</a:t>
+                      </a:r>
+                      <a:endParaRPr lang="en-US" sz="1200" b="1" i="0" u="none" strike="noStrike">
+                        <a:solidFill>
+                          <a:srgbClr val="000000"/>
+                        </a:solidFill>
+                        <a:effectLst/>
+                        <a:latin typeface="Adobe Fangsong Std R" pitchFamily="18" charset="-128"/>
+                        <a:ea typeface="Adobe Fangsong Std R" pitchFamily="18" charset="-128"/>
+                      </a:endParaRPr>
+                    </a:p>
+                  </a:txBody>
+                  <a:tcPr marL="12357" marR="12357" marT="12357" marB="0" anchor="ctr">
+                    <a:lnL w="12700" cap="flat" cmpd="sng" algn="ctr">
+                      <a:solidFill>
+                        <a:scrgbClr r="0" g="0" b="0"/>
+                      </a:solidFill>
+                      <a:prstDash val="solid"/>
+                      <a:round/>
+                      <a:headEnd type="none" w="med" len="med"/>
+                      <a:tailEnd type="none" w="med" len="med"/>
+                    </a:lnL>
+                    <a:lnR w="12700" cap="flat" cmpd="sng" algn="ctr">
+                      <a:solidFill>
+                        <a:scrgbClr r="0" g="0" b="0"/>
+                      </a:solidFill>
+                      <a:prstDash val="solid"/>
+                      <a:round/>
+                      <a:headEnd type="none" w="med" len="med"/>
+                      <a:tailEnd type="none" w="med" len="med"/>
+                    </a:lnR>
+                    <a:lnT w="12700" cap="flat" cmpd="sng" algn="ctr">
+                      <a:solidFill>
+                        <a:scrgbClr r="0" g="0" b="0"/>
+                      </a:solidFill>
+                      <a:prstDash val="solid"/>
+                      <a:round/>
+                      <a:headEnd type="none" w="med" len="med"/>
+                      <a:tailEnd type="none" w="med" len="med"/>
+                    </a:lnT>
+                    <a:lnB w="12700" cap="flat" cmpd="sng" algn="ctr">
+                      <a:solidFill>
+                        <a:scrgbClr r="0" g="0" b="0"/>
+                      </a:solidFill>
+                      <a:prstDash val="solid"/>
+                      <a:round/>
+                      <a:headEnd type="none" w="med" len="med"/>
+                      <a:tailEnd type="none" w="med" len="med"/>
+                    </a:lnB>
+                  </a:tcPr>
+                </a:tc>
+                <a:tc>
+                  <a:txBody>
+                    <a:bodyPr/>
+                    <a:lstStyle/>
+                    <a:p>
+                      <a:pPr algn="ctr" fontAlgn="b"/>
+                      <a:r>
+                        <a:rPr lang="en-US" sz="1200" b="1" u="none" strike="noStrike" dirty="0">
+                          <a:effectLst/>
+                          <a:latin typeface="Adobe Fangsong Std R" pitchFamily="18" charset="-128"/>
+                          <a:ea typeface="Adobe Fangsong Std R" pitchFamily="18" charset="-128"/>
+                        </a:rPr>
+                        <a:t>6</a:t>
+                      </a:r>
+                      <a:endParaRPr lang="en-US" sz="1200" b="1" i="0" u="none" strike="noStrike" dirty="0">
+                        <a:solidFill>
+                          <a:srgbClr val="000000"/>
+                        </a:solidFill>
+                        <a:effectLst/>
+                        <a:latin typeface="Adobe Fangsong Std R" pitchFamily="18" charset="-128"/>
+                        <a:ea typeface="Adobe Fangsong Std R" pitchFamily="18" charset="-128"/>
+                      </a:endParaRPr>
+                    </a:p>
+                  </a:txBody>
+                  <a:tcPr marL="12357" marR="12357" marT="12357" marB="0" anchor="ctr">
+                    <a:lnL w="12700" cap="flat" cmpd="sng" algn="ctr">
+                      <a:solidFill>
+                        <a:scrgbClr r="0" g="0" b="0"/>
+                      </a:solidFill>
+                      <a:prstDash val="solid"/>
+                      <a:round/>
+                      <a:headEnd type="none" w="med" len="med"/>
+                      <a:tailEnd type="none" w="med" len="med"/>
+                    </a:lnL>
+                    <a:lnR w="12700" cap="flat" cmpd="sng" algn="ctr">
+                      <a:solidFill>
+                        <a:scrgbClr r="0" g="0" b="0"/>
+                      </a:solidFill>
+                      <a:prstDash val="solid"/>
+                      <a:round/>
+                      <a:headEnd type="none" w="med" len="med"/>
+                      <a:tailEnd type="none" w="med" len="med"/>
+                    </a:lnR>
+                    <a:lnT w="12700" cap="flat" cmpd="sng" algn="ctr">
+                      <a:solidFill>
+                        <a:scrgbClr r="0" g="0" b="0"/>
+                      </a:solidFill>
+                      <a:prstDash val="solid"/>
+                      <a:round/>
+                      <a:headEnd type="none" w="med" len="med"/>
+                      <a:tailEnd type="none" w="med" len="med"/>
+                    </a:lnT>
+                    <a:lnB w="12700" cap="flat" cmpd="sng" algn="ctr">
+                      <a:solidFill>
+                        <a:scrgbClr r="0" g="0" b="0"/>
+                      </a:solidFill>
+                      <a:prstDash val="solid"/>
+                      <a:round/>
+                      <a:headEnd type="none" w="med" len="med"/>
+                      <a:tailEnd type="none" w="med" len="med"/>
+                    </a:lnB>
+                  </a:tcPr>
+                </a:tc>
+                <a:tc>
+                  <a:txBody>
+                    <a:bodyPr/>
+                    <a:lstStyle/>
+                    <a:p>
+                      <a:pPr algn="ctr" fontAlgn="b"/>
+                      <a:r>
+                        <a:rPr lang="en-US" sz="1200" b="1" u="none" strike="noStrike">
+                          <a:effectLst/>
+                          <a:latin typeface="Adobe Fangsong Std R" pitchFamily="18" charset="-128"/>
+                          <a:ea typeface="Adobe Fangsong Std R" pitchFamily="18" charset="-128"/>
+                        </a:rPr>
+                        <a:t>7</a:t>
+                      </a:r>
+                      <a:endParaRPr lang="en-US" sz="1200" b="1" i="0" u="none" strike="noStrike">
+                        <a:solidFill>
+                          <a:srgbClr val="000000"/>
+                        </a:solidFill>
+                        <a:effectLst/>
+                        <a:latin typeface="Adobe Fangsong Std R" pitchFamily="18" charset="-128"/>
+                        <a:ea typeface="Adobe Fangsong Std R" pitchFamily="18" charset="-128"/>
+                      </a:endParaRPr>
+                    </a:p>
+                  </a:txBody>
+                  <a:tcPr marL="12357" marR="12357" marT="12357" marB="0" anchor="ctr">
+                    <a:lnL w="12700" cap="flat" cmpd="sng" algn="ctr">
+                      <a:solidFill>
+                        <a:scrgbClr r="0" g="0" b="0"/>
+                      </a:solidFill>
+                      <a:prstDash val="solid"/>
+                      <a:round/>
+                      <a:headEnd type="none" w="med" len="med"/>
+                      <a:tailEnd type="none" w="med" len="med"/>
+                    </a:lnL>
+                    <a:lnR w="12700" cap="flat" cmpd="sng" algn="ctr">
+                      <a:solidFill>
+                        <a:scrgbClr r="0" g="0" b="0"/>
+                      </a:solidFill>
+                      <a:prstDash val="solid"/>
+                      <a:round/>
+                      <a:headEnd type="none" w="med" len="med"/>
+                      <a:tailEnd type="none" w="med" len="med"/>
+                    </a:lnR>
+                    <a:lnT w="12700" cap="flat" cmpd="sng" algn="ctr">
+                      <a:solidFill>
+                        <a:scrgbClr r="0" g="0" b="0"/>
+                      </a:solidFill>
+                      <a:prstDash val="solid"/>
+                      <a:round/>
+                      <a:headEnd type="none" w="med" len="med"/>
+                      <a:tailEnd type="none" w="med" len="med"/>
+                    </a:lnT>
+                    <a:lnB w="12700" cap="flat" cmpd="sng" algn="ctr">
+                      <a:solidFill>
+                        <a:scrgbClr r="0" g="0" b="0"/>
+                      </a:solidFill>
+                      <a:prstDash val="solid"/>
+                      <a:round/>
+                      <a:headEnd type="none" w="med" len="med"/>
+                      <a:tailEnd type="none" w="med" len="med"/>
+                    </a:lnB>
+                  </a:tcPr>
+                </a:tc>
+                <a:tc>
+                  <a:txBody>
+                    <a:bodyPr/>
+                    <a:lstStyle/>
+                    <a:p>
+                      <a:pPr algn="ctr" fontAlgn="b"/>
+                      <a:r>
+                        <a:rPr lang="en-US" sz="1200" b="1" u="none" strike="noStrike">
+                          <a:effectLst/>
+                          <a:latin typeface="Adobe Fangsong Std R" pitchFamily="18" charset="-128"/>
+                          <a:ea typeface="Adobe Fangsong Std R" pitchFamily="18" charset="-128"/>
+                        </a:rPr>
+                        <a:t>8</a:t>
+                      </a:r>
+                      <a:endParaRPr lang="en-US" sz="1200" b="1" i="0" u="none" strike="noStrike">
+                        <a:solidFill>
+                          <a:srgbClr val="000000"/>
+                        </a:solidFill>
+                        <a:effectLst/>
+                        <a:latin typeface="Adobe Fangsong Std R" pitchFamily="18" charset="-128"/>
+                        <a:ea typeface="Adobe Fangsong Std R" pitchFamily="18" charset="-128"/>
+                      </a:endParaRPr>
+                    </a:p>
+                  </a:txBody>
+                  <a:tcPr marL="12357" marR="12357" marT="12357" marB="0" anchor="ctr">
+                    <a:lnL w="12700" cap="flat" cmpd="sng" algn="ctr">
+                      <a:solidFill>
+                        <a:scrgbClr r="0" g="0" b="0"/>
+                      </a:solidFill>
+                      <a:prstDash val="solid"/>
+                      <a:round/>
+                      <a:headEnd type="none" w="med" len="med"/>
+                      <a:tailEnd type="none" w="med" len="med"/>
+                    </a:lnL>
+                    <a:lnR w="12700" cap="flat" cmpd="sng" algn="ctr">
+                      <a:solidFill>
+                        <a:scrgbClr r="0" g="0" b="0"/>
+                      </a:solidFill>
+                      <a:prstDash val="solid"/>
+                      <a:round/>
+                      <a:headEnd type="none" w="med" len="med"/>
+                      <a:tailEnd type="none" w="med" len="med"/>
+                    </a:lnR>
+                    <a:lnT w="12700" cap="flat" cmpd="sng" algn="ctr">
+                      <a:solidFill>
+                        <a:scrgbClr r="0" g="0" b="0"/>
+                      </a:solidFill>
+                      <a:prstDash val="solid"/>
+                      <a:round/>
+                      <a:headEnd type="none" w="med" len="med"/>
+                      <a:tailEnd type="none" w="med" len="med"/>
+                    </a:lnT>
+                    <a:lnB w="12700" cap="flat" cmpd="sng" algn="ctr">
+                      <a:solidFill>
+                        <a:scrgbClr r="0" g="0" b="0"/>
+                      </a:solidFill>
+                      <a:prstDash val="solid"/>
+                      <a:round/>
+                      <a:headEnd type="none" w="med" len="med"/>
+                      <a:tailEnd type="none" w="med" len="med"/>
+                    </a:lnB>
+                  </a:tcPr>
+                </a:tc>
+                <a:tc>
+                  <a:txBody>
+                    <a:bodyPr/>
+                    <a:lstStyle/>
+                    <a:p>
+                      <a:pPr algn="ctr" fontAlgn="b"/>
+                      <a:r>
+                        <a:rPr lang="en-US" sz="1200" b="1" u="none" strike="noStrike">
+                          <a:effectLst/>
+                          <a:latin typeface="Adobe Fangsong Std R" pitchFamily="18" charset="-128"/>
+                          <a:ea typeface="Adobe Fangsong Std R" pitchFamily="18" charset="-128"/>
+                        </a:rPr>
+                        <a:t>9</a:t>
+                      </a:r>
+                      <a:endParaRPr lang="en-US" sz="1200" b="1" i="0" u="none" strike="noStrike">
+                        <a:solidFill>
+                          <a:srgbClr val="000000"/>
+                        </a:solidFill>
+                        <a:effectLst/>
+                        <a:latin typeface="Adobe Fangsong Std R" pitchFamily="18" charset="-128"/>
+                        <a:ea typeface="Adobe Fangsong Std R" pitchFamily="18" charset="-128"/>
+                      </a:endParaRPr>
+                    </a:p>
+                  </a:txBody>
+                  <a:tcPr marL="12357" marR="12357" marT="12357" marB="0" anchor="ctr">
+                    <a:lnL w="12700" cap="flat" cmpd="sng" algn="ctr">
+                      <a:solidFill>
+                        <a:scrgbClr r="0" g="0" b="0"/>
+                      </a:solidFill>
+                      <a:prstDash val="solid"/>
+                      <a:round/>
+                      <a:headEnd type="none" w="med" len="med"/>
+                      <a:tailEnd type="none" w="med" len="med"/>
+                    </a:lnL>
+                    <a:lnR w="12700" cap="flat" cmpd="sng" algn="ctr">
+                      <a:solidFill>
+                        <a:scrgbClr r="0" g="0" b="0"/>
+                      </a:solidFill>
+                      <a:prstDash val="solid"/>
+                      <a:round/>
+                      <a:headEnd type="none" w="med" len="med"/>
+                      <a:tailEnd type="none" w="med" len="med"/>
+                    </a:lnR>
+                    <a:lnT w="12700" cap="flat" cmpd="sng" algn="ctr">
+                      <a:solidFill>
+                        <a:scrgbClr r="0" g="0" b="0"/>
+                      </a:solidFill>
+                      <a:prstDash val="solid"/>
+                      <a:round/>
+                      <a:headEnd type="none" w="med" len="med"/>
+                      <a:tailEnd type="none" w="med" len="med"/>
+                    </a:lnT>
+                    <a:lnB w="12700" cap="flat" cmpd="sng" algn="ctr">
+                      <a:solidFill>
+                        <a:scrgbClr r="0" g="0" b="0"/>
+                      </a:solidFill>
+                      <a:prstDash val="solid"/>
+                      <a:round/>
+                      <a:headEnd type="none" w="med" len="med"/>
+                      <a:tailEnd type="none" w="med" len="med"/>
+                    </a:lnB>
+                  </a:tcPr>
+                </a:tc>
+                <a:tc>
+                  <a:txBody>
+                    <a:bodyPr/>
+                    <a:lstStyle/>
+                    <a:p>
+                      <a:pPr algn="ctr" fontAlgn="b"/>
+                      <a:r>
+                        <a:rPr lang="en-US" sz="1200" b="1" u="none" strike="noStrike">
+                          <a:effectLst/>
+                          <a:latin typeface="Adobe Fangsong Std R" pitchFamily="18" charset="-128"/>
+                          <a:ea typeface="Adobe Fangsong Std R" pitchFamily="18" charset="-128"/>
+                        </a:rPr>
+                        <a:t>10</a:t>
+                      </a:r>
+                      <a:endParaRPr lang="en-US" sz="1200" b="1" i="0" u="none" strike="noStrike">
+                        <a:solidFill>
+                          <a:srgbClr val="000000"/>
+                        </a:solidFill>
+                        <a:effectLst/>
+                        <a:latin typeface="Adobe Fangsong Std R" pitchFamily="18" charset="-128"/>
+                        <a:ea typeface="Adobe Fangsong Std R" pitchFamily="18" charset="-128"/>
+                      </a:endParaRPr>
+                    </a:p>
+                  </a:txBody>
+                  <a:tcPr marL="12357" marR="12357" marT="12357" marB="0" anchor="ctr">
+                    <a:lnL w="12700" cap="flat" cmpd="sng" algn="ctr">
+                      <a:solidFill>
+                        <a:scrgbClr r="0" g="0" b="0"/>
+                      </a:solidFill>
+                      <a:prstDash val="solid"/>
+                      <a:round/>
+                      <a:headEnd type="none" w="med" len="med"/>
+                      <a:tailEnd type="none" w="med" len="med"/>
+                    </a:lnL>
+                    <a:lnR w="12700" cap="flat" cmpd="sng" algn="ctr">
+                      <a:solidFill>
+                        <a:scrgbClr r="0" g="0" b="0"/>
+                      </a:solidFill>
+                      <a:prstDash val="solid"/>
+                      <a:round/>
+                      <a:headEnd type="none" w="med" len="med"/>
+                      <a:tailEnd type="none" w="med" len="med"/>
+                    </a:lnR>
+                    <a:lnT w="12700" cap="flat" cmpd="sng" algn="ctr">
+                      <a:solidFill>
+                        <a:scrgbClr r="0" g="0" b="0"/>
+                      </a:solidFill>
+                      <a:prstDash val="solid"/>
+                      <a:round/>
+                      <a:headEnd type="none" w="med" len="med"/>
+                      <a:tailEnd type="none" w="med" len="med"/>
+                    </a:lnT>
+                    <a:lnB w="12700" cap="flat" cmpd="sng" algn="ctr">
+                      <a:solidFill>
+                        <a:scrgbClr r="0" g="0" b="0"/>
+                      </a:solidFill>
+                      <a:prstDash val="solid"/>
+                      <a:round/>
+                      <a:headEnd type="none" w="med" len="med"/>
+                      <a:tailEnd type="none" w="med" len="med"/>
+                    </a:lnB>
+                  </a:tcPr>
+                </a:tc>
+              </a:tr>
+              <a:tr h="547157">
+                <a:tc>
+                  <a:txBody>
+                    <a:bodyPr/>
+                    <a:lstStyle/>
+                    <a:p>
+                      <a:pPr algn="ctr" fontAlgn="b"/>
+                      <a:r>
+                        <a:rPr lang="en-US" sz="1200" b="1" u="none" strike="noStrike" dirty="0" smtClean="0">
+                          <a:effectLst/>
+                          <a:latin typeface="Adobe Fangsong Std R" pitchFamily="18" charset="-128"/>
+                          <a:ea typeface="Adobe Fangsong Std R" pitchFamily="18" charset="-128"/>
+                        </a:rPr>
+                        <a:t>MSE</a:t>
+                      </a:r>
+                    </a:p>
+                    <a:p>
+                      <a:pPr algn="ctr" fontAlgn="b"/>
+                      <a:r>
+                        <a:rPr lang="en-US" sz="1200" b="1" i="0" u="none" strike="noStrike" dirty="0" smtClean="0">
+                          <a:solidFill>
+                            <a:srgbClr val="000000"/>
+                          </a:solidFill>
+                          <a:effectLst/>
+                          <a:latin typeface="Adobe Fangsong Std R" pitchFamily="18" charset="-128"/>
+                          <a:ea typeface="Adobe Fangsong Std R" pitchFamily="18" charset="-128"/>
+                        </a:rPr>
+                        <a:t>(Avg)</a:t>
+                      </a:r>
+                      <a:endParaRPr lang="en-US" sz="1200" b="1" i="0" u="none" strike="noStrike" dirty="0">
+                        <a:solidFill>
+                          <a:srgbClr val="000000"/>
+                        </a:solidFill>
+                        <a:effectLst/>
+                        <a:latin typeface="Adobe Fangsong Std R" pitchFamily="18" charset="-128"/>
+                        <a:ea typeface="Adobe Fangsong Std R" pitchFamily="18" charset="-128"/>
+                      </a:endParaRPr>
+                    </a:p>
+                  </a:txBody>
+                  <a:tcPr marL="12357" marR="12357" marT="12357" marB="0" anchor="ctr">
+                    <a:lnL w="12700" cap="flat" cmpd="sng" algn="ctr">
+                      <a:solidFill>
+                        <a:scrgbClr r="0" g="0" b="0"/>
+                      </a:solidFill>
+                      <a:prstDash val="solid"/>
+                      <a:round/>
+                      <a:headEnd type="none" w="med" len="med"/>
+                      <a:tailEnd type="none" w="med" len="med"/>
+                    </a:lnL>
+                    <a:lnR w="12700" cap="flat" cmpd="sng" algn="ctr">
+                      <a:solidFill>
+                        <a:scrgbClr r="0" g="0" b="0"/>
+                      </a:solidFill>
+                      <a:prstDash val="solid"/>
+                      <a:round/>
+                      <a:headEnd type="none" w="med" len="med"/>
+                      <a:tailEnd type="none" w="med" len="med"/>
+                    </a:lnR>
+                    <a:lnT w="12700" cap="flat" cmpd="sng" algn="ctr">
+                      <a:solidFill>
+                        <a:scrgbClr r="0" g="0" b="0"/>
+                      </a:solidFill>
+                      <a:prstDash val="solid"/>
+                      <a:round/>
+                      <a:headEnd type="none" w="med" len="med"/>
+                      <a:tailEnd type="none" w="med" len="med"/>
+                    </a:lnT>
+                    <a:lnB w="12700" cap="flat" cmpd="sng" algn="ctr">
+                      <a:solidFill>
+                        <a:scrgbClr r="0" g="0" b="0"/>
+                      </a:solidFill>
+                      <a:prstDash val="solid"/>
+                      <a:round/>
+                      <a:headEnd type="none" w="med" len="med"/>
+                      <a:tailEnd type="none" w="med" len="med"/>
+                    </a:lnB>
+                  </a:tcPr>
+                </a:tc>
+                <a:tc>
+                  <a:txBody>
+                    <a:bodyPr/>
+                    <a:lstStyle/>
+                    <a:p>
+                      <a:pPr algn="ctr" fontAlgn="b"/>
+                      <a:r>
+                        <a:rPr lang="en-US" sz="1400" b="1" i="0" u="none" strike="noStrike">
+                          <a:solidFill>
+                            <a:srgbClr val="000000"/>
+                          </a:solidFill>
+                          <a:effectLst/>
+                          <a:latin typeface="Calibri"/>
+                        </a:rPr>
+                        <a:t>23.38988</a:t>
+                      </a:r>
+                    </a:p>
+                  </a:txBody>
+                  <a:tcPr marL="9525" marR="9525" marT="9525" marB="0" anchor="ctr">
+                    <a:lnL w="12700" cap="flat" cmpd="sng" algn="ctr">
+                      <a:solidFill>
+                        <a:scrgbClr r="0" g="0" b="0"/>
+                      </a:solidFill>
+                      <a:prstDash val="solid"/>
+                      <a:round/>
+                      <a:headEnd type="none" w="med" len="med"/>
+                      <a:tailEnd type="none" w="med" len="med"/>
+                    </a:lnL>
+                    <a:lnR w="12700" cap="flat" cmpd="sng" algn="ctr">
+                      <a:solidFill>
+                        <a:scrgbClr r="0" g="0" b="0"/>
+                      </a:solidFill>
+                      <a:prstDash val="solid"/>
+                      <a:round/>
+                      <a:headEnd type="none" w="med" len="med"/>
+                      <a:tailEnd type="none" w="med" len="med"/>
+                    </a:lnR>
+                    <a:lnT w="12700" cap="flat" cmpd="sng" algn="ctr">
+                      <a:solidFill>
+                        <a:scrgbClr r="0" g="0" b="0"/>
+                      </a:solidFill>
+                      <a:prstDash val="solid"/>
+                      <a:round/>
+                      <a:headEnd type="none" w="med" len="med"/>
+                      <a:tailEnd type="none" w="med" len="med"/>
+                    </a:lnT>
+                    <a:lnB w="12700" cap="flat" cmpd="sng" algn="ctr">
+                      <a:solidFill>
+                        <a:scrgbClr r="0" g="0" b="0"/>
+                      </a:solidFill>
+                      <a:prstDash val="solid"/>
+                      <a:round/>
+                      <a:headEnd type="none" w="med" len="med"/>
+                      <a:tailEnd type="none" w="med" len="med"/>
+                    </a:lnB>
+                  </a:tcPr>
+                </a:tc>
+                <a:tc>
+                  <a:txBody>
+                    <a:bodyPr/>
+                    <a:lstStyle/>
+                    <a:p>
+                      <a:pPr algn="ctr" fontAlgn="b"/>
+                      <a:r>
+                        <a:rPr lang="en-US" sz="1400" b="1" i="0" u="none" strike="noStrike">
+                          <a:solidFill>
+                            <a:srgbClr val="000000"/>
+                          </a:solidFill>
+                          <a:effectLst/>
+                          <a:latin typeface="Calibri"/>
+                        </a:rPr>
+                        <a:t>19.98881</a:t>
+                      </a:r>
+                    </a:p>
+                  </a:txBody>
+                  <a:tcPr marL="9525" marR="9525" marT="9525" marB="0" anchor="ctr">
+                    <a:lnL w="12700" cap="flat" cmpd="sng" algn="ctr">
+                      <a:solidFill>
+                        <a:scrgbClr r="0" g="0" b="0"/>
+                      </a:solidFill>
+                      <a:prstDash val="solid"/>
+                      <a:round/>
+                      <a:headEnd type="none" w="med" len="med"/>
+                      <a:tailEnd type="none" w="med" len="med"/>
+                    </a:lnL>
+                    <a:lnR w="12700" cap="flat" cmpd="sng" algn="ctr">
+                      <a:solidFill>
+                        <a:scrgbClr r="0" g="0" b="0"/>
+                      </a:solidFill>
+                      <a:prstDash val="solid"/>
+                      <a:round/>
+                      <a:headEnd type="none" w="med" len="med"/>
+                      <a:tailEnd type="none" w="med" len="med"/>
+                    </a:lnR>
+                    <a:lnT w="12700" cap="flat" cmpd="sng" algn="ctr">
+                      <a:solidFill>
+                        <a:scrgbClr r="0" g="0" b="0"/>
+                      </a:solidFill>
+                      <a:prstDash val="solid"/>
+                      <a:round/>
+                      <a:headEnd type="none" w="med" len="med"/>
+                      <a:tailEnd type="none" w="med" len="med"/>
+                    </a:lnT>
+                    <a:lnB w="12700" cap="flat" cmpd="sng" algn="ctr">
+                      <a:solidFill>
+                        <a:scrgbClr r="0" g="0" b="0"/>
+                      </a:solidFill>
+                      <a:prstDash val="solid"/>
+                      <a:round/>
+                      <a:headEnd type="none" w="med" len="med"/>
+                      <a:tailEnd type="none" w="med" len="med"/>
+                    </a:lnB>
+                  </a:tcPr>
+                </a:tc>
+                <a:tc>
+                  <a:txBody>
+                    <a:bodyPr/>
+                    <a:lstStyle/>
+                    <a:p>
+                      <a:pPr algn="ctr" fontAlgn="b"/>
+                      <a:r>
+                        <a:rPr lang="en-US" sz="1400" b="1" i="0" u="none" strike="noStrike">
+                          <a:solidFill>
+                            <a:srgbClr val="000000"/>
+                          </a:solidFill>
+                          <a:effectLst/>
+                          <a:latin typeface="Calibri"/>
+                        </a:rPr>
+                        <a:t>20.06375</a:t>
+                      </a:r>
+                    </a:p>
+                  </a:txBody>
+                  <a:tcPr marL="9525" marR="9525" marT="9525" marB="0" anchor="ctr">
+                    <a:lnL w="12700" cap="flat" cmpd="sng" algn="ctr">
+                      <a:solidFill>
+                        <a:scrgbClr r="0" g="0" b="0"/>
+                      </a:solidFill>
+                      <a:prstDash val="solid"/>
+                      <a:round/>
+                      <a:headEnd type="none" w="med" len="med"/>
+                      <a:tailEnd type="none" w="med" len="med"/>
+                    </a:lnL>
+                    <a:lnR w="12700" cap="flat" cmpd="sng" algn="ctr">
+                      <a:solidFill>
+                        <a:scrgbClr r="0" g="0" b="0"/>
+                      </a:solidFill>
+                      <a:prstDash val="solid"/>
+                      <a:round/>
+                      <a:headEnd type="none" w="med" len="med"/>
+                      <a:tailEnd type="none" w="med" len="med"/>
+                    </a:lnR>
+                    <a:lnT w="12700" cap="flat" cmpd="sng" algn="ctr">
+                      <a:solidFill>
+                        <a:scrgbClr r="0" g="0" b="0"/>
+                      </a:solidFill>
+                      <a:prstDash val="solid"/>
+                      <a:round/>
+                      <a:headEnd type="none" w="med" len="med"/>
+                      <a:tailEnd type="none" w="med" len="med"/>
+                    </a:lnT>
+                    <a:lnB w="12700" cap="flat" cmpd="sng" algn="ctr">
+                      <a:solidFill>
+                        <a:scrgbClr r="0" g="0" b="0"/>
+                      </a:solidFill>
+                      <a:prstDash val="solid"/>
+                      <a:round/>
+                      <a:headEnd type="none" w="med" len="med"/>
+                      <a:tailEnd type="none" w="med" len="med"/>
+                    </a:lnB>
+                  </a:tcPr>
+                </a:tc>
+                <a:tc>
+                  <a:txBody>
+                    <a:bodyPr/>
+                    <a:lstStyle/>
+                    <a:p>
+                      <a:pPr algn="ctr" fontAlgn="b"/>
+                      <a:r>
+                        <a:rPr lang="en-US" sz="1400" b="1" i="0" u="none" strike="noStrike">
+                          <a:solidFill>
+                            <a:srgbClr val="000000"/>
+                          </a:solidFill>
+                          <a:effectLst/>
+                          <a:latin typeface="Calibri"/>
+                        </a:rPr>
+                        <a:t>19.64266</a:t>
+                      </a:r>
+                    </a:p>
+                  </a:txBody>
+                  <a:tcPr marL="9525" marR="9525" marT="9525" marB="0" anchor="ctr">
+                    <a:lnL w="12700" cap="flat" cmpd="sng" algn="ctr">
+                      <a:solidFill>
+                        <a:scrgbClr r="0" g="0" b="0"/>
+                      </a:solidFill>
+                      <a:prstDash val="solid"/>
+                      <a:round/>
+                      <a:headEnd type="none" w="med" len="med"/>
+                      <a:tailEnd type="none" w="med" len="med"/>
+                    </a:lnL>
+                    <a:lnR w="12700" cap="flat" cmpd="sng" algn="ctr">
+                      <a:solidFill>
+                        <a:scrgbClr r="0" g="0" b="0"/>
+                      </a:solidFill>
+                      <a:prstDash val="solid"/>
+                      <a:round/>
+                      <a:headEnd type="none" w="med" len="med"/>
+                      <a:tailEnd type="none" w="med" len="med"/>
+                    </a:lnR>
+                    <a:lnT w="12700" cap="flat" cmpd="sng" algn="ctr">
+                      <a:solidFill>
+                        <a:scrgbClr r="0" g="0" b="0"/>
+                      </a:solidFill>
+                      <a:prstDash val="solid"/>
+                      <a:round/>
+                      <a:headEnd type="none" w="med" len="med"/>
+                      <a:tailEnd type="none" w="med" len="med"/>
+                    </a:lnT>
+                    <a:lnB w="12700" cap="flat" cmpd="sng" algn="ctr">
+                      <a:solidFill>
+                        <a:scrgbClr r="0" g="0" b="0"/>
+                      </a:solidFill>
+                      <a:prstDash val="solid"/>
+                      <a:round/>
+                      <a:headEnd type="none" w="med" len="med"/>
+                      <a:tailEnd type="none" w="med" len="med"/>
+                    </a:lnB>
+                  </a:tcPr>
+                </a:tc>
+                <a:tc>
+                  <a:txBody>
+                    <a:bodyPr/>
+                    <a:lstStyle/>
+                    <a:p>
+                      <a:pPr algn="ctr" fontAlgn="b"/>
+                      <a:r>
+                        <a:rPr lang="en-US" sz="1400" b="1" i="0" u="none" strike="noStrike">
+                          <a:solidFill>
+                            <a:srgbClr val="000000"/>
+                          </a:solidFill>
+                          <a:effectLst/>
+                          <a:latin typeface="Calibri"/>
+                        </a:rPr>
+                        <a:t>19.40256</a:t>
+                      </a:r>
+                    </a:p>
+                  </a:txBody>
+                  <a:tcPr marL="9525" marR="9525" marT="9525" marB="0" anchor="ctr">
+                    <a:lnL w="12700" cap="flat" cmpd="sng" algn="ctr">
+                      <a:solidFill>
+                        <a:scrgbClr r="0" g="0" b="0"/>
+                      </a:solidFill>
+                      <a:prstDash val="solid"/>
+                      <a:round/>
+                      <a:headEnd type="none" w="med" len="med"/>
+                      <a:tailEnd type="none" w="med" len="med"/>
+                    </a:lnL>
+                    <a:lnR w="12700" cap="flat" cmpd="sng" algn="ctr">
+                      <a:solidFill>
+                        <a:scrgbClr r="0" g="0" b="0"/>
+                      </a:solidFill>
+                      <a:prstDash val="solid"/>
+                      <a:round/>
+                      <a:headEnd type="none" w="med" len="med"/>
+                      <a:tailEnd type="none" w="med" len="med"/>
+                    </a:lnR>
+                    <a:lnT w="12700" cap="flat" cmpd="sng" algn="ctr">
+                      <a:solidFill>
+                        <a:scrgbClr r="0" g="0" b="0"/>
+                      </a:solidFill>
+                      <a:prstDash val="solid"/>
+                      <a:round/>
+                      <a:headEnd type="none" w="med" len="med"/>
+                      <a:tailEnd type="none" w="med" len="med"/>
+                    </a:lnT>
+                    <a:lnB w="12700" cap="flat" cmpd="sng" algn="ctr">
+                      <a:solidFill>
+                        <a:scrgbClr r="0" g="0" b="0"/>
+                      </a:solidFill>
+                      <a:prstDash val="solid"/>
+                      <a:round/>
+                      <a:headEnd type="none" w="med" len="med"/>
+                      <a:tailEnd type="none" w="med" len="med"/>
+                    </a:lnB>
+                  </a:tcPr>
+                </a:tc>
+                <a:tc>
+                  <a:txBody>
+                    <a:bodyPr/>
+                    <a:lstStyle/>
+                    <a:p>
+                      <a:pPr algn="ctr" fontAlgn="b"/>
+                      <a:r>
+                        <a:rPr lang="en-US" sz="1400" b="1" i="0" u="none" strike="noStrike">
+                          <a:solidFill>
+                            <a:srgbClr val="000000"/>
+                          </a:solidFill>
+                          <a:effectLst/>
+                          <a:latin typeface="Calibri"/>
+                        </a:rPr>
+                        <a:t>19.30656</a:t>
+                      </a:r>
+                    </a:p>
+                  </a:txBody>
+                  <a:tcPr marL="9525" marR="9525" marT="9525" marB="0" anchor="ctr">
+                    <a:lnL w="12700" cap="flat" cmpd="sng" algn="ctr">
+                      <a:solidFill>
+                        <a:scrgbClr r="0" g="0" b="0"/>
+                      </a:solidFill>
+                      <a:prstDash val="solid"/>
+                      <a:round/>
+                      <a:headEnd type="none" w="med" len="med"/>
+                      <a:tailEnd type="none" w="med" len="med"/>
+                    </a:lnL>
+                    <a:lnR w="12700" cap="flat" cmpd="sng" algn="ctr">
+                      <a:solidFill>
+                        <a:scrgbClr r="0" g="0" b="0"/>
+                      </a:solidFill>
+                      <a:prstDash val="solid"/>
+                      <a:round/>
+                      <a:headEnd type="none" w="med" len="med"/>
+                      <a:tailEnd type="none" w="med" len="med"/>
+                    </a:lnR>
+                    <a:lnT w="12700" cap="flat" cmpd="sng" algn="ctr">
+                      <a:solidFill>
+                        <a:scrgbClr r="0" g="0" b="0"/>
+                      </a:solidFill>
+                      <a:prstDash val="solid"/>
+                      <a:round/>
+                      <a:headEnd type="none" w="med" len="med"/>
+                      <a:tailEnd type="none" w="med" len="med"/>
+                    </a:lnT>
+                    <a:lnB w="12700" cap="flat" cmpd="sng" algn="ctr">
+                      <a:solidFill>
+                        <a:scrgbClr r="0" g="0" b="0"/>
+                      </a:solidFill>
+                      <a:prstDash val="solid"/>
+                      <a:round/>
+                      <a:headEnd type="none" w="med" len="med"/>
+                      <a:tailEnd type="none" w="med" len="med"/>
+                    </a:lnB>
+                  </a:tcPr>
+                </a:tc>
+                <a:tc>
+                  <a:txBody>
+                    <a:bodyPr/>
+                    <a:lstStyle/>
+                    <a:p>
+                      <a:pPr algn="ctr" fontAlgn="b"/>
+                      <a:r>
+                        <a:rPr lang="en-US" sz="1400" b="1" i="0" u="none" strike="noStrike">
+                          <a:solidFill>
+                            <a:srgbClr val="000000"/>
+                          </a:solidFill>
+                          <a:effectLst/>
+                          <a:latin typeface="Calibri"/>
+                        </a:rPr>
+                        <a:t>19.25153</a:t>
+                      </a:r>
+                    </a:p>
+                  </a:txBody>
+                  <a:tcPr marL="9525" marR="9525" marT="9525" marB="0" anchor="ctr">
+                    <a:lnL w="12700" cap="flat" cmpd="sng" algn="ctr">
+                      <a:solidFill>
+                        <a:scrgbClr r="0" g="0" b="0"/>
+                      </a:solidFill>
+                      <a:prstDash val="solid"/>
+                      <a:round/>
+                      <a:headEnd type="none" w="med" len="med"/>
+                      <a:tailEnd type="none" w="med" len="med"/>
+                    </a:lnL>
+                    <a:lnR w="12700" cap="flat" cmpd="sng" algn="ctr">
+                      <a:solidFill>
+                        <a:scrgbClr r="0" g="0" b="0"/>
+                      </a:solidFill>
+                      <a:prstDash val="solid"/>
+                      <a:round/>
+                      <a:headEnd type="none" w="med" len="med"/>
+                      <a:tailEnd type="none" w="med" len="med"/>
+                    </a:lnR>
+                    <a:lnT w="12700" cap="flat" cmpd="sng" algn="ctr">
+                      <a:solidFill>
+                        <a:scrgbClr r="0" g="0" b="0"/>
+                      </a:solidFill>
+                      <a:prstDash val="solid"/>
+                      <a:round/>
+                      <a:headEnd type="none" w="med" len="med"/>
+                      <a:tailEnd type="none" w="med" len="med"/>
+                    </a:lnT>
+                    <a:lnB w="12700" cap="flat" cmpd="sng" algn="ctr">
+                      <a:solidFill>
+                        <a:scrgbClr r="0" g="0" b="0"/>
+                      </a:solidFill>
+                      <a:prstDash val="solid"/>
+                      <a:round/>
+                      <a:headEnd type="none" w="med" len="med"/>
+                      <a:tailEnd type="none" w="med" len="med"/>
+                    </a:lnB>
+                  </a:tcPr>
+                </a:tc>
+                <a:tc>
+                  <a:txBody>
+                    <a:bodyPr/>
+                    <a:lstStyle/>
+                    <a:p>
+                      <a:pPr algn="ctr" fontAlgn="b"/>
+                      <a:r>
+                        <a:rPr lang="en-US" sz="1400" b="1" i="0" u="none" strike="noStrike">
+                          <a:solidFill>
+                            <a:srgbClr val="000000"/>
+                          </a:solidFill>
+                          <a:effectLst/>
+                          <a:latin typeface="Calibri"/>
+                        </a:rPr>
+                        <a:t>19.1496</a:t>
+                      </a:r>
+                    </a:p>
+                  </a:txBody>
+                  <a:tcPr marL="9525" marR="9525" marT="9525" marB="0" anchor="ctr">
+                    <a:lnL w="12700" cap="flat" cmpd="sng" algn="ctr">
+                      <a:solidFill>
+                        <a:scrgbClr r="0" g="0" b="0"/>
+                      </a:solidFill>
+                      <a:prstDash val="solid"/>
+                      <a:round/>
+                      <a:headEnd type="none" w="med" len="med"/>
+                      <a:tailEnd type="none" w="med" len="med"/>
+                    </a:lnL>
+                    <a:lnR w="12700" cap="flat" cmpd="sng" algn="ctr">
+                      <a:solidFill>
+                        <a:scrgbClr r="0" g="0" b="0"/>
+                      </a:solidFill>
+                      <a:prstDash val="solid"/>
+                      <a:round/>
+                      <a:headEnd type="none" w="med" len="med"/>
+                      <a:tailEnd type="none" w="med" len="med"/>
+                    </a:lnR>
+                    <a:lnT w="12700" cap="flat" cmpd="sng" algn="ctr">
+                      <a:solidFill>
+                        <a:scrgbClr r="0" g="0" b="0"/>
+                      </a:solidFill>
+                      <a:prstDash val="solid"/>
+                      <a:round/>
+                      <a:headEnd type="none" w="med" len="med"/>
+                      <a:tailEnd type="none" w="med" len="med"/>
+                    </a:lnT>
+                    <a:lnB w="12700" cap="flat" cmpd="sng" algn="ctr">
+                      <a:solidFill>
+                        <a:scrgbClr r="0" g="0" b="0"/>
+                      </a:solidFill>
+                      <a:prstDash val="solid"/>
+                      <a:round/>
+                      <a:headEnd type="none" w="med" len="med"/>
+                      <a:tailEnd type="none" w="med" len="med"/>
+                    </a:lnB>
+                  </a:tcPr>
+                </a:tc>
+                <a:tc>
+                  <a:txBody>
+                    <a:bodyPr/>
+                    <a:lstStyle/>
+                    <a:p>
+                      <a:pPr algn="ctr" fontAlgn="b"/>
+                      <a:r>
+                        <a:rPr lang="en-US" sz="1400" b="1" i="0" u="none" strike="noStrike" dirty="0">
+                          <a:solidFill>
+                            <a:srgbClr val="000000"/>
+                          </a:solidFill>
+                          <a:effectLst/>
+                          <a:latin typeface="Calibri"/>
+                        </a:rPr>
+                        <a:t>19.0322</a:t>
+                      </a:r>
+                    </a:p>
+                  </a:txBody>
+                  <a:tcPr marL="9525" marR="9525" marT="9525" marB="0" anchor="ctr">
+                    <a:lnL w="12700" cap="flat" cmpd="sng" algn="ctr">
+                      <a:solidFill>
+                        <a:scrgbClr r="0" g="0" b="0"/>
+                      </a:solidFill>
+                      <a:prstDash val="solid"/>
+                      <a:round/>
+                      <a:headEnd type="none" w="med" len="med"/>
+                      <a:tailEnd type="none" w="med" len="med"/>
+                    </a:lnL>
+                    <a:lnR w="12700" cap="flat" cmpd="sng" algn="ctr">
+                      <a:solidFill>
+                        <a:scrgbClr r="0" g="0" b="0"/>
+                      </a:solidFill>
+                      <a:prstDash val="solid"/>
+                      <a:round/>
+                      <a:headEnd type="none" w="med" len="med"/>
+                      <a:tailEnd type="none" w="med" len="med"/>
+                    </a:lnR>
+                    <a:lnT w="12700" cap="flat" cmpd="sng" algn="ctr">
+                      <a:solidFill>
+                        <a:scrgbClr r="0" g="0" b="0"/>
+                      </a:solidFill>
+                      <a:prstDash val="solid"/>
+                      <a:round/>
+                      <a:headEnd type="none" w="med" len="med"/>
+                      <a:tailEnd type="none" w="med" len="med"/>
+                    </a:lnT>
+                    <a:lnB w="12700" cap="flat" cmpd="sng" algn="ctr">
+                      <a:solidFill>
+                        <a:scrgbClr r="0" g="0" b="0"/>
+                      </a:solidFill>
+                      <a:prstDash val="solid"/>
+                      <a:round/>
+                      <a:headEnd type="none" w="med" len="med"/>
+                      <a:tailEnd type="none" w="med" len="med"/>
+                    </a:lnB>
+                  </a:tcPr>
+                </a:tc>
+              </a:tr>
+            </a:tbl>
+          </a:graphicData>
+        </a:graphic>
+      </p:graphicFrame>
+      <p:sp>
+        <p:nvSpPr>
+          <p:cNvPr id="10" name="TextBox 9"/>
+          <p:cNvSpPr txBox="1"/>
+          <p:nvPr/>
+        </p:nvSpPr>
+        <p:spPr>
+          <a:xfrm>
+            <a:off x="438742" y="5029200"/>
+            <a:ext cx="2856872" cy="369332"/>
+          </a:xfrm>
+          <a:prstGeom prst="rect">
+            <a:avLst/>
+          </a:prstGeom>
+          <a:noFill/>
+        </p:spPr>
+        <p:txBody>
+          <a:bodyPr wrap="none" rtlCol="0">
+            <a:spAutoFit/>
+          </a:bodyPr>
+          <a:lstStyle/>
+          <a:p>
+            <a:r>
+              <a:rPr lang="en-US" b="1" dirty="0" smtClean="0">
+                <a:latin typeface="Adobe Fangsong Std R" pitchFamily="18" charset="-128"/>
+                <a:ea typeface="Adobe Fangsong Std R" pitchFamily="18" charset="-128"/>
+              </a:rPr>
+              <a:t>Test Set Prediction Error</a:t>
+            </a:r>
+            <a:endParaRPr lang="en-US" b="1" dirty="0">
+              <a:latin typeface="Adobe Fangsong Std R" pitchFamily="18" charset="-128"/>
+              <a:ea typeface="Adobe Fangsong Std R" pitchFamily="18" charset="-128"/>
+            </a:endParaRPr>
+          </a:p>
+        </p:txBody>
+      </p:sp>
+      <p:sp>
+        <p:nvSpPr>
+          <p:cNvPr id="11" name="TextBox 10"/>
+          <p:cNvSpPr txBox="1"/>
+          <p:nvPr/>
+        </p:nvSpPr>
+        <p:spPr>
+          <a:xfrm>
+            <a:off x="3454994" y="393706"/>
+            <a:ext cx="1885452" cy="400110"/>
+          </a:xfrm>
+          <a:prstGeom prst="rect">
+            <a:avLst/>
+          </a:prstGeom>
+          <a:noFill/>
+        </p:spPr>
+        <p:txBody>
+          <a:bodyPr wrap="none" rtlCol="0">
+            <a:spAutoFit/>
+          </a:bodyPr>
+          <a:lstStyle/>
+          <a:p>
+            <a:pPr algn="ctr"/>
+            <a:r>
+              <a:rPr lang="en-US" sz="2000" b="1" dirty="0">
+                <a:latin typeface="Adobe Fangsong Std R" pitchFamily="18" charset="-128"/>
+                <a:ea typeface="Adobe Fangsong Std R" pitchFamily="18" charset="-128"/>
+              </a:rPr>
+              <a:t>SP3 - </a:t>
+            </a:r>
+            <a:r>
+              <a:rPr lang="en-US" sz="2000" b="1" dirty="0" smtClean="0">
+                <a:latin typeface="Adobe Fangsong Std R" pitchFamily="18" charset="-128"/>
+                <a:ea typeface="Adobe Fangsong Std R" pitchFamily="18" charset="-128"/>
+              </a:rPr>
+              <a:t>Strained</a:t>
+            </a:r>
+            <a:endParaRPr lang="en-US" sz="2000" b="1" dirty="0">
+              <a:latin typeface="Adobe Fangsong Std R" pitchFamily="18" charset="-128"/>
+              <a:ea typeface="Adobe Fangsong Std R" pitchFamily="18" charset="-128"/>
+            </a:endParaRPr>
+          </a:p>
+        </p:txBody>
+      </p:sp>
+    </p:spTree>
+    <p:extLst>
+      <p:ext uri="{BB962C8B-B14F-4D97-AF65-F5344CB8AC3E}">
+        <p14:creationId xmlns:p14="http://schemas.microsoft.com/office/powerpoint/2010/main" val="2700037403"/>
+      </p:ext>
+    </p:extLst>
+  </p:cSld>
+  <p:clrMapOvr>
+    <a:masterClrMapping/>
+  </p:clrMapOvr>
+</p:sld>
+</file>
+
+<file path=ppt/slides/slide22.xml><?xml version="1.0" encoding="utf-8"?>
+<p:sld xmlns:a="http://schemas.openxmlformats.org/drawingml/2006/main" xmlns:r="http://schemas.openxmlformats.org/officeDocument/2006/relationships" xmlns:p="http://schemas.openxmlformats.org/presentationml/2006/main">
+  <p:cSld>
+    <p:spTree>
+      <p:nvGrpSpPr>
+        <p:cNvPr id="1" name=""/>
+        <p:cNvGrpSpPr/>
+        <p:nvPr/>
+      </p:nvGrpSpPr>
+      <p:grpSpPr>
+        <a:xfrm>
+          <a:off x="0" y="0"/>
+          <a:ext cx="0" cy="0"/>
+          <a:chOff x="0" y="0"/>
+          <a:chExt cx="0" cy="0"/>
+        </a:xfrm>
+      </p:grpSpPr>
+      <p:sp>
+        <p:nvSpPr>
+          <p:cNvPr id="4" name="TextBox 3"/>
+          <p:cNvSpPr txBox="1"/>
+          <p:nvPr/>
+        </p:nvSpPr>
+        <p:spPr>
+          <a:xfrm>
+            <a:off x="4038600" y="425335"/>
+            <a:ext cx="647934" cy="400110"/>
+          </a:xfrm>
+          <a:prstGeom prst="rect">
+            <a:avLst/>
+          </a:prstGeom>
+          <a:noFill/>
+        </p:spPr>
+        <p:txBody>
+          <a:bodyPr wrap="none" rtlCol="0">
+            <a:spAutoFit/>
+          </a:bodyPr>
+          <a:lstStyle/>
+          <a:p>
+            <a:r>
+              <a:rPr lang="en-US" sz="2000" b="1" dirty="0" smtClean="0">
+                <a:latin typeface="Adobe Fangsong Std R" pitchFamily="18" charset="-128"/>
+                <a:ea typeface="Adobe Fangsong Std R" pitchFamily="18" charset="-128"/>
+              </a:rPr>
+              <a:t>SP2</a:t>
+            </a:r>
+            <a:endParaRPr lang="en-US" sz="2000" b="1" dirty="0">
+              <a:latin typeface="Adobe Fangsong Std R" pitchFamily="18" charset="-128"/>
+              <a:ea typeface="Adobe Fangsong Std R" pitchFamily="18" charset="-128"/>
+            </a:endParaRPr>
+          </a:p>
+        </p:txBody>
+      </p:sp>
+      <p:sp>
+        <p:nvSpPr>
+          <p:cNvPr id="2" name="TextBox 1"/>
+          <p:cNvSpPr txBox="1"/>
+          <p:nvPr/>
+        </p:nvSpPr>
+        <p:spPr>
+          <a:xfrm>
+            <a:off x="2143811" y="5518666"/>
+            <a:ext cx="1827744" cy="369332"/>
+          </a:xfrm>
+          <a:prstGeom prst="rect">
+            <a:avLst/>
+          </a:prstGeom>
+          <a:noFill/>
+        </p:spPr>
+        <p:txBody>
+          <a:bodyPr wrap="none" rtlCol="0">
+            <a:spAutoFit/>
+          </a:bodyPr>
+          <a:lstStyle/>
+          <a:p>
+            <a:r>
+              <a:rPr lang="en-US" b="1" dirty="0">
+                <a:latin typeface="Adobe Fangsong Std R" pitchFamily="18" charset="-128"/>
+                <a:ea typeface="Adobe Fangsong Std R" pitchFamily="18" charset="-128"/>
+              </a:rPr>
+              <a:t>MAE : 5.05435</a:t>
+            </a:r>
+          </a:p>
+        </p:txBody>
+      </p:sp>
+      <p:sp>
+        <p:nvSpPr>
+          <p:cNvPr id="3" name="TextBox 2"/>
+          <p:cNvSpPr txBox="1"/>
+          <p:nvPr/>
+        </p:nvSpPr>
+        <p:spPr>
+          <a:xfrm>
+            <a:off x="4717650" y="5518666"/>
+            <a:ext cx="2092239" cy="369332"/>
+          </a:xfrm>
+          <a:prstGeom prst="rect">
+            <a:avLst/>
+          </a:prstGeom>
+          <a:noFill/>
+        </p:spPr>
+        <p:txBody>
+          <a:bodyPr wrap="none" rtlCol="0">
+            <a:spAutoFit/>
+          </a:bodyPr>
+          <a:lstStyle/>
+          <a:p>
+            <a:r>
+              <a:rPr lang="en-US" b="1" dirty="0">
+                <a:latin typeface="Adobe Fangsong Std R" pitchFamily="18" charset="-128"/>
+                <a:ea typeface="Adobe Fangsong Std R" pitchFamily="18" charset="-128"/>
+              </a:rPr>
+              <a:t>RMSE:  6.344694</a:t>
+            </a:r>
+          </a:p>
+        </p:txBody>
+      </p:sp>
+      <p:sp>
+        <p:nvSpPr>
+          <p:cNvPr id="6" name="TextBox 5"/>
+          <p:cNvSpPr txBox="1"/>
+          <p:nvPr/>
+        </p:nvSpPr>
+        <p:spPr>
+          <a:xfrm>
+            <a:off x="578309" y="990600"/>
+            <a:ext cx="8019933" cy="1077218"/>
+          </a:xfrm>
+          <a:prstGeom prst="rect">
+            <a:avLst/>
+          </a:prstGeom>
+        </p:spPr>
+        <p:style>
+          <a:lnRef idx="1">
+            <a:schemeClr val="accent1"/>
+          </a:lnRef>
+          <a:fillRef idx="2">
+            <a:schemeClr val="accent1"/>
+          </a:fillRef>
+          <a:effectRef idx="1">
+            <a:schemeClr val="accent1"/>
+          </a:effectRef>
+          <a:fontRef idx="minor">
+            <a:schemeClr val="dk1"/>
+          </a:fontRef>
+        </p:style>
+        <p:txBody>
+          <a:bodyPr wrap="square" rtlCol="0" anchor="ctr">
+            <a:spAutoFit/>
+          </a:bodyPr>
+          <a:lstStyle/>
+          <a:p>
+            <a:endParaRPr lang="en-US" sz="1600" b="1" dirty="0" smtClean="0">
+              <a:latin typeface="Adobe Fangsong Std R" pitchFamily="18" charset="-128"/>
+              <a:ea typeface="Adobe Fangsong Std R" pitchFamily="18" charset="-128"/>
+            </a:endParaRPr>
+          </a:p>
+          <a:p>
+            <a:r>
+              <a:rPr lang="en-US" sz="1600" b="1" dirty="0" smtClean="0">
+                <a:latin typeface="Adobe Fangsong Std R" pitchFamily="18" charset="-128"/>
+                <a:ea typeface="Adobe Fangsong Std R" pitchFamily="18" charset="-128"/>
+              </a:rPr>
+              <a:t>NWChem = (Intercept</a:t>
+            </a:r>
+            <a:r>
+              <a:rPr lang="en-US" sz="1600" b="1" dirty="0">
+                <a:latin typeface="Adobe Fangsong Std R" pitchFamily="18" charset="-128"/>
+                <a:ea typeface="Adobe Fangsong Std R" pitchFamily="18" charset="-128"/>
+              </a:rPr>
+              <a:t>) 169.61413  </a:t>
+            </a:r>
+            <a:r>
+              <a:rPr lang="en-US" sz="1600" b="1" dirty="0" smtClean="0">
+                <a:latin typeface="Adobe Fangsong Std R" pitchFamily="18" charset="-128"/>
+                <a:ea typeface="Adobe Fangsong Std R" pitchFamily="18" charset="-128"/>
+              </a:rPr>
+              <a:t>+  (Comp.1 )*-</a:t>
+            </a:r>
+            <a:r>
+              <a:rPr lang="en-US" sz="1600" b="1" dirty="0">
+                <a:latin typeface="Adobe Fangsong Std R" pitchFamily="18" charset="-128"/>
+                <a:ea typeface="Adobe Fangsong Std R" pitchFamily="18" charset="-128"/>
+              </a:rPr>
+              <a:t>5.90978   </a:t>
+            </a:r>
+            <a:r>
+              <a:rPr lang="en-US" sz="1600" b="1" dirty="0" smtClean="0">
+                <a:latin typeface="Adobe Fangsong Std R" pitchFamily="18" charset="-128"/>
+                <a:ea typeface="Adobe Fangsong Std R" pitchFamily="18" charset="-128"/>
+              </a:rPr>
+              <a:t>+ (Comp.2)*-</a:t>
+            </a:r>
+            <a:r>
+              <a:rPr lang="en-US" sz="1600" b="1" dirty="0">
+                <a:latin typeface="Adobe Fangsong Std R" pitchFamily="18" charset="-128"/>
+                <a:ea typeface="Adobe Fangsong Std R" pitchFamily="18" charset="-128"/>
+              </a:rPr>
+              <a:t>1.19516 </a:t>
+            </a:r>
+            <a:r>
+              <a:rPr lang="en-US" sz="1600" b="1" dirty="0" smtClean="0">
+                <a:latin typeface="Adobe Fangsong Std R" pitchFamily="18" charset="-128"/>
+                <a:ea typeface="Adobe Fangsong Std R" pitchFamily="18" charset="-128"/>
+              </a:rPr>
+              <a:t>	       +(Comp.3 )*8.39194+ (Comp.5 )*-3.33556+(Comp.6 )*-6.48190</a:t>
+            </a:r>
+          </a:p>
+          <a:p>
+            <a:endParaRPr lang="en-US" sz="1600" b="1" dirty="0" smtClean="0">
+              <a:latin typeface="Adobe Fangsong Std R" pitchFamily="18" charset="-128"/>
+              <a:ea typeface="Adobe Fangsong Std R" pitchFamily="18" charset="-128"/>
+            </a:endParaRPr>
+          </a:p>
+        </p:txBody>
+      </p:sp>
+      <p:graphicFrame>
+        <p:nvGraphicFramePr>
+          <p:cNvPr id="7" name="Table 6"/>
+          <p:cNvGraphicFramePr>
+            <a:graphicFrameLocks noGrp="1"/>
+          </p:cNvGraphicFramePr>
+          <p:nvPr>
+            <p:extLst>
+              <p:ext uri="{D42A27DB-BD31-4B8C-83A1-F6EECF244321}">
+                <p14:modId xmlns:p14="http://schemas.microsoft.com/office/powerpoint/2010/main" val="1031709898"/>
+              </p:ext>
+            </p:extLst>
+          </p:nvPr>
+        </p:nvGraphicFramePr>
+        <p:xfrm>
+          <a:off x="966028" y="3352800"/>
+          <a:ext cx="7492176" cy="970277"/>
+        </p:xfrm>
+        <a:graphic>
+          <a:graphicData uri="http://schemas.openxmlformats.org/drawingml/2006/table">
+            <a:tbl>
+              <a:tblPr>
+                <a:tableStyleId>{3C2FFA5D-87B4-456A-9821-1D502468CF0F}</a:tableStyleId>
+              </a:tblPr>
+              <a:tblGrid>
+                <a:gridCol w="742468"/>
+                <a:gridCol w="742468"/>
+                <a:gridCol w="742468"/>
+                <a:gridCol w="742468"/>
+                <a:gridCol w="742468"/>
+                <a:gridCol w="742468"/>
+                <a:gridCol w="742468"/>
+                <a:gridCol w="742468"/>
+                <a:gridCol w="742468"/>
+                <a:gridCol w="809964"/>
+              </a:tblGrid>
+              <a:tr h="423120">
+                <a:tc>
+                  <a:txBody>
+                    <a:bodyPr/>
+                    <a:lstStyle/>
+                    <a:p>
+                      <a:pPr algn="ctr" fontAlgn="b"/>
+                      <a:r>
+                        <a:rPr lang="en-US" sz="1200" b="1" u="none" strike="noStrike" dirty="0">
+                          <a:effectLst/>
+                          <a:latin typeface="Adobe Fangsong Std R" pitchFamily="18" charset="-128"/>
+                          <a:ea typeface="Adobe Fangsong Std R" pitchFamily="18" charset="-128"/>
+                        </a:rPr>
+                        <a:t>K</a:t>
+                      </a:r>
+                      <a:endParaRPr lang="en-US" sz="1200" b="1" i="0" u="none" strike="noStrike" dirty="0">
+                        <a:solidFill>
+                          <a:srgbClr val="000000"/>
+                        </a:solidFill>
+                        <a:effectLst/>
+                        <a:latin typeface="Adobe Fangsong Std R" pitchFamily="18" charset="-128"/>
+                        <a:ea typeface="Adobe Fangsong Std R" pitchFamily="18" charset="-128"/>
+                      </a:endParaRPr>
+                    </a:p>
+                  </a:txBody>
+                  <a:tcPr marL="12357" marR="12357" marT="12357" marB="0" anchor="ctr">
+                    <a:lnL w="12700" cap="flat" cmpd="sng" algn="ctr">
+                      <a:solidFill>
+                        <a:scrgbClr r="0" g="0" b="0"/>
+                      </a:solidFill>
+                      <a:prstDash val="solid"/>
+                      <a:round/>
+                      <a:headEnd type="none" w="med" len="med"/>
+                      <a:tailEnd type="none" w="med" len="med"/>
+                    </a:lnL>
+                    <a:lnR w="12700" cap="flat" cmpd="sng" algn="ctr">
+                      <a:solidFill>
+                        <a:scrgbClr r="0" g="0" b="0"/>
+                      </a:solidFill>
+                      <a:prstDash val="solid"/>
+                      <a:round/>
+                      <a:headEnd type="none" w="med" len="med"/>
+                      <a:tailEnd type="none" w="med" len="med"/>
+                    </a:lnR>
+                    <a:lnT w="12700" cap="flat" cmpd="sng" algn="ctr">
+                      <a:solidFill>
+                        <a:scrgbClr r="0" g="0" b="0"/>
+                      </a:solidFill>
+                      <a:prstDash val="solid"/>
+                      <a:round/>
+                      <a:headEnd type="none" w="med" len="med"/>
+                      <a:tailEnd type="none" w="med" len="med"/>
+                    </a:lnT>
+                    <a:lnB w="12700" cap="flat" cmpd="sng" algn="ctr">
+                      <a:solidFill>
+                        <a:scrgbClr r="0" g="0" b="0"/>
+                      </a:solidFill>
+                      <a:prstDash val="solid"/>
+                      <a:round/>
+                      <a:headEnd type="none" w="med" len="med"/>
+                      <a:tailEnd type="none" w="med" len="med"/>
+                    </a:lnB>
+                  </a:tcPr>
+                </a:tc>
+                <a:tc>
+                  <a:txBody>
+                    <a:bodyPr/>
+                    <a:lstStyle/>
+                    <a:p>
+                      <a:pPr algn="ctr" fontAlgn="b"/>
+                      <a:r>
+                        <a:rPr lang="en-US" sz="1200" b="1" u="none" strike="noStrike">
+                          <a:effectLst/>
+                          <a:latin typeface="Adobe Fangsong Std R" pitchFamily="18" charset="-128"/>
+                          <a:ea typeface="Adobe Fangsong Std R" pitchFamily="18" charset="-128"/>
+                        </a:rPr>
+                        <a:t>2</a:t>
+                      </a:r>
+                      <a:endParaRPr lang="en-US" sz="1200" b="1" i="0" u="none" strike="noStrike">
+                        <a:solidFill>
+                          <a:srgbClr val="000000"/>
+                        </a:solidFill>
+                        <a:effectLst/>
+                        <a:latin typeface="Adobe Fangsong Std R" pitchFamily="18" charset="-128"/>
+                        <a:ea typeface="Adobe Fangsong Std R" pitchFamily="18" charset="-128"/>
+                      </a:endParaRPr>
+                    </a:p>
+                  </a:txBody>
+                  <a:tcPr marL="12357" marR="12357" marT="12357" marB="0" anchor="ctr">
+                    <a:lnL w="12700" cap="flat" cmpd="sng" algn="ctr">
+                      <a:solidFill>
+                        <a:scrgbClr r="0" g="0" b="0"/>
+                      </a:solidFill>
+                      <a:prstDash val="solid"/>
+                      <a:round/>
+                      <a:headEnd type="none" w="med" len="med"/>
+                      <a:tailEnd type="none" w="med" len="med"/>
+                    </a:lnL>
+                    <a:lnR w="12700" cap="flat" cmpd="sng" algn="ctr">
+                      <a:solidFill>
+                        <a:scrgbClr r="0" g="0" b="0"/>
+                      </a:solidFill>
+                      <a:prstDash val="solid"/>
+                      <a:round/>
+                      <a:headEnd type="none" w="med" len="med"/>
+                      <a:tailEnd type="none" w="med" len="med"/>
+                    </a:lnR>
+                    <a:lnT w="12700" cap="flat" cmpd="sng" algn="ctr">
+                      <a:solidFill>
+                        <a:scrgbClr r="0" g="0" b="0"/>
+                      </a:solidFill>
+                      <a:prstDash val="solid"/>
+                      <a:round/>
+                      <a:headEnd type="none" w="med" len="med"/>
+                      <a:tailEnd type="none" w="med" len="med"/>
+                    </a:lnT>
+                    <a:lnB w="12700" cap="flat" cmpd="sng" algn="ctr">
+                      <a:solidFill>
+                        <a:scrgbClr r="0" g="0" b="0"/>
+                      </a:solidFill>
+                      <a:prstDash val="solid"/>
+                      <a:round/>
+                      <a:headEnd type="none" w="med" len="med"/>
+                      <a:tailEnd type="none" w="med" len="med"/>
+                    </a:lnB>
+                  </a:tcPr>
+                </a:tc>
+                <a:tc>
+                  <a:txBody>
+                    <a:bodyPr/>
+                    <a:lstStyle/>
+                    <a:p>
+                      <a:pPr algn="ctr" fontAlgn="b"/>
+                      <a:r>
+                        <a:rPr lang="en-US" sz="1200" b="1" u="none" strike="noStrike">
+                          <a:effectLst/>
+                          <a:latin typeface="Adobe Fangsong Std R" pitchFamily="18" charset="-128"/>
+                          <a:ea typeface="Adobe Fangsong Std R" pitchFamily="18" charset="-128"/>
+                        </a:rPr>
+                        <a:t>3</a:t>
+                      </a:r>
+                      <a:endParaRPr lang="en-US" sz="1200" b="1" i="0" u="none" strike="noStrike">
+                        <a:solidFill>
+                          <a:srgbClr val="000000"/>
+                        </a:solidFill>
+                        <a:effectLst/>
+                        <a:latin typeface="Adobe Fangsong Std R" pitchFamily="18" charset="-128"/>
+                        <a:ea typeface="Adobe Fangsong Std R" pitchFamily="18" charset="-128"/>
+                      </a:endParaRPr>
+                    </a:p>
+                  </a:txBody>
+                  <a:tcPr marL="12357" marR="12357" marT="12357" marB="0" anchor="ctr">
+                    <a:lnL w="12700" cap="flat" cmpd="sng" algn="ctr">
+                      <a:solidFill>
+                        <a:scrgbClr r="0" g="0" b="0"/>
+                      </a:solidFill>
+                      <a:prstDash val="solid"/>
+                      <a:round/>
+                      <a:headEnd type="none" w="med" len="med"/>
+                      <a:tailEnd type="none" w="med" len="med"/>
+                    </a:lnL>
+                    <a:lnR w="12700" cap="flat" cmpd="sng" algn="ctr">
+                      <a:solidFill>
+                        <a:scrgbClr r="0" g="0" b="0"/>
+                      </a:solidFill>
+                      <a:prstDash val="solid"/>
+                      <a:round/>
+                      <a:headEnd type="none" w="med" len="med"/>
+                      <a:tailEnd type="none" w="med" len="med"/>
+                    </a:lnR>
+                    <a:lnT w="12700" cap="flat" cmpd="sng" algn="ctr">
+                      <a:solidFill>
+                        <a:scrgbClr r="0" g="0" b="0"/>
+                      </a:solidFill>
+                      <a:prstDash val="solid"/>
+                      <a:round/>
+                      <a:headEnd type="none" w="med" len="med"/>
+                      <a:tailEnd type="none" w="med" len="med"/>
+                    </a:lnT>
+                    <a:lnB w="12700" cap="flat" cmpd="sng" algn="ctr">
+                      <a:solidFill>
+                        <a:scrgbClr r="0" g="0" b="0"/>
+                      </a:solidFill>
+                      <a:prstDash val="solid"/>
+                      <a:round/>
+                      <a:headEnd type="none" w="med" len="med"/>
+                      <a:tailEnd type="none" w="med" len="med"/>
+                    </a:lnB>
+                  </a:tcPr>
+                </a:tc>
+                <a:tc>
+                  <a:txBody>
+                    <a:bodyPr/>
+                    <a:lstStyle/>
+                    <a:p>
+                      <a:pPr algn="ctr" fontAlgn="b"/>
+                      <a:r>
+                        <a:rPr lang="en-US" sz="1200" b="1" u="none" strike="noStrike">
+                          <a:effectLst/>
+                          <a:latin typeface="Adobe Fangsong Std R" pitchFamily="18" charset="-128"/>
+                          <a:ea typeface="Adobe Fangsong Std R" pitchFamily="18" charset="-128"/>
+                        </a:rPr>
+                        <a:t>4</a:t>
+                      </a:r>
+                      <a:endParaRPr lang="en-US" sz="1200" b="1" i="0" u="none" strike="noStrike">
+                        <a:solidFill>
+                          <a:srgbClr val="000000"/>
+                        </a:solidFill>
+                        <a:effectLst/>
+                        <a:latin typeface="Adobe Fangsong Std R" pitchFamily="18" charset="-128"/>
+                        <a:ea typeface="Adobe Fangsong Std R" pitchFamily="18" charset="-128"/>
+                      </a:endParaRPr>
+                    </a:p>
+                  </a:txBody>
+                  <a:tcPr marL="12357" marR="12357" marT="12357" marB="0" anchor="ctr">
+                    <a:lnL w="12700" cap="flat" cmpd="sng" algn="ctr">
+                      <a:solidFill>
+                        <a:scrgbClr r="0" g="0" b="0"/>
+                      </a:solidFill>
+                      <a:prstDash val="solid"/>
+                      <a:round/>
+                      <a:headEnd type="none" w="med" len="med"/>
+                      <a:tailEnd type="none" w="med" len="med"/>
+                    </a:lnL>
+                    <a:lnR w="12700" cap="flat" cmpd="sng" algn="ctr">
+                      <a:solidFill>
+                        <a:scrgbClr r="0" g="0" b="0"/>
+                      </a:solidFill>
+                      <a:prstDash val="solid"/>
+                      <a:round/>
+                      <a:headEnd type="none" w="med" len="med"/>
+                      <a:tailEnd type="none" w="med" len="med"/>
+                    </a:lnR>
+                    <a:lnT w="12700" cap="flat" cmpd="sng" algn="ctr">
+                      <a:solidFill>
+                        <a:scrgbClr r="0" g="0" b="0"/>
+                      </a:solidFill>
+                      <a:prstDash val="solid"/>
+                      <a:round/>
+                      <a:headEnd type="none" w="med" len="med"/>
+                      <a:tailEnd type="none" w="med" len="med"/>
+                    </a:lnT>
+                    <a:lnB w="12700" cap="flat" cmpd="sng" algn="ctr">
+                      <a:solidFill>
+                        <a:scrgbClr r="0" g="0" b="0"/>
+                      </a:solidFill>
+                      <a:prstDash val="solid"/>
+                      <a:round/>
+                      <a:headEnd type="none" w="med" len="med"/>
+                      <a:tailEnd type="none" w="med" len="med"/>
+                    </a:lnB>
+                  </a:tcPr>
+                </a:tc>
+                <a:tc>
+                  <a:txBody>
+                    <a:bodyPr/>
+                    <a:lstStyle/>
+                    <a:p>
+                      <a:pPr algn="ctr" fontAlgn="b"/>
+                      <a:r>
+                        <a:rPr lang="en-US" sz="1200" b="1" u="none" strike="noStrike">
+                          <a:effectLst/>
+                          <a:latin typeface="Adobe Fangsong Std R" pitchFamily="18" charset="-128"/>
+                          <a:ea typeface="Adobe Fangsong Std R" pitchFamily="18" charset="-128"/>
+                        </a:rPr>
+                        <a:t>5</a:t>
+                      </a:r>
+                      <a:endParaRPr lang="en-US" sz="1200" b="1" i="0" u="none" strike="noStrike">
+                        <a:solidFill>
+                          <a:srgbClr val="000000"/>
+                        </a:solidFill>
+                        <a:effectLst/>
+                        <a:latin typeface="Adobe Fangsong Std R" pitchFamily="18" charset="-128"/>
+                        <a:ea typeface="Adobe Fangsong Std R" pitchFamily="18" charset="-128"/>
+                      </a:endParaRPr>
+                    </a:p>
+                  </a:txBody>
+                  <a:tcPr marL="12357" marR="12357" marT="12357" marB="0" anchor="ctr">
+                    <a:lnL w="12700" cap="flat" cmpd="sng" algn="ctr">
+                      <a:solidFill>
+                        <a:scrgbClr r="0" g="0" b="0"/>
+                      </a:solidFill>
+                      <a:prstDash val="solid"/>
+                      <a:round/>
+                      <a:headEnd type="none" w="med" len="med"/>
+                      <a:tailEnd type="none" w="med" len="med"/>
+                    </a:lnL>
+                    <a:lnR w="12700" cap="flat" cmpd="sng" algn="ctr">
+                      <a:solidFill>
+                        <a:scrgbClr r="0" g="0" b="0"/>
+                      </a:solidFill>
+                      <a:prstDash val="solid"/>
+                      <a:round/>
+                      <a:headEnd type="none" w="med" len="med"/>
+                      <a:tailEnd type="none" w="med" len="med"/>
+                    </a:lnR>
+                    <a:lnT w="12700" cap="flat" cmpd="sng" algn="ctr">
+                      <a:solidFill>
+                        <a:scrgbClr r="0" g="0" b="0"/>
+                      </a:solidFill>
+                      <a:prstDash val="solid"/>
+                      <a:round/>
+                      <a:headEnd type="none" w="med" len="med"/>
+                      <a:tailEnd type="none" w="med" len="med"/>
+                    </a:lnT>
+                    <a:lnB w="12700" cap="flat" cmpd="sng" algn="ctr">
+                      <a:solidFill>
+                        <a:scrgbClr r="0" g="0" b="0"/>
+                      </a:solidFill>
+                      <a:prstDash val="solid"/>
+                      <a:round/>
+                      <a:headEnd type="none" w="med" len="med"/>
+                      <a:tailEnd type="none" w="med" len="med"/>
+                    </a:lnB>
+                  </a:tcPr>
+                </a:tc>
+                <a:tc>
+                  <a:txBody>
+                    <a:bodyPr/>
+                    <a:lstStyle/>
+                    <a:p>
+                      <a:pPr algn="ctr" fontAlgn="b"/>
+                      <a:r>
+                        <a:rPr lang="en-US" sz="1200" b="1" u="none" strike="noStrike" dirty="0">
+                          <a:effectLst/>
+                          <a:latin typeface="Adobe Fangsong Std R" pitchFamily="18" charset="-128"/>
+                          <a:ea typeface="Adobe Fangsong Std R" pitchFamily="18" charset="-128"/>
+                        </a:rPr>
+                        <a:t>6</a:t>
+                      </a:r>
+                      <a:endParaRPr lang="en-US" sz="1200" b="1" i="0" u="none" strike="noStrike" dirty="0">
+                        <a:solidFill>
+                          <a:srgbClr val="000000"/>
+                        </a:solidFill>
+                        <a:effectLst/>
+                        <a:latin typeface="Adobe Fangsong Std R" pitchFamily="18" charset="-128"/>
+                        <a:ea typeface="Adobe Fangsong Std R" pitchFamily="18" charset="-128"/>
+                      </a:endParaRPr>
+                    </a:p>
+                  </a:txBody>
+                  <a:tcPr marL="12357" marR="12357" marT="12357" marB="0" anchor="ctr">
+                    <a:lnL w="12700" cap="flat" cmpd="sng" algn="ctr">
+                      <a:solidFill>
+                        <a:scrgbClr r="0" g="0" b="0"/>
+                      </a:solidFill>
+                      <a:prstDash val="solid"/>
+                      <a:round/>
+                      <a:headEnd type="none" w="med" len="med"/>
+                      <a:tailEnd type="none" w="med" len="med"/>
+                    </a:lnL>
+                    <a:lnR w="12700" cap="flat" cmpd="sng" algn="ctr">
+                      <a:solidFill>
+                        <a:scrgbClr r="0" g="0" b="0"/>
+                      </a:solidFill>
+                      <a:prstDash val="solid"/>
+                      <a:round/>
+                      <a:headEnd type="none" w="med" len="med"/>
+                      <a:tailEnd type="none" w="med" len="med"/>
+                    </a:lnR>
+                    <a:lnT w="12700" cap="flat" cmpd="sng" algn="ctr">
+                      <a:solidFill>
+                        <a:scrgbClr r="0" g="0" b="0"/>
+                      </a:solidFill>
+                      <a:prstDash val="solid"/>
+                      <a:round/>
+                      <a:headEnd type="none" w="med" len="med"/>
+                      <a:tailEnd type="none" w="med" len="med"/>
+                    </a:lnT>
+                    <a:lnB w="12700" cap="flat" cmpd="sng" algn="ctr">
+                      <a:solidFill>
+                        <a:scrgbClr r="0" g="0" b="0"/>
+                      </a:solidFill>
+                      <a:prstDash val="solid"/>
+                      <a:round/>
+                      <a:headEnd type="none" w="med" len="med"/>
+                      <a:tailEnd type="none" w="med" len="med"/>
+                    </a:lnB>
+                  </a:tcPr>
+                </a:tc>
+                <a:tc>
+                  <a:txBody>
+                    <a:bodyPr/>
+                    <a:lstStyle/>
+                    <a:p>
+                      <a:pPr algn="ctr" fontAlgn="b"/>
+                      <a:r>
+                        <a:rPr lang="en-US" sz="1200" b="1" u="none" strike="noStrike">
+                          <a:effectLst/>
+                          <a:latin typeface="Adobe Fangsong Std R" pitchFamily="18" charset="-128"/>
+                          <a:ea typeface="Adobe Fangsong Std R" pitchFamily="18" charset="-128"/>
+                        </a:rPr>
+                        <a:t>7</a:t>
+                      </a:r>
+                      <a:endParaRPr lang="en-US" sz="1200" b="1" i="0" u="none" strike="noStrike">
+                        <a:solidFill>
+                          <a:srgbClr val="000000"/>
+                        </a:solidFill>
+                        <a:effectLst/>
+                        <a:latin typeface="Adobe Fangsong Std R" pitchFamily="18" charset="-128"/>
+                        <a:ea typeface="Adobe Fangsong Std R" pitchFamily="18" charset="-128"/>
+                      </a:endParaRPr>
+                    </a:p>
+                  </a:txBody>
+                  <a:tcPr marL="12357" marR="12357" marT="12357" marB="0" anchor="ctr">
+                    <a:lnL w="12700" cap="flat" cmpd="sng" algn="ctr">
+                      <a:solidFill>
+                        <a:scrgbClr r="0" g="0" b="0"/>
+                      </a:solidFill>
+                      <a:prstDash val="solid"/>
+                      <a:round/>
+                      <a:headEnd type="none" w="med" len="med"/>
+                      <a:tailEnd type="none" w="med" len="med"/>
+                    </a:lnL>
+                    <a:lnR w="12700" cap="flat" cmpd="sng" algn="ctr">
+                      <a:solidFill>
+                        <a:scrgbClr r="0" g="0" b="0"/>
+                      </a:solidFill>
+                      <a:prstDash val="solid"/>
+                      <a:round/>
+                      <a:headEnd type="none" w="med" len="med"/>
+                      <a:tailEnd type="none" w="med" len="med"/>
+                    </a:lnR>
+                    <a:lnT w="12700" cap="flat" cmpd="sng" algn="ctr">
+                      <a:solidFill>
+                        <a:scrgbClr r="0" g="0" b="0"/>
+                      </a:solidFill>
+                      <a:prstDash val="solid"/>
+                      <a:round/>
+                      <a:headEnd type="none" w="med" len="med"/>
+                      <a:tailEnd type="none" w="med" len="med"/>
+                    </a:lnT>
+                    <a:lnB w="12700" cap="flat" cmpd="sng" algn="ctr">
+                      <a:solidFill>
+                        <a:scrgbClr r="0" g="0" b="0"/>
+                      </a:solidFill>
+                      <a:prstDash val="solid"/>
+                      <a:round/>
+                      <a:headEnd type="none" w="med" len="med"/>
+                      <a:tailEnd type="none" w="med" len="med"/>
+                    </a:lnB>
+                  </a:tcPr>
+                </a:tc>
+                <a:tc>
+                  <a:txBody>
+                    <a:bodyPr/>
+                    <a:lstStyle/>
+                    <a:p>
+                      <a:pPr algn="ctr" fontAlgn="b"/>
+                      <a:r>
+                        <a:rPr lang="en-US" sz="1200" b="1" u="none" strike="noStrike">
+                          <a:effectLst/>
+                          <a:latin typeface="Adobe Fangsong Std R" pitchFamily="18" charset="-128"/>
+                          <a:ea typeface="Adobe Fangsong Std R" pitchFamily="18" charset="-128"/>
+                        </a:rPr>
+                        <a:t>8</a:t>
+                      </a:r>
+                      <a:endParaRPr lang="en-US" sz="1200" b="1" i="0" u="none" strike="noStrike">
+                        <a:solidFill>
+                          <a:srgbClr val="000000"/>
+                        </a:solidFill>
+                        <a:effectLst/>
+                        <a:latin typeface="Adobe Fangsong Std R" pitchFamily="18" charset="-128"/>
+                        <a:ea typeface="Adobe Fangsong Std R" pitchFamily="18" charset="-128"/>
+                      </a:endParaRPr>
+                    </a:p>
+                  </a:txBody>
+                  <a:tcPr marL="12357" marR="12357" marT="12357" marB="0" anchor="ctr">
+                    <a:lnL w="12700" cap="flat" cmpd="sng" algn="ctr">
+                      <a:solidFill>
+                        <a:scrgbClr r="0" g="0" b="0"/>
+                      </a:solidFill>
+                      <a:prstDash val="solid"/>
+                      <a:round/>
+                      <a:headEnd type="none" w="med" len="med"/>
+                      <a:tailEnd type="none" w="med" len="med"/>
+                    </a:lnL>
+                    <a:lnR w="12700" cap="flat" cmpd="sng" algn="ctr">
+                      <a:solidFill>
+                        <a:scrgbClr r="0" g="0" b="0"/>
+                      </a:solidFill>
+                      <a:prstDash val="solid"/>
+                      <a:round/>
+                      <a:headEnd type="none" w="med" len="med"/>
+                      <a:tailEnd type="none" w="med" len="med"/>
+                    </a:lnR>
+                    <a:lnT w="12700" cap="flat" cmpd="sng" algn="ctr">
+                      <a:solidFill>
+                        <a:scrgbClr r="0" g="0" b="0"/>
+                      </a:solidFill>
+                      <a:prstDash val="solid"/>
+                      <a:round/>
+                      <a:headEnd type="none" w="med" len="med"/>
+                      <a:tailEnd type="none" w="med" len="med"/>
+                    </a:lnT>
+                    <a:lnB w="12700" cap="flat" cmpd="sng" algn="ctr">
+                      <a:solidFill>
+                        <a:scrgbClr r="0" g="0" b="0"/>
+                      </a:solidFill>
+                      <a:prstDash val="solid"/>
+                      <a:round/>
+                      <a:headEnd type="none" w="med" len="med"/>
+                      <a:tailEnd type="none" w="med" len="med"/>
+                    </a:lnB>
+                  </a:tcPr>
+                </a:tc>
+                <a:tc>
+                  <a:txBody>
+                    <a:bodyPr/>
+                    <a:lstStyle/>
+                    <a:p>
+                      <a:pPr algn="ctr" fontAlgn="b"/>
+                      <a:r>
+                        <a:rPr lang="en-US" sz="1200" b="1" u="none" strike="noStrike">
+                          <a:effectLst/>
+                          <a:latin typeface="Adobe Fangsong Std R" pitchFamily="18" charset="-128"/>
+                          <a:ea typeface="Adobe Fangsong Std R" pitchFamily="18" charset="-128"/>
+                        </a:rPr>
+                        <a:t>9</a:t>
+                      </a:r>
+                      <a:endParaRPr lang="en-US" sz="1200" b="1" i="0" u="none" strike="noStrike">
+                        <a:solidFill>
+                          <a:srgbClr val="000000"/>
+                        </a:solidFill>
+                        <a:effectLst/>
+                        <a:latin typeface="Adobe Fangsong Std R" pitchFamily="18" charset="-128"/>
+                        <a:ea typeface="Adobe Fangsong Std R" pitchFamily="18" charset="-128"/>
+                      </a:endParaRPr>
+                    </a:p>
+                  </a:txBody>
+                  <a:tcPr marL="12357" marR="12357" marT="12357" marB="0" anchor="ctr">
+                    <a:lnL w="12700" cap="flat" cmpd="sng" algn="ctr">
+                      <a:solidFill>
+                        <a:scrgbClr r="0" g="0" b="0"/>
+                      </a:solidFill>
+                      <a:prstDash val="solid"/>
+                      <a:round/>
+                      <a:headEnd type="none" w="med" len="med"/>
+                      <a:tailEnd type="none" w="med" len="med"/>
+                    </a:lnL>
+                    <a:lnR w="12700" cap="flat" cmpd="sng" algn="ctr">
+                      <a:solidFill>
+                        <a:scrgbClr r="0" g="0" b="0"/>
+                      </a:solidFill>
+                      <a:prstDash val="solid"/>
+                      <a:round/>
+                      <a:headEnd type="none" w="med" len="med"/>
+                      <a:tailEnd type="none" w="med" len="med"/>
+                    </a:lnR>
+                    <a:lnT w="12700" cap="flat" cmpd="sng" algn="ctr">
+                      <a:solidFill>
+                        <a:scrgbClr r="0" g="0" b="0"/>
+                      </a:solidFill>
+                      <a:prstDash val="solid"/>
+                      <a:round/>
+                      <a:headEnd type="none" w="med" len="med"/>
+                      <a:tailEnd type="none" w="med" len="med"/>
+                    </a:lnT>
+                    <a:lnB w="12700" cap="flat" cmpd="sng" algn="ctr">
+                      <a:solidFill>
+                        <a:scrgbClr r="0" g="0" b="0"/>
+                      </a:solidFill>
+                      <a:prstDash val="solid"/>
+                      <a:round/>
+                      <a:headEnd type="none" w="med" len="med"/>
+                      <a:tailEnd type="none" w="med" len="med"/>
+                    </a:lnB>
+                  </a:tcPr>
+                </a:tc>
+                <a:tc>
+                  <a:txBody>
+                    <a:bodyPr/>
+                    <a:lstStyle/>
+                    <a:p>
+                      <a:pPr algn="ctr" fontAlgn="b"/>
+                      <a:r>
+                        <a:rPr lang="en-US" sz="1200" b="1" u="none" strike="noStrike">
+                          <a:effectLst/>
+                          <a:latin typeface="Adobe Fangsong Std R" pitchFamily="18" charset="-128"/>
+                          <a:ea typeface="Adobe Fangsong Std R" pitchFamily="18" charset="-128"/>
+                        </a:rPr>
+                        <a:t>10</a:t>
+                      </a:r>
+                      <a:endParaRPr lang="en-US" sz="1200" b="1" i="0" u="none" strike="noStrike">
+                        <a:solidFill>
+                          <a:srgbClr val="000000"/>
+                        </a:solidFill>
+                        <a:effectLst/>
+                        <a:latin typeface="Adobe Fangsong Std R" pitchFamily="18" charset="-128"/>
+                        <a:ea typeface="Adobe Fangsong Std R" pitchFamily="18" charset="-128"/>
+                      </a:endParaRPr>
+                    </a:p>
+                  </a:txBody>
+                  <a:tcPr marL="12357" marR="12357" marT="12357" marB="0" anchor="ctr">
+                    <a:lnL w="12700" cap="flat" cmpd="sng" algn="ctr">
+                      <a:solidFill>
+                        <a:scrgbClr r="0" g="0" b="0"/>
+                      </a:solidFill>
+                      <a:prstDash val="solid"/>
+                      <a:round/>
+                      <a:headEnd type="none" w="med" len="med"/>
+                      <a:tailEnd type="none" w="med" len="med"/>
+                    </a:lnL>
+                    <a:lnR w="12700" cap="flat" cmpd="sng" algn="ctr">
+                      <a:solidFill>
+                        <a:scrgbClr r="0" g="0" b="0"/>
+                      </a:solidFill>
+                      <a:prstDash val="solid"/>
+                      <a:round/>
+                      <a:headEnd type="none" w="med" len="med"/>
+                      <a:tailEnd type="none" w="med" len="med"/>
+                    </a:lnR>
+                    <a:lnT w="12700" cap="flat" cmpd="sng" algn="ctr">
+                      <a:solidFill>
+                        <a:scrgbClr r="0" g="0" b="0"/>
+                      </a:solidFill>
+                      <a:prstDash val="solid"/>
+                      <a:round/>
+                      <a:headEnd type="none" w="med" len="med"/>
+                      <a:tailEnd type="none" w="med" len="med"/>
+                    </a:lnT>
+                    <a:lnB w="12700" cap="flat" cmpd="sng" algn="ctr">
+                      <a:solidFill>
+                        <a:scrgbClr r="0" g="0" b="0"/>
+                      </a:solidFill>
+                      <a:prstDash val="solid"/>
+                      <a:round/>
+                      <a:headEnd type="none" w="med" len="med"/>
+                      <a:tailEnd type="none" w="med" len="med"/>
+                    </a:lnB>
+                  </a:tcPr>
+                </a:tc>
+              </a:tr>
+              <a:tr h="547157">
+                <a:tc>
+                  <a:txBody>
+                    <a:bodyPr/>
+                    <a:lstStyle/>
+                    <a:p>
+                      <a:pPr algn="ctr" fontAlgn="b"/>
+                      <a:r>
+                        <a:rPr lang="en-US" sz="1200" b="1" u="none" strike="noStrike" dirty="0" smtClean="0">
+                          <a:effectLst/>
+                          <a:latin typeface="Adobe Fangsong Std R" pitchFamily="18" charset="-128"/>
+                          <a:ea typeface="Adobe Fangsong Std R" pitchFamily="18" charset="-128"/>
+                        </a:rPr>
+                        <a:t>MSE</a:t>
+                      </a:r>
+                    </a:p>
+                    <a:p>
+                      <a:pPr algn="ctr" fontAlgn="b"/>
+                      <a:r>
+                        <a:rPr lang="en-US" sz="1200" b="1" i="0" u="none" strike="noStrike" dirty="0" smtClean="0">
+                          <a:solidFill>
+                            <a:srgbClr val="000000"/>
+                          </a:solidFill>
+                          <a:effectLst/>
+                          <a:latin typeface="Adobe Fangsong Std R" pitchFamily="18" charset="-128"/>
+                          <a:ea typeface="Adobe Fangsong Std R" pitchFamily="18" charset="-128"/>
+                        </a:rPr>
+                        <a:t>(Avg)</a:t>
+                      </a:r>
+                      <a:endParaRPr lang="en-US" sz="1200" b="1" i="0" u="none" strike="noStrike" dirty="0">
+                        <a:solidFill>
+                          <a:srgbClr val="000000"/>
+                        </a:solidFill>
+                        <a:effectLst/>
+                        <a:latin typeface="Adobe Fangsong Std R" pitchFamily="18" charset="-128"/>
+                        <a:ea typeface="Adobe Fangsong Std R" pitchFamily="18" charset="-128"/>
+                      </a:endParaRPr>
+                    </a:p>
+                  </a:txBody>
+                  <a:tcPr marL="12357" marR="12357" marT="12357" marB="0" anchor="ctr">
+                    <a:lnL w="12700" cap="flat" cmpd="sng" algn="ctr">
+                      <a:solidFill>
+                        <a:scrgbClr r="0" g="0" b="0"/>
+                      </a:solidFill>
+                      <a:prstDash val="solid"/>
+                      <a:round/>
+                      <a:headEnd type="none" w="med" len="med"/>
+                      <a:tailEnd type="none" w="med" len="med"/>
+                    </a:lnL>
+                    <a:lnR w="12700" cap="flat" cmpd="sng" algn="ctr">
+                      <a:solidFill>
+                        <a:scrgbClr r="0" g="0" b="0"/>
+                      </a:solidFill>
+                      <a:prstDash val="solid"/>
+                      <a:round/>
+                      <a:headEnd type="none" w="med" len="med"/>
+                      <a:tailEnd type="none" w="med" len="med"/>
+                    </a:lnR>
+                    <a:lnT w="12700" cap="flat" cmpd="sng" algn="ctr">
+                      <a:solidFill>
+                        <a:scrgbClr r="0" g="0" b="0"/>
+                      </a:solidFill>
+                      <a:prstDash val="solid"/>
+                      <a:round/>
+                      <a:headEnd type="none" w="med" len="med"/>
+                      <a:tailEnd type="none" w="med" len="med"/>
+                    </a:lnT>
+                    <a:lnB w="12700" cap="flat" cmpd="sng" algn="ctr">
+                      <a:solidFill>
+                        <a:scrgbClr r="0" g="0" b="0"/>
+                      </a:solidFill>
+                      <a:prstDash val="solid"/>
+                      <a:round/>
+                      <a:headEnd type="none" w="med" len="med"/>
+                      <a:tailEnd type="none" w="med" len="med"/>
+                    </a:lnB>
+                  </a:tcPr>
+                </a:tc>
+                <a:tc>
+                  <a:txBody>
+                    <a:bodyPr/>
+                    <a:lstStyle/>
+                    <a:p>
+                      <a:pPr algn="ctr" fontAlgn="b"/>
+                      <a:r>
+                        <a:rPr lang="en-US" sz="1200" b="1" i="0" u="none" strike="noStrike">
+                          <a:solidFill>
+                            <a:srgbClr val="000000"/>
+                          </a:solidFill>
+                          <a:effectLst/>
+                          <a:latin typeface="Adobe Fangsong Std R" pitchFamily="18" charset="-128"/>
+                          <a:ea typeface="Adobe Fangsong Std R" pitchFamily="18" charset="-128"/>
+                        </a:rPr>
+                        <a:t>14.9205</a:t>
+                      </a:r>
+                    </a:p>
+                  </a:txBody>
+                  <a:tcPr marL="9525" marR="9525" marT="9525" marB="0" anchor="ctr">
+                    <a:lnL w="12700" cap="flat" cmpd="sng" algn="ctr">
+                      <a:solidFill>
+                        <a:scrgbClr r="0" g="0" b="0"/>
+                      </a:solidFill>
+                      <a:prstDash val="solid"/>
+                      <a:round/>
+                      <a:headEnd type="none" w="med" len="med"/>
+                      <a:tailEnd type="none" w="med" len="med"/>
+                    </a:lnL>
+                    <a:lnR w="12700" cap="flat" cmpd="sng" algn="ctr">
+                      <a:solidFill>
+                        <a:scrgbClr r="0" g="0" b="0"/>
+                      </a:solidFill>
+                      <a:prstDash val="solid"/>
+                      <a:round/>
+                      <a:headEnd type="none" w="med" len="med"/>
+                      <a:tailEnd type="none" w="med" len="med"/>
+                    </a:lnR>
+                    <a:lnT w="12700" cap="flat" cmpd="sng" algn="ctr">
+                      <a:solidFill>
+                        <a:scrgbClr r="0" g="0" b="0"/>
+                      </a:solidFill>
+                      <a:prstDash val="solid"/>
+                      <a:round/>
+                      <a:headEnd type="none" w="med" len="med"/>
+                      <a:tailEnd type="none" w="med" len="med"/>
+                    </a:lnT>
+                    <a:lnB w="12700" cap="flat" cmpd="sng" algn="ctr">
+                      <a:solidFill>
+                        <a:scrgbClr r="0" g="0" b="0"/>
+                      </a:solidFill>
+                      <a:prstDash val="solid"/>
+                      <a:round/>
+                      <a:headEnd type="none" w="med" len="med"/>
+                      <a:tailEnd type="none" w="med" len="med"/>
+                    </a:lnB>
+                  </a:tcPr>
+                </a:tc>
+                <a:tc>
+                  <a:txBody>
+                    <a:bodyPr/>
+                    <a:lstStyle/>
+                    <a:p>
+                      <a:pPr algn="ctr" fontAlgn="b"/>
+                      <a:r>
+                        <a:rPr lang="en-US" sz="1200" b="1" i="0" u="none" strike="noStrike">
+                          <a:solidFill>
+                            <a:srgbClr val="000000"/>
+                          </a:solidFill>
+                          <a:effectLst/>
+                          <a:latin typeface="Adobe Fangsong Std R" pitchFamily="18" charset="-128"/>
+                          <a:ea typeface="Adobe Fangsong Std R" pitchFamily="18" charset="-128"/>
+                        </a:rPr>
+                        <a:t>14.41373</a:t>
+                      </a:r>
+                    </a:p>
+                  </a:txBody>
+                  <a:tcPr marL="9525" marR="9525" marT="9525" marB="0" anchor="ctr">
+                    <a:lnL w="12700" cap="flat" cmpd="sng" algn="ctr">
+                      <a:solidFill>
+                        <a:scrgbClr r="0" g="0" b="0"/>
+                      </a:solidFill>
+                      <a:prstDash val="solid"/>
+                      <a:round/>
+                      <a:headEnd type="none" w="med" len="med"/>
+                      <a:tailEnd type="none" w="med" len="med"/>
+                    </a:lnL>
+                    <a:lnR w="12700" cap="flat" cmpd="sng" algn="ctr">
+                      <a:solidFill>
+                        <a:scrgbClr r="0" g="0" b="0"/>
+                      </a:solidFill>
+                      <a:prstDash val="solid"/>
+                      <a:round/>
+                      <a:headEnd type="none" w="med" len="med"/>
+                      <a:tailEnd type="none" w="med" len="med"/>
+                    </a:lnR>
+                    <a:lnT w="12700" cap="flat" cmpd="sng" algn="ctr">
+                      <a:solidFill>
+                        <a:scrgbClr r="0" g="0" b="0"/>
+                      </a:solidFill>
+                      <a:prstDash val="solid"/>
+                      <a:round/>
+                      <a:headEnd type="none" w="med" len="med"/>
+                      <a:tailEnd type="none" w="med" len="med"/>
+                    </a:lnT>
+                    <a:lnB w="12700" cap="flat" cmpd="sng" algn="ctr">
+                      <a:solidFill>
+                        <a:scrgbClr r="0" g="0" b="0"/>
+                      </a:solidFill>
+                      <a:prstDash val="solid"/>
+                      <a:round/>
+                      <a:headEnd type="none" w="med" len="med"/>
+                      <a:tailEnd type="none" w="med" len="med"/>
+                    </a:lnB>
+                  </a:tcPr>
+                </a:tc>
+                <a:tc>
+                  <a:txBody>
+                    <a:bodyPr/>
+                    <a:lstStyle/>
+                    <a:p>
+                      <a:pPr algn="ctr" fontAlgn="b"/>
+                      <a:r>
+                        <a:rPr lang="en-US" sz="1200" b="1" i="0" u="none" strike="noStrike">
+                          <a:solidFill>
+                            <a:srgbClr val="000000"/>
+                          </a:solidFill>
+                          <a:effectLst/>
+                          <a:latin typeface="Adobe Fangsong Std R" pitchFamily="18" charset="-128"/>
+                          <a:ea typeface="Adobe Fangsong Std R" pitchFamily="18" charset="-128"/>
+                        </a:rPr>
+                        <a:t>14.32834</a:t>
+                      </a:r>
+                    </a:p>
+                  </a:txBody>
+                  <a:tcPr marL="9525" marR="9525" marT="9525" marB="0" anchor="ctr">
+                    <a:lnL w="12700" cap="flat" cmpd="sng" algn="ctr">
+                      <a:solidFill>
+                        <a:scrgbClr r="0" g="0" b="0"/>
+                      </a:solidFill>
+                      <a:prstDash val="solid"/>
+                      <a:round/>
+                      <a:headEnd type="none" w="med" len="med"/>
+                      <a:tailEnd type="none" w="med" len="med"/>
+                    </a:lnL>
+                    <a:lnR w="12700" cap="flat" cmpd="sng" algn="ctr">
+                      <a:solidFill>
+                        <a:scrgbClr r="0" g="0" b="0"/>
+                      </a:solidFill>
+                      <a:prstDash val="solid"/>
+                      <a:round/>
+                      <a:headEnd type="none" w="med" len="med"/>
+                      <a:tailEnd type="none" w="med" len="med"/>
+                    </a:lnR>
+                    <a:lnT w="12700" cap="flat" cmpd="sng" algn="ctr">
+                      <a:solidFill>
+                        <a:scrgbClr r="0" g="0" b="0"/>
+                      </a:solidFill>
+                      <a:prstDash val="solid"/>
+                      <a:round/>
+                      <a:headEnd type="none" w="med" len="med"/>
+                      <a:tailEnd type="none" w="med" len="med"/>
+                    </a:lnT>
+                    <a:lnB w="12700" cap="flat" cmpd="sng" algn="ctr">
+                      <a:solidFill>
+                        <a:scrgbClr r="0" g="0" b="0"/>
+                      </a:solidFill>
+                      <a:prstDash val="solid"/>
+                      <a:round/>
+                      <a:headEnd type="none" w="med" len="med"/>
+                      <a:tailEnd type="none" w="med" len="med"/>
+                    </a:lnB>
+                  </a:tcPr>
+                </a:tc>
+                <a:tc>
+                  <a:txBody>
+                    <a:bodyPr/>
+                    <a:lstStyle/>
+                    <a:p>
+                      <a:pPr algn="ctr" fontAlgn="b"/>
+                      <a:r>
+                        <a:rPr lang="en-US" sz="1200" b="1" i="0" u="none" strike="noStrike">
+                          <a:solidFill>
+                            <a:srgbClr val="000000"/>
+                          </a:solidFill>
+                          <a:effectLst/>
+                          <a:latin typeface="Adobe Fangsong Std R" pitchFamily="18" charset="-128"/>
+                          <a:ea typeface="Adobe Fangsong Std R" pitchFamily="18" charset="-128"/>
+                        </a:rPr>
+                        <a:t>14.28692</a:t>
+                      </a:r>
+                    </a:p>
+                  </a:txBody>
+                  <a:tcPr marL="9525" marR="9525" marT="9525" marB="0" anchor="ctr">
+                    <a:lnL w="12700" cap="flat" cmpd="sng" algn="ctr">
+                      <a:solidFill>
+                        <a:scrgbClr r="0" g="0" b="0"/>
+                      </a:solidFill>
+                      <a:prstDash val="solid"/>
+                      <a:round/>
+                      <a:headEnd type="none" w="med" len="med"/>
+                      <a:tailEnd type="none" w="med" len="med"/>
+                    </a:lnL>
+                    <a:lnR w="12700" cap="flat" cmpd="sng" algn="ctr">
+                      <a:solidFill>
+                        <a:scrgbClr r="0" g="0" b="0"/>
+                      </a:solidFill>
+                      <a:prstDash val="solid"/>
+                      <a:round/>
+                      <a:headEnd type="none" w="med" len="med"/>
+                      <a:tailEnd type="none" w="med" len="med"/>
+                    </a:lnR>
+                    <a:lnT w="12700" cap="flat" cmpd="sng" algn="ctr">
+                      <a:solidFill>
+                        <a:scrgbClr r="0" g="0" b="0"/>
+                      </a:solidFill>
+                      <a:prstDash val="solid"/>
+                      <a:round/>
+                      <a:headEnd type="none" w="med" len="med"/>
+                      <a:tailEnd type="none" w="med" len="med"/>
+                    </a:lnT>
+                    <a:lnB w="12700" cap="flat" cmpd="sng" algn="ctr">
+                      <a:solidFill>
+                        <a:scrgbClr r="0" g="0" b="0"/>
+                      </a:solidFill>
+                      <a:prstDash val="solid"/>
+                      <a:round/>
+                      <a:headEnd type="none" w="med" len="med"/>
+                      <a:tailEnd type="none" w="med" len="med"/>
+                    </a:lnB>
+                  </a:tcPr>
+                </a:tc>
+                <a:tc>
+                  <a:txBody>
+                    <a:bodyPr/>
+                    <a:lstStyle/>
+                    <a:p>
+                      <a:pPr algn="ctr" fontAlgn="b"/>
+                      <a:r>
+                        <a:rPr lang="en-US" sz="1200" b="1" i="0" u="none" strike="noStrike">
+                          <a:solidFill>
+                            <a:srgbClr val="000000"/>
+                          </a:solidFill>
+                          <a:effectLst/>
+                          <a:latin typeface="Adobe Fangsong Std R" pitchFamily="18" charset="-128"/>
+                          <a:ea typeface="Adobe Fangsong Std R" pitchFamily="18" charset="-128"/>
+                        </a:rPr>
+                        <a:t>14.22549</a:t>
+                      </a:r>
+                    </a:p>
+                  </a:txBody>
+                  <a:tcPr marL="9525" marR="9525" marT="9525" marB="0" anchor="ctr">
+                    <a:lnL w="12700" cap="flat" cmpd="sng" algn="ctr">
+                      <a:solidFill>
+                        <a:scrgbClr r="0" g="0" b="0"/>
+                      </a:solidFill>
+                      <a:prstDash val="solid"/>
+                      <a:round/>
+                      <a:headEnd type="none" w="med" len="med"/>
+                      <a:tailEnd type="none" w="med" len="med"/>
+                    </a:lnL>
+                    <a:lnR w="12700" cap="flat" cmpd="sng" algn="ctr">
+                      <a:solidFill>
+                        <a:scrgbClr r="0" g="0" b="0"/>
+                      </a:solidFill>
+                      <a:prstDash val="solid"/>
+                      <a:round/>
+                      <a:headEnd type="none" w="med" len="med"/>
+                      <a:tailEnd type="none" w="med" len="med"/>
+                    </a:lnR>
+                    <a:lnT w="12700" cap="flat" cmpd="sng" algn="ctr">
+                      <a:solidFill>
+                        <a:scrgbClr r="0" g="0" b="0"/>
+                      </a:solidFill>
+                      <a:prstDash val="solid"/>
+                      <a:round/>
+                      <a:headEnd type="none" w="med" len="med"/>
+                      <a:tailEnd type="none" w="med" len="med"/>
+                    </a:lnT>
+                    <a:lnB w="12700" cap="flat" cmpd="sng" algn="ctr">
+                      <a:solidFill>
+                        <a:scrgbClr r="0" g="0" b="0"/>
+                      </a:solidFill>
+                      <a:prstDash val="solid"/>
+                      <a:round/>
+                      <a:headEnd type="none" w="med" len="med"/>
+                      <a:tailEnd type="none" w="med" len="med"/>
+                    </a:lnB>
+                  </a:tcPr>
+                </a:tc>
+                <a:tc>
+                  <a:txBody>
+                    <a:bodyPr/>
+                    <a:lstStyle/>
+                    <a:p>
+                      <a:pPr algn="ctr" fontAlgn="b"/>
+                      <a:r>
+                        <a:rPr lang="en-US" sz="1200" b="1" i="0" u="none" strike="noStrike">
+                          <a:solidFill>
+                            <a:srgbClr val="000000"/>
+                          </a:solidFill>
+                          <a:effectLst/>
+                          <a:latin typeface="Adobe Fangsong Std R" pitchFamily="18" charset="-128"/>
+                          <a:ea typeface="Adobe Fangsong Std R" pitchFamily="18" charset="-128"/>
+                        </a:rPr>
+                        <a:t>14.18884</a:t>
+                      </a:r>
+                    </a:p>
+                  </a:txBody>
+                  <a:tcPr marL="9525" marR="9525" marT="9525" marB="0" anchor="ctr">
+                    <a:lnL w="12700" cap="flat" cmpd="sng" algn="ctr">
+                      <a:solidFill>
+                        <a:scrgbClr r="0" g="0" b="0"/>
+                      </a:solidFill>
+                      <a:prstDash val="solid"/>
+                      <a:round/>
+                      <a:headEnd type="none" w="med" len="med"/>
+                      <a:tailEnd type="none" w="med" len="med"/>
+                    </a:lnL>
+                    <a:lnR w="12700" cap="flat" cmpd="sng" algn="ctr">
+                      <a:solidFill>
+                        <a:scrgbClr r="0" g="0" b="0"/>
+                      </a:solidFill>
+                      <a:prstDash val="solid"/>
+                      <a:round/>
+                      <a:headEnd type="none" w="med" len="med"/>
+                      <a:tailEnd type="none" w="med" len="med"/>
+                    </a:lnR>
+                    <a:lnT w="12700" cap="flat" cmpd="sng" algn="ctr">
+                      <a:solidFill>
+                        <a:scrgbClr r="0" g="0" b="0"/>
+                      </a:solidFill>
+                      <a:prstDash val="solid"/>
+                      <a:round/>
+                      <a:headEnd type="none" w="med" len="med"/>
+                      <a:tailEnd type="none" w="med" len="med"/>
+                    </a:lnT>
+                    <a:lnB w="12700" cap="flat" cmpd="sng" algn="ctr">
+                      <a:solidFill>
+                        <a:scrgbClr r="0" g="0" b="0"/>
+                      </a:solidFill>
+                      <a:prstDash val="solid"/>
+                      <a:round/>
+                      <a:headEnd type="none" w="med" len="med"/>
+                      <a:tailEnd type="none" w="med" len="med"/>
+                    </a:lnB>
+                  </a:tcPr>
+                </a:tc>
+                <a:tc>
+                  <a:txBody>
+                    <a:bodyPr/>
+                    <a:lstStyle/>
+                    <a:p>
+                      <a:pPr algn="ctr" fontAlgn="b"/>
+                      <a:r>
+                        <a:rPr lang="en-US" sz="1200" b="1" i="0" u="none" strike="noStrike">
+                          <a:solidFill>
+                            <a:srgbClr val="000000"/>
+                          </a:solidFill>
+                          <a:effectLst/>
+                          <a:latin typeface="Adobe Fangsong Std R" pitchFamily="18" charset="-128"/>
+                          <a:ea typeface="Adobe Fangsong Std R" pitchFamily="18" charset="-128"/>
+                        </a:rPr>
+                        <a:t>14.18959</a:t>
+                      </a:r>
+                    </a:p>
+                  </a:txBody>
+                  <a:tcPr marL="9525" marR="9525" marT="9525" marB="0" anchor="ctr">
+                    <a:lnL w="12700" cap="flat" cmpd="sng" algn="ctr">
+                      <a:solidFill>
+                        <a:scrgbClr r="0" g="0" b="0"/>
+                      </a:solidFill>
+                      <a:prstDash val="solid"/>
+                      <a:round/>
+                      <a:headEnd type="none" w="med" len="med"/>
+                      <a:tailEnd type="none" w="med" len="med"/>
+                    </a:lnL>
+                    <a:lnR w="12700" cap="flat" cmpd="sng" algn="ctr">
+                      <a:solidFill>
+                        <a:scrgbClr r="0" g="0" b="0"/>
+                      </a:solidFill>
+                      <a:prstDash val="solid"/>
+                      <a:round/>
+                      <a:headEnd type="none" w="med" len="med"/>
+                      <a:tailEnd type="none" w="med" len="med"/>
+                    </a:lnR>
+                    <a:lnT w="12700" cap="flat" cmpd="sng" algn="ctr">
+                      <a:solidFill>
+                        <a:scrgbClr r="0" g="0" b="0"/>
+                      </a:solidFill>
+                      <a:prstDash val="solid"/>
+                      <a:round/>
+                      <a:headEnd type="none" w="med" len="med"/>
+                      <a:tailEnd type="none" w="med" len="med"/>
+                    </a:lnT>
+                    <a:lnB w="12700" cap="flat" cmpd="sng" algn="ctr">
+                      <a:solidFill>
+                        <a:scrgbClr r="0" g="0" b="0"/>
+                      </a:solidFill>
+                      <a:prstDash val="solid"/>
+                      <a:round/>
+                      <a:headEnd type="none" w="med" len="med"/>
+                      <a:tailEnd type="none" w="med" len="med"/>
+                    </a:lnB>
+                  </a:tcPr>
+                </a:tc>
+                <a:tc>
+                  <a:txBody>
+                    <a:bodyPr/>
+                    <a:lstStyle/>
+                    <a:p>
+                      <a:pPr algn="ctr" fontAlgn="b"/>
+                      <a:r>
+                        <a:rPr lang="en-US" sz="1200" b="1" i="0" u="none" strike="noStrike">
+                          <a:solidFill>
+                            <a:srgbClr val="000000"/>
+                          </a:solidFill>
+                          <a:effectLst/>
+                          <a:latin typeface="Adobe Fangsong Std R" pitchFamily="18" charset="-128"/>
+                          <a:ea typeface="Adobe Fangsong Std R" pitchFamily="18" charset="-128"/>
+                        </a:rPr>
+                        <a:t>14.17043</a:t>
+                      </a:r>
+                    </a:p>
+                  </a:txBody>
+                  <a:tcPr marL="9525" marR="9525" marT="9525" marB="0" anchor="ctr">
+                    <a:lnL w="12700" cap="flat" cmpd="sng" algn="ctr">
+                      <a:solidFill>
+                        <a:scrgbClr r="0" g="0" b="0"/>
+                      </a:solidFill>
+                      <a:prstDash val="solid"/>
+                      <a:round/>
+                      <a:headEnd type="none" w="med" len="med"/>
+                      <a:tailEnd type="none" w="med" len="med"/>
+                    </a:lnL>
+                    <a:lnR w="12700" cap="flat" cmpd="sng" algn="ctr">
+                      <a:solidFill>
+                        <a:scrgbClr r="0" g="0" b="0"/>
+                      </a:solidFill>
+                      <a:prstDash val="solid"/>
+                      <a:round/>
+                      <a:headEnd type="none" w="med" len="med"/>
+                      <a:tailEnd type="none" w="med" len="med"/>
+                    </a:lnR>
+                    <a:lnT w="12700" cap="flat" cmpd="sng" algn="ctr">
+                      <a:solidFill>
+                        <a:scrgbClr r="0" g="0" b="0"/>
+                      </a:solidFill>
+                      <a:prstDash val="solid"/>
+                      <a:round/>
+                      <a:headEnd type="none" w="med" len="med"/>
+                      <a:tailEnd type="none" w="med" len="med"/>
+                    </a:lnT>
+                    <a:lnB w="12700" cap="flat" cmpd="sng" algn="ctr">
+                      <a:solidFill>
+                        <a:scrgbClr r="0" g="0" b="0"/>
+                      </a:solidFill>
+                      <a:prstDash val="solid"/>
+                      <a:round/>
+                      <a:headEnd type="none" w="med" len="med"/>
+                      <a:tailEnd type="none" w="med" len="med"/>
+                    </a:lnB>
+                  </a:tcPr>
+                </a:tc>
+                <a:tc>
+                  <a:txBody>
+                    <a:bodyPr/>
+                    <a:lstStyle/>
+                    <a:p>
+                      <a:pPr algn="ctr" fontAlgn="b"/>
+                      <a:r>
+                        <a:rPr lang="en-US" sz="1200" b="1" i="0" u="none" strike="noStrike" dirty="0">
+                          <a:solidFill>
+                            <a:srgbClr val="000000"/>
+                          </a:solidFill>
+                          <a:effectLst/>
+                          <a:latin typeface="Adobe Fangsong Std R" pitchFamily="18" charset="-128"/>
+                          <a:ea typeface="Adobe Fangsong Std R" pitchFamily="18" charset="-128"/>
+                        </a:rPr>
+                        <a:t>14.13174</a:t>
+                      </a:r>
+                    </a:p>
+                  </a:txBody>
+                  <a:tcPr marL="9525" marR="9525" marT="9525" marB="0" anchor="ctr">
+                    <a:lnL w="12700" cap="flat" cmpd="sng" algn="ctr">
+                      <a:solidFill>
+                        <a:scrgbClr r="0" g="0" b="0"/>
+                      </a:solidFill>
+                      <a:prstDash val="solid"/>
+                      <a:round/>
+                      <a:headEnd type="none" w="med" len="med"/>
+                      <a:tailEnd type="none" w="med" len="med"/>
+                    </a:lnL>
+                    <a:lnR w="12700" cap="flat" cmpd="sng" algn="ctr">
+                      <a:solidFill>
+                        <a:scrgbClr r="0" g="0" b="0"/>
+                      </a:solidFill>
+                      <a:prstDash val="solid"/>
+                      <a:round/>
+                      <a:headEnd type="none" w="med" len="med"/>
+                      <a:tailEnd type="none" w="med" len="med"/>
+                    </a:lnR>
+                    <a:lnT w="12700" cap="flat" cmpd="sng" algn="ctr">
+                      <a:solidFill>
+                        <a:scrgbClr r="0" g="0" b="0"/>
+                      </a:solidFill>
+                      <a:prstDash val="solid"/>
+                      <a:round/>
+                      <a:headEnd type="none" w="med" len="med"/>
+                      <a:tailEnd type="none" w="med" len="med"/>
+                    </a:lnT>
+                    <a:lnB w="12700" cap="flat" cmpd="sng" algn="ctr">
+                      <a:solidFill>
+                        <a:scrgbClr r="0" g="0" b="0"/>
+                      </a:solidFill>
+                      <a:prstDash val="solid"/>
+                      <a:round/>
+                      <a:headEnd type="none" w="med" len="med"/>
+                      <a:tailEnd type="none" w="med" len="med"/>
+                    </a:lnB>
+                  </a:tcPr>
+                </a:tc>
+              </a:tr>
+            </a:tbl>
+          </a:graphicData>
+        </a:graphic>
+      </p:graphicFrame>
+      <p:sp>
+        <p:nvSpPr>
+          <p:cNvPr id="8" name="TextBox 7"/>
+          <p:cNvSpPr txBox="1"/>
+          <p:nvPr/>
+        </p:nvSpPr>
+        <p:spPr>
+          <a:xfrm>
+            <a:off x="403731" y="2819400"/>
+            <a:ext cx="3329758" cy="369332"/>
+          </a:xfrm>
+          <a:prstGeom prst="rect">
+            <a:avLst/>
+          </a:prstGeom>
+          <a:noFill/>
+        </p:spPr>
+        <p:txBody>
+          <a:bodyPr wrap="none" rtlCol="0">
+            <a:spAutoFit/>
+          </a:bodyPr>
+          <a:lstStyle/>
+          <a:p>
+            <a:r>
+              <a:rPr lang="en-US" b="1" dirty="0" smtClean="0">
+                <a:latin typeface="Adobe Fangsong Std R" pitchFamily="18" charset="-128"/>
+                <a:ea typeface="Adobe Fangsong Std R" pitchFamily="18" charset="-128"/>
+              </a:rPr>
+              <a:t>Training Set Cross Validation</a:t>
+            </a:r>
+            <a:endParaRPr lang="en-US" b="1" dirty="0">
+              <a:latin typeface="Adobe Fangsong Std R" pitchFamily="18" charset="-128"/>
+              <a:ea typeface="Adobe Fangsong Std R" pitchFamily="18" charset="-128"/>
+            </a:endParaRPr>
+          </a:p>
+        </p:txBody>
+      </p:sp>
+      <p:sp>
+        <p:nvSpPr>
+          <p:cNvPr id="9" name="TextBox 8"/>
+          <p:cNvSpPr txBox="1"/>
+          <p:nvPr/>
+        </p:nvSpPr>
+        <p:spPr>
+          <a:xfrm>
+            <a:off x="438742" y="5029200"/>
+            <a:ext cx="2856872" cy="369332"/>
+          </a:xfrm>
+          <a:prstGeom prst="rect">
+            <a:avLst/>
+          </a:prstGeom>
+          <a:noFill/>
+        </p:spPr>
+        <p:txBody>
+          <a:bodyPr wrap="none" rtlCol="0">
+            <a:spAutoFit/>
+          </a:bodyPr>
+          <a:lstStyle/>
+          <a:p>
+            <a:r>
+              <a:rPr lang="en-US" b="1" dirty="0" smtClean="0">
+                <a:latin typeface="Adobe Fangsong Std R" pitchFamily="18" charset="-128"/>
+                <a:ea typeface="Adobe Fangsong Std R" pitchFamily="18" charset="-128"/>
+              </a:rPr>
+              <a:t>Test Set Prediction Error</a:t>
+            </a:r>
+            <a:endParaRPr lang="en-US" b="1" dirty="0">
+              <a:latin typeface="Adobe Fangsong Std R" pitchFamily="18" charset="-128"/>
+              <a:ea typeface="Adobe Fangsong Std R" pitchFamily="18" charset="-128"/>
+            </a:endParaRPr>
+          </a:p>
+        </p:txBody>
+      </p:sp>
+    </p:spTree>
+    <p:extLst>
+      <p:ext uri="{BB962C8B-B14F-4D97-AF65-F5344CB8AC3E}">
+        <p14:creationId xmlns:p14="http://schemas.microsoft.com/office/powerpoint/2010/main" val="2387711665"/>
+      </p:ext>
+    </p:extLst>
+  </p:cSld>
+  <p:clrMapOvr>
+    <a:masterClrMapping/>
+  </p:clrMapOvr>
+  <p:timing>
+    <p:tnLst>
+      <p:par>
+        <p:cTn id="1" dur="indefinite" restart="never" nodeType="tmRoot"/>
+      </p:par>
+    </p:tnLst>
+  </p:timing>
+</p:sld>
+</file>
+
+<file path=ppt/slides/slide23.xml><?xml version="1.0" encoding="utf-8"?>
+<p:sld xmlns:a="http://schemas.openxmlformats.org/drawingml/2006/main" xmlns:r="http://schemas.openxmlformats.org/officeDocument/2006/relationships" xmlns:p="http://schemas.openxmlformats.org/presentationml/2006/main">
+  <p:cSld>
+    <p:spTree>
+      <p:nvGrpSpPr>
+        <p:cNvPr id="1" name=""/>
+        <p:cNvGrpSpPr/>
+        <p:nvPr/>
+      </p:nvGrpSpPr>
+      <p:grpSpPr>
+        <a:xfrm>
+          <a:off x="0" y="0"/>
+          <a:ext cx="0" cy="0"/>
+          <a:chOff x="0" y="0"/>
+          <a:chExt cx="0" cy="0"/>
+        </a:xfrm>
+      </p:grpSpPr>
       <p:sp>
         <p:nvSpPr>
           <p:cNvPr id="4" name="TextBox 3"/>
@@ -13729,7 +19719,7 @@
 </p:sld>
 </file>
 
-<file path=ppt/slides/slide21.xml><?xml version="1.0" encoding="utf-8"?>
+<file path=ppt/slides/slide24.xml><?xml version="1.0" encoding="utf-8"?>
 <p:sld xmlns:a="http://schemas.openxmlformats.org/drawingml/2006/main" xmlns:r="http://schemas.openxmlformats.org/officeDocument/2006/relationships" xmlns:p="http://schemas.openxmlformats.org/presentationml/2006/main">
   <p:cSld>
     <p:spTree>
@@ -14800,7 +20790,7 @@
 </p:sld>
 </file>
 
-<file path=ppt/slides/slide22.xml><?xml version="1.0" encoding="utf-8"?>
+<file path=ppt/slides/slide25.xml><?xml version="1.0" encoding="utf-8"?>
 <p:sld xmlns:a="http://schemas.openxmlformats.org/drawingml/2006/main" xmlns:r="http://schemas.openxmlformats.org/officeDocument/2006/relationships" xmlns:p="http://schemas.openxmlformats.org/presentationml/2006/main">
   <p:cSld>
     <p:spTree>
@@ -15006,10 +20996,6 @@
               </a:rPr>
               <a:t>472361</a:t>
             </a:r>
-            <a:endParaRPr lang="en-US" b="1" dirty="0">
-              <a:latin typeface="Adobe Fangsong Std R" pitchFamily="18" charset="-128"/>
-              <a:ea typeface="Adobe Fangsong Std R" pitchFamily="18" charset="-128"/>
-            </a:endParaRPr>
           </a:p>
         </p:txBody>
       </p:sp>
@@ -15138,10 +21124,6 @@
               </a:rPr>
               <a:t>4237244</a:t>
             </a:r>
-            <a:endParaRPr lang="en-US" b="1" dirty="0">
-              <a:latin typeface="Adobe Fangsong Std R" pitchFamily="18" charset="-128"/>
-              <a:ea typeface="Adobe Fangsong Std R" pitchFamily="18" charset="-128"/>
-            </a:endParaRPr>
           </a:p>
         </p:txBody>
       </p:sp>
@@ -15270,10 +21252,6 @@
               </a:rPr>
               <a:t>2649</a:t>
             </a:r>
-            <a:endParaRPr lang="en-US" b="1" dirty="0">
-              <a:latin typeface="Adobe Fangsong Std R" pitchFamily="18" charset="-128"/>
-              <a:ea typeface="Adobe Fangsong Std R" pitchFamily="18" charset="-128"/>
-            </a:endParaRPr>
           </a:p>
         </p:txBody>
       </p:sp>
@@ -15402,10 +21380,6 @@
               </a:rPr>
               <a:t>10456</a:t>
             </a:r>
-            <a:endParaRPr lang="en-US" b="1" dirty="0">
-              <a:latin typeface="Adobe Fangsong Std R" pitchFamily="18" charset="-128"/>
-              <a:ea typeface="Adobe Fangsong Std R" pitchFamily="18" charset="-128"/>
-            </a:endParaRPr>
           </a:p>
         </p:txBody>
       </p:sp>
@@ -15657,7 +21631,7 @@
 </p:sld>
 </file>
 
-<file path=ppt/slides/slide23.xml><?xml version="1.0" encoding="utf-8"?>
+<file path=ppt/slides/slide26.xml><?xml version="1.0" encoding="utf-8"?>
 <p:sld xmlns:a="http://schemas.openxmlformats.org/drawingml/2006/main" xmlns:r="http://schemas.openxmlformats.org/officeDocument/2006/relationships" xmlns:p="http://schemas.openxmlformats.org/presentationml/2006/main">
   <p:cSld>
     <p:spTree>
@@ -16109,7 +22083,7 @@
 </p:sld>
 </file>
 
-<file path=ppt/slides/slide24.xml><?xml version="1.0" encoding="utf-8"?>
+<file path=ppt/slides/slide27.xml><?xml version="1.0" encoding="utf-8"?>
 <p:sld xmlns:a="http://schemas.openxmlformats.org/drawingml/2006/main" xmlns:r="http://schemas.openxmlformats.org/officeDocument/2006/relationships" xmlns:p="http://schemas.openxmlformats.org/presentationml/2006/main">
   <p:cSld>
     <p:spTree>
@@ -16306,7 +22280,7 @@
 </p:sld>
 </file>
 
-<file path=ppt/slides/slide25.xml><?xml version="1.0" encoding="utf-8"?>
+<file path=ppt/slides/slide28.xml><?xml version="1.0" encoding="utf-8"?>
 <p:sld xmlns:a="http://schemas.openxmlformats.org/drawingml/2006/main" xmlns:r="http://schemas.openxmlformats.org/officeDocument/2006/relationships" xmlns:p="http://schemas.openxmlformats.org/presentationml/2006/main">
   <p:cSld>
     <p:spTree>
@@ -18574,14 +24548,7 @@
                 <a:latin typeface="Adobe Fangsong Std R" pitchFamily="18" charset="-128"/>
                 <a:ea typeface="Adobe Fangsong Std R" pitchFamily="18" charset="-128"/>
               </a:rPr>
-              <a:t>10 </a:t>
-            </a:r>
-            <a:r>
-              <a:rPr lang="en-US" sz="1400" b="1" dirty="0" smtClean="0">
-                <a:latin typeface="Adobe Fangsong Std R" pitchFamily="18" charset="-128"/>
-                <a:ea typeface="Adobe Fangsong Std R" pitchFamily="18" charset="-128"/>
-              </a:rPr>
-              <a:t>Data Points</a:t>
+              <a:t>10 Data Points</a:t>
             </a:r>
             <a:endParaRPr lang="en-US" sz="1400" b="1" dirty="0">
               <a:latin typeface="Adobe Fangsong Std R" pitchFamily="18" charset="-128"/>
@@ -21060,14 +27027,7 @@
                 <a:latin typeface="Adobe Fangsong Std R" pitchFamily="18" charset="-128"/>
                 <a:ea typeface="Adobe Fangsong Std R" pitchFamily="18" charset="-128"/>
               </a:rPr>
-              <a:t>127.1043</a:t>
-            </a:r>
-            <a:r>
-              <a:rPr lang="en-US" sz="1400" b="1" dirty="0">
-                <a:latin typeface="Adobe Fangsong Std R" pitchFamily="18" charset="-128"/>
-                <a:ea typeface="Adobe Fangsong Std R" pitchFamily="18" charset="-128"/>
-              </a:rPr>
-              <a:t> </a:t>
+              <a:t>127.1043 </a:t>
             </a:r>
           </a:p>
         </p:txBody>
@@ -25009,35 +30969,21 @@
                 <a:latin typeface="Adobe Fangsong Std R" pitchFamily="18" charset="-128"/>
                 <a:ea typeface="Adobe Fangsong Std R" pitchFamily="18" charset="-128"/>
               </a:rPr>
-              <a:t>1280.677</a:t>
+              <a:t>1280.677 </a:t>
+            </a:r>
+            <a:r>
+              <a:rPr lang="en-US" sz="1400" b="1" dirty="0" smtClean="0">
+                <a:latin typeface="Adobe Fangsong Std R" pitchFamily="18" charset="-128"/>
+                <a:ea typeface="Adobe Fangsong Std R" pitchFamily="18" charset="-128"/>
+              </a:rPr>
+              <a:t>) / 10  = </a:t>
             </a:r>
             <a:r>
               <a:rPr lang="en-US" sz="1400" b="1" dirty="0">
                 <a:latin typeface="Adobe Fangsong Std R" pitchFamily="18" charset="-128"/>
                 <a:ea typeface="Adobe Fangsong Std R" pitchFamily="18" charset="-128"/>
               </a:rPr>
-              <a:t> </a:t>
-            </a:r>
-            <a:r>
-              <a:rPr lang="en-US" sz="1400" b="1" dirty="0" smtClean="0">
-                <a:latin typeface="Adobe Fangsong Std R" pitchFamily="18" charset="-128"/>
-                <a:ea typeface="Adobe Fangsong Std R" pitchFamily="18" charset="-128"/>
-              </a:rPr>
-              <a:t>) / 10  = </a:t>
-            </a:r>
-            <a:r>
-              <a:rPr lang="en-US" sz="1400" b="1" dirty="0">
-                <a:latin typeface="Adobe Fangsong Std R" pitchFamily="18" charset="-128"/>
-                <a:ea typeface="Adobe Fangsong Std R" pitchFamily="18" charset="-128"/>
-              </a:rPr>
-              <a:t>128.0677</a:t>
-            </a:r>
-            <a:r>
-              <a:rPr lang="en-US" sz="1400" b="1" dirty="0">
-                <a:latin typeface="Adobe Fangsong Std R" pitchFamily="18" charset="-128"/>
-                <a:ea typeface="Adobe Fangsong Std R" pitchFamily="18" charset="-128"/>
-              </a:rPr>
-              <a:t> </a:t>
+              <a:t>128.0677 </a:t>
             </a:r>
             <a:r>
               <a:rPr lang="en-US" sz="1400" b="1" dirty="0" smtClean="0">
